--- a/Pwn/報告/程式安全期末報告.pptx
+++ b/Pwn/報告/程式安全期末報告.pptx
@@ -8,11 +8,9 @@
     <p:sldId id="256" r:id="rId2"/>
     <p:sldId id="257" r:id="rId3"/>
     <p:sldId id="258" r:id="rId4"/>
-    <p:sldId id="259" r:id="rId5"/>
-    <p:sldId id="260" r:id="rId6"/>
-    <p:sldId id="261" r:id="rId7"/>
-    <p:sldId id="262" r:id="rId8"/>
-    <p:sldId id="263" r:id="rId9"/>
+    <p:sldId id="261" r:id="rId5"/>
+    <p:sldId id="259" r:id="rId6"/>
+    <p:sldId id="260" r:id="rId7"/>
   </p:sldIdLst>
   <p:sldSz cx="12192000" cy="6858000"/>
   <p:notesSz cx="6858000" cy="9144000"/>
@@ -111,6 +109,11 @@
       </a:defRPr>
     </a:lvl9pPr>
   </p:defaultTextStyle>
+  <p:extLst>
+    <p:ext uri="{EFAFB233-063F-42B5-8137-9DF3F51BA10A}">
+      <p15:sldGuideLst xmlns:p15="http://schemas.microsoft.com/office/powerpoint/2012/main"/>
+    </p:ext>
+  </p:extLst>
 </p:presentation>
 </file>
 
@@ -245,7 +248,7 @@
           <a:p>
             <a:fld id="{0B8D0A88-0C25-43A3-8686-99B30120A23C}" type="datetimeFigureOut">
               <a:rPr lang="zh-TW" altLang="en-US" smtClean="0"/>
-              <a:t>2022/5/5</a:t>
+              <a:t>2022/5/19</a:t>
             </a:fld>
             <a:endParaRPr lang="zh-TW" altLang="en-US"/>
           </a:p>
@@ -415,7 +418,7 @@
           <a:p>
             <a:fld id="{0B8D0A88-0C25-43A3-8686-99B30120A23C}" type="datetimeFigureOut">
               <a:rPr lang="zh-TW" altLang="en-US" smtClean="0"/>
-              <a:t>2022/5/5</a:t>
+              <a:t>2022/5/19</a:t>
             </a:fld>
             <a:endParaRPr lang="zh-TW" altLang="en-US"/>
           </a:p>
@@ -595,7 +598,7 @@
           <a:p>
             <a:fld id="{0B8D0A88-0C25-43A3-8686-99B30120A23C}" type="datetimeFigureOut">
               <a:rPr lang="zh-TW" altLang="en-US" smtClean="0"/>
-              <a:t>2022/5/5</a:t>
+              <a:t>2022/5/19</a:t>
             </a:fld>
             <a:endParaRPr lang="zh-TW" altLang="en-US"/>
           </a:p>
@@ -765,7 +768,7 @@
           <a:p>
             <a:fld id="{0B8D0A88-0C25-43A3-8686-99B30120A23C}" type="datetimeFigureOut">
               <a:rPr lang="zh-TW" altLang="en-US" smtClean="0"/>
-              <a:t>2022/5/5</a:t>
+              <a:t>2022/5/19</a:t>
             </a:fld>
             <a:endParaRPr lang="zh-TW" altLang="en-US"/>
           </a:p>
@@ -1011,7 +1014,7 @@
           <a:p>
             <a:fld id="{0B8D0A88-0C25-43A3-8686-99B30120A23C}" type="datetimeFigureOut">
               <a:rPr lang="zh-TW" altLang="en-US" smtClean="0"/>
-              <a:t>2022/5/5</a:t>
+              <a:t>2022/5/19</a:t>
             </a:fld>
             <a:endParaRPr lang="zh-TW" altLang="en-US"/>
           </a:p>
@@ -1243,7 +1246,7 @@
           <a:p>
             <a:fld id="{0B8D0A88-0C25-43A3-8686-99B30120A23C}" type="datetimeFigureOut">
               <a:rPr lang="zh-TW" altLang="en-US" smtClean="0"/>
-              <a:t>2022/5/5</a:t>
+              <a:t>2022/5/19</a:t>
             </a:fld>
             <a:endParaRPr lang="zh-TW" altLang="en-US"/>
           </a:p>
@@ -1610,7 +1613,7 @@
           <a:p>
             <a:fld id="{0B8D0A88-0C25-43A3-8686-99B30120A23C}" type="datetimeFigureOut">
               <a:rPr lang="zh-TW" altLang="en-US" smtClean="0"/>
-              <a:t>2022/5/5</a:t>
+              <a:t>2022/5/19</a:t>
             </a:fld>
             <a:endParaRPr lang="zh-TW" altLang="en-US"/>
           </a:p>
@@ -1728,7 +1731,7 @@
           <a:p>
             <a:fld id="{0B8D0A88-0C25-43A3-8686-99B30120A23C}" type="datetimeFigureOut">
               <a:rPr lang="zh-TW" altLang="en-US" smtClean="0"/>
-              <a:t>2022/5/5</a:t>
+              <a:t>2022/5/19</a:t>
             </a:fld>
             <a:endParaRPr lang="zh-TW" altLang="en-US"/>
           </a:p>
@@ -1823,7 +1826,7 @@
           <a:p>
             <a:fld id="{0B8D0A88-0C25-43A3-8686-99B30120A23C}" type="datetimeFigureOut">
               <a:rPr lang="zh-TW" altLang="en-US" smtClean="0"/>
-              <a:t>2022/5/5</a:t>
+              <a:t>2022/5/19</a:t>
             </a:fld>
             <a:endParaRPr lang="zh-TW" altLang="en-US"/>
           </a:p>
@@ -2100,7 +2103,7 @@
           <a:p>
             <a:fld id="{0B8D0A88-0C25-43A3-8686-99B30120A23C}" type="datetimeFigureOut">
               <a:rPr lang="zh-TW" altLang="en-US" smtClean="0"/>
-              <a:t>2022/5/5</a:t>
+              <a:t>2022/5/19</a:t>
             </a:fld>
             <a:endParaRPr lang="zh-TW" altLang="en-US"/>
           </a:p>
@@ -2357,7 +2360,7 @@
           <a:p>
             <a:fld id="{0B8D0A88-0C25-43A3-8686-99B30120A23C}" type="datetimeFigureOut">
               <a:rPr lang="zh-TW" altLang="en-US" smtClean="0"/>
-              <a:t>2022/5/5</a:t>
+              <a:t>2022/5/19</a:t>
             </a:fld>
             <a:endParaRPr lang="zh-TW" altLang="en-US"/>
           </a:p>
@@ -2579,7 +2582,7 @@
           <a:p>
             <a:fld id="{0B8D0A88-0C25-43A3-8686-99B30120A23C}" type="datetimeFigureOut">
               <a:rPr lang="zh-TW" altLang="en-US" smtClean="0"/>
-              <a:t>2022/5/5</a:t>
+              <a:t>2022/5/19</a:t>
             </a:fld>
             <a:endParaRPr lang="zh-TW" altLang="en-US"/>
           </a:p>
@@ -3126,7 +3129,12 @@
             <p:ph type="title"/>
           </p:nvPr>
         </p:nvSpPr>
-        <p:spPr/>
+        <p:spPr>
+          <a:xfrm>
+            <a:off x="838200" y="365126"/>
+            <a:ext cx="10515600" cy="1153078"/>
+          </a:xfrm>
+        </p:spPr>
         <p:txBody>
           <a:bodyPr/>
           <a:lstStyle/>
@@ -3158,12 +3166,14 @@
         </p:nvSpPr>
         <p:spPr>
           <a:xfrm>
-            <a:off x="3021085" y="1846087"/>
-            <a:ext cx="6149829" cy="3165825"/>
+            <a:off x="3036465" y="1518202"/>
+            <a:ext cx="6119070" cy="4974672"/>
           </a:xfrm>
         </p:spPr>
         <p:txBody>
-          <a:bodyPr/>
+          <a:bodyPr>
+            <a:normAutofit/>
+          </a:bodyPr>
           <a:lstStyle/>
           <a:p>
             <a:r>
@@ -3174,66 +3184,87 @@
           <a:p>
             <a:r>
               <a:rPr lang="zh-TW" altLang="en-US" dirty="0"/>
-              <a:t>程式漏洞分析</a:t>
+              <a:t>程式漏洞資料庫</a:t>
+            </a:r>
+          </a:p>
+          <a:p>
+            <a:r>
+              <a:rPr lang="zh-TW" altLang="en-US" dirty="0"/>
+              <a:t>程式漏洞嚴重度計分系統</a:t>
             </a:r>
             <a:r>
               <a:rPr lang="en-US" altLang="zh-TW" dirty="0"/>
-              <a:t>: </a:t>
-            </a:r>
+              <a:t>(Common Vulnerability Scoring System)CVSS</a:t>
+            </a:r>
+          </a:p>
+          <a:p>
             <a:r>
               <a:rPr lang="zh-TW" altLang="en-US" dirty="0"/>
-              <a:t>動態分析  </a:t>
-            </a:r>
+              <a:t>測試環境與工具</a:t>
+            </a:r>
+            <a:r>
+              <a:rPr lang="en-US" altLang="zh-TW" dirty="0" err="1"/>
+              <a:t>Pwntools</a:t>
+            </a:r>
+            <a:endParaRPr lang="en-US" altLang="zh-TW" dirty="0"/>
+          </a:p>
+          <a:p>
             <a:r>
               <a:rPr lang="en-US" altLang="zh-TW" dirty="0"/>
-              <a:t>vs </a:t>
+              <a:t>MYPwnLabA999168</a:t>
             </a:r>
             <a:r>
               <a:rPr lang="zh-TW" altLang="en-US" dirty="0"/>
-              <a:t>靜態分析</a:t>
+              <a:t>測試環境建置</a:t>
             </a:r>
           </a:p>
           <a:p>
             <a:r>
               <a:rPr lang="zh-TW" altLang="en-US" dirty="0"/>
-              <a:t>程式漏洞的嚴重性</a:t>
+              <a:t>程式漏洞分析實戰</a:t>
             </a:r>
             <a:r>
               <a:rPr lang="en-US" altLang="zh-TW" dirty="0"/>
-              <a:t>: PWN</a:t>
+              <a:t>1(pass)</a:t>
             </a:r>
           </a:p>
           <a:p>
             <a:r>
               <a:rPr lang="zh-TW" altLang="en-US" dirty="0"/>
-              <a:t>程式漏洞分析</a:t>
+              <a:t>程式漏洞分析實戰</a:t>
             </a:r>
             <a:r>
               <a:rPr lang="en-US" altLang="zh-TW" dirty="0"/>
-              <a:t>(1) Buffer Overflow</a:t>
+              <a:t>2(</a:t>
+            </a:r>
+            <a:r>
+              <a:rPr lang="en-US" altLang="zh-TW" dirty="0" err="1"/>
+              <a:t>gohome</a:t>
+            </a:r>
+            <a:r>
+              <a:rPr lang="en-US" altLang="zh-TW" dirty="0"/>
+              <a:t>)</a:t>
             </a:r>
           </a:p>
           <a:p>
             <a:r>
               <a:rPr lang="zh-TW" altLang="en-US" dirty="0"/>
-              <a:t>程式漏洞分析</a:t>
+              <a:t>程式漏洞分析實戰</a:t>
             </a:r>
             <a:r>
               <a:rPr lang="en-US" altLang="zh-TW" dirty="0"/>
-              <a:t>(2) Return2code</a:t>
+              <a:t>3(Angelboy_Pwn-2)</a:t>
             </a:r>
           </a:p>
           <a:p>
             <a:r>
               <a:rPr lang="zh-TW" altLang="en-US" dirty="0"/>
-              <a:t>程式漏洞分析</a:t>
+              <a:t>程式漏洞分析實戰</a:t>
             </a:r>
             <a:r>
               <a:rPr lang="en-US" altLang="zh-TW" dirty="0"/>
-              <a:t>(3) return2shellcode</a:t>
-            </a:r>
-          </a:p>
-          <a:p>
+              <a:t>4,5,6,7</a:t>
+            </a:r>
             <a:endParaRPr lang="zh-TW" altLang="en-US" dirty="0"/>
           </a:p>
         </p:txBody>
@@ -3273,7 +3304,7 @@
           <p:cNvPr id="2" name="標題 1">
             <a:extLst>
               <a:ext uri="{FF2B5EF4-FFF2-40B4-BE49-F238E27FC236}">
-                <a16:creationId xmlns:a16="http://schemas.microsoft.com/office/drawing/2014/main" id="{9184B911-FDB3-773D-E5BC-F83672AFF888}"/>
+                <a16:creationId xmlns:a16="http://schemas.microsoft.com/office/drawing/2014/main" id="{98046BAF-8DB0-0A6F-C92F-03E3877FC0FF}"/>
               </a:ext>
             </a:extLst>
           </p:cNvPr>
@@ -3291,23 +3322,26 @@
           </a:xfrm>
         </p:spPr>
         <p:txBody>
-          <a:bodyPr>
-            <a:normAutofit/>
-          </a:bodyPr>
+          <a:bodyPr/>
           <a:lstStyle/>
           <a:p>
             <a:pPr algn="ctr"/>
             <a:r>
-              <a:rPr lang="zh-TW" altLang="en-US" sz="6600" dirty="0"/>
-              <a:t>程式漏洞</a:t>
-            </a:r>
+              <a:rPr lang="zh-TW" altLang="en-US" dirty="0"/>
+              <a:t>程式漏洞分析實戰</a:t>
+            </a:r>
+            <a:r>
+              <a:rPr lang="en-US" altLang="zh-TW" dirty="0"/>
+              <a:t>1(pass)</a:t>
+            </a:r>
+            <a:endParaRPr lang="zh-TW" altLang="en-US" dirty="0"/>
           </a:p>
         </p:txBody>
       </p:sp>
     </p:spTree>
     <p:extLst>
       <p:ext uri="{BB962C8B-B14F-4D97-AF65-F5344CB8AC3E}">
-        <p14:creationId xmlns:p14="http://schemas.microsoft.com/office/powerpoint/2010/main" val="4237751850"/>
+        <p14:creationId xmlns:p14="http://schemas.microsoft.com/office/powerpoint/2010/main" val="1680724939"/>
       </p:ext>
     </p:extLst>
   </p:cSld>
@@ -3339,7 +3373,7 @@
           <p:cNvPr id="2" name="標題 1">
             <a:extLst>
               <a:ext uri="{FF2B5EF4-FFF2-40B4-BE49-F238E27FC236}">
-                <a16:creationId xmlns:a16="http://schemas.microsoft.com/office/drawing/2014/main" id="{267332F6-F2B6-D284-EDDD-A11EA7403AAF}"/>
+                <a16:creationId xmlns:a16="http://schemas.microsoft.com/office/drawing/2014/main" id="{A1941E62-6448-B09D-C490-9FDF25C02BFA}"/>
               </a:ext>
             </a:extLst>
           </p:cNvPr>
@@ -3350,46 +3384,44 @@
             <p:ph type="title"/>
           </p:nvPr>
         </p:nvSpPr>
-        <p:spPr>
-          <a:xfrm>
-            <a:off x="838200" y="2766218"/>
-            <a:ext cx="10515600" cy="1325563"/>
-          </a:xfrm>
-        </p:spPr>
-        <p:txBody>
-          <a:bodyPr>
-            <a:normAutofit/>
-          </a:bodyPr>
-          <a:lstStyle/>
-          <a:p>
-            <a:pPr algn="ctr"/>
-            <a:r>
-              <a:rPr lang="zh-TW" altLang="en-US" sz="4800" dirty="0"/>
-              <a:t>程式漏洞分析</a:t>
-            </a:r>
-            <a:r>
-              <a:rPr lang="en-US" altLang="zh-TW" sz="4800" dirty="0"/>
-              <a:t>: </a:t>
-            </a:r>
-            <a:r>
-              <a:rPr lang="zh-TW" altLang="en-US" sz="4800" dirty="0"/>
-              <a:t>動態分析  </a:t>
-            </a:r>
-            <a:r>
-              <a:rPr lang="en-US" altLang="zh-TW" sz="4800" dirty="0"/>
-              <a:t>vs </a:t>
-            </a:r>
-            <a:r>
-              <a:rPr lang="zh-TW" altLang="en-US" sz="4800" dirty="0"/>
-              <a:t>靜態分析</a:t>
-            </a:r>
+        <p:spPr/>
+        <p:txBody>
+          <a:bodyPr/>
+          <a:lstStyle/>
+          <a:p>
+            <a:endParaRPr lang="zh-TW" altLang="en-US"/>
+          </a:p>
+        </p:txBody>
+      </p:sp>
+      <p:sp>
+        <p:nvSpPr>
+          <p:cNvPr id="3" name="內容版面配置區 2">
+            <a:extLst>
+              <a:ext uri="{FF2B5EF4-FFF2-40B4-BE49-F238E27FC236}">
+                <a16:creationId xmlns:a16="http://schemas.microsoft.com/office/drawing/2014/main" id="{5EDE19B0-2A30-1AF1-590B-34915A026644}"/>
+              </a:ext>
+            </a:extLst>
+          </p:cNvPr>
+          <p:cNvSpPr>
+            <a:spLocks noGrp="1"/>
+          </p:cNvSpPr>
+          <p:nvPr>
+            <p:ph idx="1"/>
+          </p:nvPr>
+        </p:nvSpPr>
+        <p:spPr/>
+        <p:txBody>
+          <a:bodyPr/>
+          <a:lstStyle/>
+          <a:p>
+            <a:endParaRPr lang="zh-TW" altLang="en-US"/>
           </a:p>
         </p:txBody>
       </p:sp>
     </p:spTree>
     <p:extLst>
       <p:ext uri="{BB962C8B-B14F-4D97-AF65-F5344CB8AC3E}">
-        <p14:creationId xmlns:p14="http://schemas.microsoft.com/office/powerpoint/2010/main" val="1626709377"/>
+        <p14:creationId xmlns:p14="http://schemas.microsoft.com/office/powerpoint/2010/main" val="622459493"/>
       </p:ext>
     </p:extLst>
   </p:cSld>
@@ -3421,7 +3453,7 @@
           <p:cNvPr id="2" name="標題 1">
             <a:extLst>
               <a:ext uri="{FF2B5EF4-FFF2-40B4-BE49-F238E27FC236}">
-                <a16:creationId xmlns:a16="http://schemas.microsoft.com/office/drawing/2014/main" id="{00655D5F-80EE-F612-6034-EA8802E4869C}"/>
+                <a16:creationId xmlns:a16="http://schemas.microsoft.com/office/drawing/2014/main" id="{EE32E072-1818-EA96-B880-A69F80737B44}"/>
               </a:ext>
             </a:extLst>
           </p:cNvPr>
@@ -3439,28 +3471,34 @@
           </a:xfrm>
         </p:spPr>
         <p:txBody>
-          <a:bodyPr>
-            <a:normAutofit/>
-          </a:bodyPr>
+          <a:bodyPr/>
           <a:lstStyle/>
           <a:p>
             <a:pPr algn="ctr"/>
             <a:r>
-              <a:rPr lang="zh-TW" altLang="en-US" sz="4800" dirty="0"/>
-              <a:t>程式漏洞的嚴重性</a:t>
-            </a:r>
-            <a:r>
-              <a:rPr lang="en-US" altLang="zh-TW" sz="4800" dirty="0"/>
-              <a:t>: PWN</a:t>
-            </a:r>
-            <a:endParaRPr lang="zh-TW" altLang="en-US" sz="4800" dirty="0"/>
+              <a:rPr lang="zh-TW" altLang="en-US" dirty="0"/>
+              <a:t>程式漏洞分析實戰</a:t>
+            </a:r>
+            <a:r>
+              <a:rPr lang="en-US" altLang="zh-TW" dirty="0"/>
+              <a:t>2(</a:t>
+            </a:r>
+            <a:r>
+              <a:rPr lang="en-US" altLang="zh-TW" dirty="0" err="1"/>
+              <a:t>gohome</a:t>
+            </a:r>
+            <a:r>
+              <a:rPr lang="en-US" altLang="zh-TW" dirty="0"/>
+              <a:t>)</a:t>
+            </a:r>
+            <a:endParaRPr lang="zh-TW" altLang="en-US" dirty="0"/>
           </a:p>
         </p:txBody>
       </p:sp>
     </p:spTree>
     <p:extLst>
       <p:ext uri="{BB962C8B-B14F-4D97-AF65-F5344CB8AC3E}">
-        <p14:creationId xmlns:p14="http://schemas.microsoft.com/office/powerpoint/2010/main" val="881068910"/>
+        <p14:creationId xmlns:p14="http://schemas.microsoft.com/office/powerpoint/2010/main" val="942801425"/>
       </p:ext>
     </p:extLst>
   </p:cSld>
@@ -3492,7 +3530,7 @@
           <p:cNvPr id="2" name="標題 1">
             <a:extLst>
               <a:ext uri="{FF2B5EF4-FFF2-40B4-BE49-F238E27FC236}">
-                <a16:creationId xmlns:a16="http://schemas.microsoft.com/office/drawing/2014/main" id="{C821D839-13E5-0453-5069-8BC360755341}"/>
+                <a16:creationId xmlns:a16="http://schemas.microsoft.com/office/drawing/2014/main" id="{EE32E072-1818-EA96-B880-A69F80737B44}"/>
               </a:ext>
             </a:extLst>
           </p:cNvPr>
@@ -3510,170 +3548,26 @@
           </a:xfrm>
         </p:spPr>
         <p:txBody>
-          <a:bodyPr>
-            <a:normAutofit/>
-          </a:bodyPr>
+          <a:bodyPr/>
           <a:lstStyle/>
           <a:p>
             <a:pPr algn="ctr"/>
             <a:r>
-              <a:rPr lang="zh-TW" altLang="en-US" sz="4800" dirty="0"/>
-              <a:t>程式漏洞分析</a:t>
-            </a:r>
-            <a:r>
-              <a:rPr lang="en-US" altLang="zh-TW" sz="4800" dirty="0"/>
-              <a:t>(1) Buffer Overflow</a:t>
-            </a:r>
-            <a:endParaRPr lang="zh-TW" altLang="en-US" sz="4800" dirty="0"/>
+              <a:rPr lang="zh-TW" altLang="en-US" dirty="0"/>
+              <a:t>程式漏洞分析實戰</a:t>
+            </a:r>
+            <a:r>
+              <a:rPr lang="en-US" altLang="zh-TW" dirty="0"/>
+              <a:t>3(Angelboy_Pwn-2)</a:t>
+            </a:r>
+            <a:endParaRPr lang="zh-TW" altLang="en-US" dirty="0"/>
           </a:p>
         </p:txBody>
       </p:sp>
     </p:spTree>
     <p:extLst>
       <p:ext uri="{BB962C8B-B14F-4D97-AF65-F5344CB8AC3E}">
-        <p14:creationId xmlns:p14="http://schemas.microsoft.com/office/powerpoint/2010/main" val="4219521116"/>
-      </p:ext>
-    </p:extLst>
-  </p:cSld>
-  <p:clrMapOvr>
-    <a:masterClrMapping/>
-  </p:clrMapOvr>
-</p:sld>
-</file>
-
-<file path=ppt/slides/slide7.xml><?xml version="1.0" encoding="utf-8"?>
-<p:sld xmlns:a="http://schemas.openxmlformats.org/drawingml/2006/main" xmlns:r="http://schemas.openxmlformats.org/officeDocument/2006/relationships" xmlns:p="http://schemas.openxmlformats.org/presentationml/2006/main">
-  <p:cSld>
-    <p:spTree>
-      <p:nvGrpSpPr>
-        <p:cNvPr id="1" name=""/>
-        <p:cNvGrpSpPr/>
-        <p:nvPr/>
-      </p:nvGrpSpPr>
-      <p:grpSpPr>
-        <a:xfrm>
-          <a:off x="0" y="0"/>
-          <a:ext cx="0" cy="0"/>
-          <a:chOff x="0" y="0"/>
-          <a:chExt cx="0" cy="0"/>
-        </a:xfrm>
-      </p:grpSpPr>
-      <p:sp>
-        <p:nvSpPr>
-          <p:cNvPr id="2" name="標題 1">
-            <a:extLst>
-              <a:ext uri="{FF2B5EF4-FFF2-40B4-BE49-F238E27FC236}">
-                <a16:creationId xmlns:a16="http://schemas.microsoft.com/office/drawing/2014/main" id="{A31E0B97-133E-903C-5705-F333877C499D}"/>
-              </a:ext>
-            </a:extLst>
-          </p:cNvPr>
-          <p:cNvSpPr>
-            <a:spLocks noGrp="1"/>
-          </p:cNvSpPr>
-          <p:nvPr>
-            <p:ph type="title"/>
-          </p:nvPr>
-        </p:nvSpPr>
-        <p:spPr>
-          <a:xfrm>
-            <a:off x="838200" y="2766218"/>
-            <a:ext cx="10515600" cy="1325563"/>
-          </a:xfrm>
-        </p:spPr>
-        <p:txBody>
-          <a:bodyPr>
-            <a:normAutofit/>
-          </a:bodyPr>
-          <a:lstStyle/>
-          <a:p>
-            <a:pPr algn="ctr"/>
-            <a:r>
-              <a:rPr lang="zh-TW" altLang="en-US" sz="4800" dirty="0"/>
-              <a:t>程式漏洞分析</a:t>
-            </a:r>
-            <a:r>
-              <a:rPr lang="en-US" altLang="zh-TW" sz="4800" dirty="0"/>
-              <a:t>(2) Return2code</a:t>
-            </a:r>
-            <a:endParaRPr lang="zh-TW" altLang="en-US" sz="4800" dirty="0"/>
-          </a:p>
-        </p:txBody>
-      </p:sp>
-    </p:spTree>
-    <p:extLst>
-      <p:ext uri="{BB962C8B-B14F-4D97-AF65-F5344CB8AC3E}">
-        <p14:creationId xmlns:p14="http://schemas.microsoft.com/office/powerpoint/2010/main" val="884075783"/>
-      </p:ext>
-    </p:extLst>
-  </p:cSld>
-  <p:clrMapOvr>
-    <a:masterClrMapping/>
-  </p:clrMapOvr>
-</p:sld>
-</file>
-
-<file path=ppt/slides/slide8.xml><?xml version="1.0" encoding="utf-8"?>
-<p:sld xmlns:a="http://schemas.openxmlformats.org/drawingml/2006/main" xmlns:r="http://schemas.openxmlformats.org/officeDocument/2006/relationships" xmlns:p="http://schemas.openxmlformats.org/presentationml/2006/main">
-  <p:cSld>
-    <p:spTree>
-      <p:nvGrpSpPr>
-        <p:cNvPr id="1" name=""/>
-        <p:cNvGrpSpPr/>
-        <p:nvPr/>
-      </p:nvGrpSpPr>
-      <p:grpSpPr>
-        <a:xfrm>
-          <a:off x="0" y="0"/>
-          <a:ext cx="0" cy="0"/>
-          <a:chOff x="0" y="0"/>
-          <a:chExt cx="0" cy="0"/>
-        </a:xfrm>
-      </p:grpSpPr>
-      <p:sp>
-        <p:nvSpPr>
-          <p:cNvPr id="2" name="標題 1">
-            <a:extLst>
-              <a:ext uri="{FF2B5EF4-FFF2-40B4-BE49-F238E27FC236}">
-                <a16:creationId xmlns:a16="http://schemas.microsoft.com/office/drawing/2014/main" id="{5834D388-20E3-6AAA-784F-9F9761DB91C3}"/>
-              </a:ext>
-            </a:extLst>
-          </p:cNvPr>
-          <p:cNvSpPr>
-            <a:spLocks noGrp="1"/>
-          </p:cNvSpPr>
-          <p:nvPr>
-            <p:ph type="title"/>
-          </p:nvPr>
-        </p:nvSpPr>
-        <p:spPr>
-          <a:xfrm>
-            <a:off x="838200" y="2766218"/>
-            <a:ext cx="10515600" cy="1325563"/>
-          </a:xfrm>
-        </p:spPr>
-        <p:txBody>
-          <a:bodyPr>
-            <a:normAutofit/>
-          </a:bodyPr>
-          <a:lstStyle/>
-          <a:p>
-            <a:pPr algn="ctr"/>
-            <a:r>
-              <a:rPr lang="zh-TW" altLang="en-US" sz="4800" dirty="0"/>
-              <a:t>程式漏洞分析</a:t>
-            </a:r>
-            <a:r>
-              <a:rPr lang="en-US" altLang="zh-TW" sz="4800" dirty="0"/>
-              <a:t>(3) return2shellcode</a:t>
-            </a:r>
-            <a:endParaRPr lang="zh-TW" altLang="en-US" sz="4800" dirty="0"/>
-          </a:p>
-        </p:txBody>
-      </p:sp>
-    </p:spTree>
-    <p:extLst>
-      <p:ext uri="{BB962C8B-B14F-4D97-AF65-F5344CB8AC3E}">
-        <p14:creationId xmlns:p14="http://schemas.microsoft.com/office/powerpoint/2010/main" val="2698912051"/>
+        <p14:creationId xmlns:p14="http://schemas.microsoft.com/office/powerpoint/2010/main" val="626348984"/>
       </p:ext>
     </p:extLst>
   </p:cSld>

--- a/Pwn/報告/程式安全期末報告.pptx
+++ b/Pwn/報告/程式安全期末報告.pptx
@@ -8,9 +8,26 @@
     <p:sldId id="256" r:id="rId2"/>
     <p:sldId id="257" r:id="rId3"/>
     <p:sldId id="258" r:id="rId4"/>
-    <p:sldId id="261" r:id="rId5"/>
-    <p:sldId id="259" r:id="rId6"/>
-    <p:sldId id="260" r:id="rId7"/>
+    <p:sldId id="274" r:id="rId5"/>
+    <p:sldId id="275" r:id="rId6"/>
+    <p:sldId id="276" r:id="rId7"/>
+    <p:sldId id="277" r:id="rId8"/>
+    <p:sldId id="278" r:id="rId9"/>
+    <p:sldId id="272" r:id="rId10"/>
+    <p:sldId id="273" r:id="rId11"/>
+    <p:sldId id="261" r:id="rId12"/>
+    <p:sldId id="263" r:id="rId13"/>
+    <p:sldId id="264" r:id="rId14"/>
+    <p:sldId id="265" r:id="rId15"/>
+    <p:sldId id="266" r:id="rId16"/>
+    <p:sldId id="267" r:id="rId17"/>
+    <p:sldId id="268" r:id="rId18"/>
+    <p:sldId id="269" r:id="rId19"/>
+    <p:sldId id="270" r:id="rId20"/>
+    <p:sldId id="271" r:id="rId21"/>
+    <p:sldId id="279" r:id="rId22"/>
+    <p:sldId id="259" r:id="rId23"/>
+    <p:sldId id="260" r:id="rId24"/>
   </p:sldIdLst>
   <p:sldSz cx="12192000" cy="6858000"/>
   <p:notesSz cx="6858000" cy="9144000"/>
@@ -248,7 +265,7 @@
           <a:p>
             <a:fld id="{0B8D0A88-0C25-43A3-8686-99B30120A23C}" type="datetimeFigureOut">
               <a:rPr lang="zh-TW" altLang="en-US" smtClean="0"/>
-              <a:t>2022/5/19</a:t>
+              <a:t>2022/5/24</a:t>
             </a:fld>
             <a:endParaRPr lang="zh-TW" altLang="en-US"/>
           </a:p>
@@ -418,7 +435,7 @@
           <a:p>
             <a:fld id="{0B8D0A88-0C25-43A3-8686-99B30120A23C}" type="datetimeFigureOut">
               <a:rPr lang="zh-TW" altLang="en-US" smtClean="0"/>
-              <a:t>2022/5/19</a:t>
+              <a:t>2022/5/24</a:t>
             </a:fld>
             <a:endParaRPr lang="zh-TW" altLang="en-US"/>
           </a:p>
@@ -598,7 +615,7 @@
           <a:p>
             <a:fld id="{0B8D0A88-0C25-43A3-8686-99B30120A23C}" type="datetimeFigureOut">
               <a:rPr lang="zh-TW" altLang="en-US" smtClean="0"/>
-              <a:t>2022/5/19</a:t>
+              <a:t>2022/5/24</a:t>
             </a:fld>
             <a:endParaRPr lang="zh-TW" altLang="en-US"/>
           </a:p>
@@ -768,7 +785,7 @@
           <a:p>
             <a:fld id="{0B8D0A88-0C25-43A3-8686-99B30120A23C}" type="datetimeFigureOut">
               <a:rPr lang="zh-TW" altLang="en-US" smtClean="0"/>
-              <a:t>2022/5/19</a:t>
+              <a:t>2022/5/24</a:t>
             </a:fld>
             <a:endParaRPr lang="zh-TW" altLang="en-US"/>
           </a:p>
@@ -1014,7 +1031,7 @@
           <a:p>
             <a:fld id="{0B8D0A88-0C25-43A3-8686-99B30120A23C}" type="datetimeFigureOut">
               <a:rPr lang="zh-TW" altLang="en-US" smtClean="0"/>
-              <a:t>2022/5/19</a:t>
+              <a:t>2022/5/24</a:t>
             </a:fld>
             <a:endParaRPr lang="zh-TW" altLang="en-US"/>
           </a:p>
@@ -1246,7 +1263,7 @@
           <a:p>
             <a:fld id="{0B8D0A88-0C25-43A3-8686-99B30120A23C}" type="datetimeFigureOut">
               <a:rPr lang="zh-TW" altLang="en-US" smtClean="0"/>
-              <a:t>2022/5/19</a:t>
+              <a:t>2022/5/24</a:t>
             </a:fld>
             <a:endParaRPr lang="zh-TW" altLang="en-US"/>
           </a:p>
@@ -1613,7 +1630,7 @@
           <a:p>
             <a:fld id="{0B8D0A88-0C25-43A3-8686-99B30120A23C}" type="datetimeFigureOut">
               <a:rPr lang="zh-TW" altLang="en-US" smtClean="0"/>
-              <a:t>2022/5/19</a:t>
+              <a:t>2022/5/24</a:t>
             </a:fld>
             <a:endParaRPr lang="zh-TW" altLang="en-US"/>
           </a:p>
@@ -1731,7 +1748,7 @@
           <a:p>
             <a:fld id="{0B8D0A88-0C25-43A3-8686-99B30120A23C}" type="datetimeFigureOut">
               <a:rPr lang="zh-TW" altLang="en-US" smtClean="0"/>
-              <a:t>2022/5/19</a:t>
+              <a:t>2022/5/24</a:t>
             </a:fld>
             <a:endParaRPr lang="zh-TW" altLang="en-US"/>
           </a:p>
@@ -1826,7 +1843,7 @@
           <a:p>
             <a:fld id="{0B8D0A88-0C25-43A3-8686-99B30120A23C}" type="datetimeFigureOut">
               <a:rPr lang="zh-TW" altLang="en-US" smtClean="0"/>
-              <a:t>2022/5/19</a:t>
+              <a:t>2022/5/24</a:t>
             </a:fld>
             <a:endParaRPr lang="zh-TW" altLang="en-US"/>
           </a:p>
@@ -2103,7 +2120,7 @@
           <a:p>
             <a:fld id="{0B8D0A88-0C25-43A3-8686-99B30120A23C}" type="datetimeFigureOut">
               <a:rPr lang="zh-TW" altLang="en-US" smtClean="0"/>
-              <a:t>2022/5/19</a:t>
+              <a:t>2022/5/24</a:t>
             </a:fld>
             <a:endParaRPr lang="zh-TW" altLang="en-US"/>
           </a:p>
@@ -2360,7 +2377,7 @@
           <a:p>
             <a:fld id="{0B8D0A88-0C25-43A3-8686-99B30120A23C}" type="datetimeFigureOut">
               <a:rPr lang="zh-TW" altLang="en-US" smtClean="0"/>
-              <a:t>2022/5/19</a:t>
+              <a:t>2022/5/24</a:t>
             </a:fld>
             <a:endParaRPr lang="zh-TW" altLang="en-US"/>
           </a:p>
@@ -2582,7 +2599,7 @@
           <a:p>
             <a:fld id="{0B8D0A88-0C25-43A3-8686-99B30120A23C}" type="datetimeFigureOut">
               <a:rPr lang="zh-TW" altLang="en-US" smtClean="0"/>
-              <a:t>2022/5/19</a:t>
+              <a:t>2022/5/24</a:t>
             </a:fld>
             <a:endParaRPr lang="zh-TW" altLang="en-US"/>
           </a:p>
@@ -3096,6 +3113,3703 @@
 </p:sld>
 </file>
 
+<file path=ppt/slides/slide10.xml><?xml version="1.0" encoding="utf-8"?>
+<p:sld xmlns:a="http://schemas.openxmlformats.org/drawingml/2006/main" xmlns:r="http://schemas.openxmlformats.org/officeDocument/2006/relationships" xmlns:p="http://schemas.openxmlformats.org/presentationml/2006/main">
+  <p:cSld>
+    <p:spTree>
+      <p:nvGrpSpPr>
+        <p:cNvPr id="1" name=""/>
+        <p:cNvGrpSpPr/>
+        <p:nvPr/>
+      </p:nvGrpSpPr>
+      <p:grpSpPr>
+        <a:xfrm>
+          <a:off x="0" y="0"/>
+          <a:ext cx="0" cy="0"/>
+          <a:chOff x="0" y="0"/>
+          <a:chExt cx="0" cy="0"/>
+        </a:xfrm>
+      </p:grpSpPr>
+      <p:sp>
+        <p:nvSpPr>
+          <p:cNvPr id="5" name="標題 1">
+            <a:extLst>
+              <a:ext uri="{FF2B5EF4-FFF2-40B4-BE49-F238E27FC236}">
+                <a16:creationId xmlns:a16="http://schemas.microsoft.com/office/drawing/2014/main" id="{FCFFB5A0-534B-ECCE-56DC-73A22288D73F}"/>
+              </a:ext>
+            </a:extLst>
+          </p:cNvPr>
+          <p:cNvSpPr txBox="1">
+            <a:spLocks/>
+          </p:cNvSpPr>
+          <p:nvPr/>
+        </p:nvSpPr>
+        <p:spPr>
+          <a:xfrm>
+            <a:off x="-1" y="1"/>
+            <a:ext cx="3825381" cy="782199"/>
+          </a:xfrm>
+          <a:prstGeom prst="rect">
+            <a:avLst/>
+          </a:prstGeom>
+        </p:spPr>
+        <p:txBody>
+          <a:bodyPr vert="horz" lIns="91440" tIns="45720" rIns="91440" bIns="45720" rtlCol="0" anchor="ctr">
+            <a:normAutofit/>
+          </a:bodyPr>
+          <a:lstStyle>
+            <a:lvl1pPr algn="ctr" defTabSz="914400">
+              <a:lnSpc>
+                <a:spcPct val="90000"/>
+              </a:lnSpc>
+              <a:spcBef>
+                <a:spcPct val="0"/>
+              </a:spcBef>
+              <a:buNone/>
+              <a:defRPr sz="4400" i="1">
+                <a:solidFill>
+                  <a:srgbClr val="FF0000"/>
+                </a:solidFill>
+                <a:latin typeface="+mj-lt"/>
+                <a:ea typeface="+mj-ea"/>
+                <a:cs typeface="+mj-cs"/>
+              </a:defRPr>
+            </a:lvl1pPr>
+          </a:lstStyle>
+          <a:p>
+            <a:r>
+              <a:rPr lang="en-US" altLang="zh-TW" sz="4000" dirty="0"/>
+              <a:t>$</a:t>
+            </a:r>
+            <a:r>
+              <a:rPr lang="zh-TW" altLang="en-US" sz="4000" dirty="0"/>
+              <a:t> 程式行為分析</a:t>
+            </a:r>
+          </a:p>
+        </p:txBody>
+      </p:sp>
+      <p:pic>
+        <p:nvPicPr>
+          <p:cNvPr id="3" name="圖片 2">
+            <a:extLst>
+              <a:ext uri="{FF2B5EF4-FFF2-40B4-BE49-F238E27FC236}">
+                <a16:creationId xmlns:a16="http://schemas.microsoft.com/office/drawing/2014/main" id="{9BEF42F8-B2B6-8A92-57B7-CBBFE777C2F7}"/>
+              </a:ext>
+            </a:extLst>
+          </p:cNvPr>
+          <p:cNvPicPr>
+            <a:picLocks noChangeAspect="1"/>
+          </p:cNvPicPr>
+          <p:nvPr/>
+        </p:nvPicPr>
+        <p:blipFill>
+          <a:blip r:embed="rId2"/>
+          <a:stretch>
+            <a:fillRect/>
+          </a:stretch>
+        </p:blipFill>
+        <p:spPr>
+          <a:xfrm>
+            <a:off x="2151127" y="2331134"/>
+            <a:ext cx="7889745" cy="2195731"/>
+          </a:xfrm>
+          <a:prstGeom prst="rect">
+            <a:avLst/>
+          </a:prstGeom>
+        </p:spPr>
+      </p:pic>
+    </p:spTree>
+    <p:extLst>
+      <p:ext uri="{BB962C8B-B14F-4D97-AF65-F5344CB8AC3E}">
+        <p14:creationId xmlns:p14="http://schemas.microsoft.com/office/powerpoint/2010/main" val="3061512294"/>
+      </p:ext>
+    </p:extLst>
+  </p:cSld>
+  <p:clrMapOvr>
+    <a:masterClrMapping/>
+  </p:clrMapOvr>
+</p:sld>
+</file>
+
+<file path=ppt/slides/slide11.xml><?xml version="1.0" encoding="utf-8"?>
+<p:sld xmlns:a="http://schemas.openxmlformats.org/drawingml/2006/main" xmlns:r="http://schemas.openxmlformats.org/officeDocument/2006/relationships" xmlns:p="http://schemas.openxmlformats.org/presentationml/2006/main">
+  <p:cSld>
+    <p:spTree>
+      <p:nvGrpSpPr>
+        <p:cNvPr id="1" name=""/>
+        <p:cNvGrpSpPr/>
+        <p:nvPr/>
+      </p:nvGrpSpPr>
+      <p:grpSpPr>
+        <a:xfrm>
+          <a:off x="0" y="0"/>
+          <a:ext cx="0" cy="0"/>
+          <a:chOff x="0" y="0"/>
+          <a:chExt cx="0" cy="0"/>
+        </a:xfrm>
+      </p:grpSpPr>
+      <p:pic>
+        <p:nvPicPr>
+          <p:cNvPr id="5" name="圖片 4">
+            <a:extLst>
+              <a:ext uri="{FF2B5EF4-FFF2-40B4-BE49-F238E27FC236}">
+                <a16:creationId xmlns:a16="http://schemas.microsoft.com/office/drawing/2014/main" id="{0A82D038-2600-0011-39E6-95D358A09383}"/>
+              </a:ext>
+            </a:extLst>
+          </p:cNvPr>
+          <p:cNvPicPr>
+            <a:picLocks noChangeAspect="1"/>
+          </p:cNvPicPr>
+          <p:nvPr/>
+        </p:nvPicPr>
+        <p:blipFill>
+          <a:blip r:embed="rId2"/>
+          <a:stretch>
+            <a:fillRect/>
+          </a:stretch>
+        </p:blipFill>
+        <p:spPr>
+          <a:xfrm>
+            <a:off x="2789140" y="908035"/>
+            <a:ext cx="6613719" cy="5666666"/>
+          </a:xfrm>
+          <a:prstGeom prst="rect">
+            <a:avLst/>
+          </a:prstGeom>
+          <a:ln w="19050">
+            <a:solidFill>
+              <a:schemeClr val="tx1"/>
+            </a:solidFill>
+          </a:ln>
+        </p:spPr>
+      </p:pic>
+      <p:sp>
+        <p:nvSpPr>
+          <p:cNvPr id="2" name="標題 1">
+            <a:extLst>
+              <a:ext uri="{FF2B5EF4-FFF2-40B4-BE49-F238E27FC236}">
+                <a16:creationId xmlns:a16="http://schemas.microsoft.com/office/drawing/2014/main" id="{A1941E62-6448-B09D-C490-9FDF25C02BFA}"/>
+              </a:ext>
+            </a:extLst>
+          </p:cNvPr>
+          <p:cNvSpPr>
+            <a:spLocks noGrp="1"/>
+          </p:cNvSpPr>
+          <p:nvPr>
+            <p:ph type="title"/>
+          </p:nvPr>
+        </p:nvSpPr>
+        <p:spPr>
+          <a:xfrm>
+            <a:off x="8219312" y="6238110"/>
+            <a:ext cx="1183547" cy="336591"/>
+          </a:xfrm>
+          <a:ln w="28575">
+            <a:solidFill>
+              <a:srgbClr val="FF0000"/>
+            </a:solidFill>
+          </a:ln>
+        </p:spPr>
+        <p:txBody>
+          <a:bodyPr>
+            <a:noAutofit/>
+          </a:bodyPr>
+          <a:lstStyle/>
+          <a:p>
+            <a:pPr algn="ctr"/>
+            <a:r>
+              <a:rPr lang="en-US" altLang="zh-TW" sz="2800" dirty="0" err="1"/>
+              <a:t>pass.c</a:t>
+            </a:r>
+            <a:endParaRPr lang="zh-TW" altLang="en-US" sz="2800" dirty="0"/>
+          </a:p>
+        </p:txBody>
+      </p:sp>
+      <p:sp>
+        <p:nvSpPr>
+          <p:cNvPr id="6" name="標題 1">
+            <a:extLst>
+              <a:ext uri="{FF2B5EF4-FFF2-40B4-BE49-F238E27FC236}">
+                <a16:creationId xmlns:a16="http://schemas.microsoft.com/office/drawing/2014/main" id="{55C24E7F-F9FC-5F4B-BA45-86B643AB3FDF}"/>
+              </a:ext>
+            </a:extLst>
+          </p:cNvPr>
+          <p:cNvSpPr txBox="1">
+            <a:spLocks/>
+          </p:cNvSpPr>
+          <p:nvPr/>
+        </p:nvSpPr>
+        <p:spPr>
+          <a:xfrm>
+            <a:off x="0" y="1"/>
+            <a:ext cx="3305262" cy="782199"/>
+          </a:xfrm>
+          <a:prstGeom prst="rect">
+            <a:avLst/>
+          </a:prstGeom>
+        </p:spPr>
+        <p:txBody>
+          <a:bodyPr vert="horz" lIns="91440" tIns="45720" rIns="91440" bIns="45720" rtlCol="0" anchor="ctr">
+            <a:normAutofit/>
+          </a:bodyPr>
+          <a:lstStyle>
+            <a:lvl1pPr algn="ctr" defTabSz="914400">
+              <a:lnSpc>
+                <a:spcPct val="90000"/>
+              </a:lnSpc>
+              <a:spcBef>
+                <a:spcPct val="0"/>
+              </a:spcBef>
+              <a:buNone/>
+              <a:defRPr sz="4400" i="1">
+                <a:solidFill>
+                  <a:srgbClr val="FF0000"/>
+                </a:solidFill>
+                <a:latin typeface="+mj-lt"/>
+                <a:ea typeface="+mj-ea"/>
+                <a:cs typeface="+mj-cs"/>
+              </a:defRPr>
+            </a:lvl1pPr>
+          </a:lstStyle>
+          <a:p>
+            <a:r>
+              <a:rPr lang="en-US" altLang="zh-TW" sz="4000" dirty="0"/>
+              <a:t>$</a:t>
+            </a:r>
+            <a:r>
+              <a:rPr lang="zh-TW" altLang="en-US" sz="4000" dirty="0"/>
+              <a:t> 題目程式碼</a:t>
+            </a:r>
+          </a:p>
+        </p:txBody>
+      </p:sp>
+    </p:spTree>
+    <p:extLst>
+      <p:ext uri="{BB962C8B-B14F-4D97-AF65-F5344CB8AC3E}">
+        <p14:creationId xmlns:p14="http://schemas.microsoft.com/office/powerpoint/2010/main" val="622459493"/>
+      </p:ext>
+    </p:extLst>
+  </p:cSld>
+  <p:clrMapOvr>
+    <a:masterClrMapping/>
+  </p:clrMapOvr>
+</p:sld>
+</file>
+
+<file path=ppt/slides/slide12.xml><?xml version="1.0" encoding="utf-8"?>
+<p:sld xmlns:a="http://schemas.openxmlformats.org/drawingml/2006/main" xmlns:r="http://schemas.openxmlformats.org/officeDocument/2006/relationships" xmlns:p="http://schemas.openxmlformats.org/presentationml/2006/main">
+  <p:cSld>
+    <p:spTree>
+      <p:nvGrpSpPr>
+        <p:cNvPr id="1" name=""/>
+        <p:cNvGrpSpPr/>
+        <p:nvPr/>
+      </p:nvGrpSpPr>
+      <p:grpSpPr>
+        <a:xfrm>
+          <a:off x="0" y="0"/>
+          <a:ext cx="0" cy="0"/>
+          <a:chOff x="0" y="0"/>
+          <a:chExt cx="0" cy="0"/>
+        </a:xfrm>
+      </p:grpSpPr>
+      <p:pic>
+        <p:nvPicPr>
+          <p:cNvPr id="5" name="圖片 4">
+            <a:extLst>
+              <a:ext uri="{FF2B5EF4-FFF2-40B4-BE49-F238E27FC236}">
+                <a16:creationId xmlns:a16="http://schemas.microsoft.com/office/drawing/2014/main" id="{0A82D038-2600-0011-39E6-95D358A09383}"/>
+              </a:ext>
+            </a:extLst>
+          </p:cNvPr>
+          <p:cNvPicPr>
+            <a:picLocks noChangeAspect="1"/>
+          </p:cNvPicPr>
+          <p:nvPr/>
+        </p:nvPicPr>
+        <p:blipFill>
+          <a:blip r:embed="rId2"/>
+          <a:stretch>
+            <a:fillRect/>
+          </a:stretch>
+        </p:blipFill>
+        <p:spPr>
+          <a:xfrm>
+            <a:off x="1361113" y="908035"/>
+            <a:ext cx="6613719" cy="5666666"/>
+          </a:xfrm>
+          <a:prstGeom prst="rect">
+            <a:avLst/>
+          </a:prstGeom>
+          <a:ln w="19050">
+            <a:solidFill>
+              <a:schemeClr val="tx1"/>
+            </a:solidFill>
+          </a:ln>
+        </p:spPr>
+      </p:pic>
+      <p:sp>
+        <p:nvSpPr>
+          <p:cNvPr id="2" name="標題 1">
+            <a:extLst>
+              <a:ext uri="{FF2B5EF4-FFF2-40B4-BE49-F238E27FC236}">
+                <a16:creationId xmlns:a16="http://schemas.microsoft.com/office/drawing/2014/main" id="{A1941E62-6448-B09D-C490-9FDF25C02BFA}"/>
+              </a:ext>
+            </a:extLst>
+          </p:cNvPr>
+          <p:cNvSpPr>
+            <a:spLocks noGrp="1"/>
+          </p:cNvSpPr>
+          <p:nvPr>
+            <p:ph type="title"/>
+          </p:nvPr>
+        </p:nvSpPr>
+        <p:spPr>
+          <a:xfrm>
+            <a:off x="6791285" y="6238110"/>
+            <a:ext cx="1183547" cy="336591"/>
+          </a:xfrm>
+          <a:ln w="28575">
+            <a:solidFill>
+              <a:srgbClr val="FF0000"/>
+            </a:solidFill>
+          </a:ln>
+        </p:spPr>
+        <p:txBody>
+          <a:bodyPr>
+            <a:noAutofit/>
+          </a:bodyPr>
+          <a:lstStyle/>
+          <a:p>
+            <a:pPr algn="ctr"/>
+            <a:r>
+              <a:rPr lang="en-US" altLang="zh-TW" sz="2800" dirty="0" err="1"/>
+              <a:t>pass.c</a:t>
+            </a:r>
+            <a:endParaRPr lang="zh-TW" altLang="en-US" sz="2800" dirty="0"/>
+          </a:p>
+        </p:txBody>
+      </p:sp>
+      <p:sp>
+        <p:nvSpPr>
+          <p:cNvPr id="6" name="標題 1">
+            <a:extLst>
+              <a:ext uri="{FF2B5EF4-FFF2-40B4-BE49-F238E27FC236}">
+                <a16:creationId xmlns:a16="http://schemas.microsoft.com/office/drawing/2014/main" id="{55C24E7F-F9FC-5F4B-BA45-86B643AB3FDF}"/>
+              </a:ext>
+            </a:extLst>
+          </p:cNvPr>
+          <p:cNvSpPr txBox="1">
+            <a:spLocks/>
+          </p:cNvSpPr>
+          <p:nvPr/>
+        </p:nvSpPr>
+        <p:spPr>
+          <a:xfrm>
+            <a:off x="0" y="1"/>
+            <a:ext cx="4395832" cy="782199"/>
+          </a:xfrm>
+          <a:prstGeom prst="rect">
+            <a:avLst/>
+          </a:prstGeom>
+        </p:spPr>
+        <p:txBody>
+          <a:bodyPr vert="horz" lIns="91440" tIns="45720" rIns="91440" bIns="45720" rtlCol="0" anchor="ctr">
+            <a:normAutofit/>
+          </a:bodyPr>
+          <a:lstStyle>
+            <a:lvl1pPr algn="ctr" defTabSz="914400">
+              <a:lnSpc>
+                <a:spcPct val="90000"/>
+              </a:lnSpc>
+              <a:spcBef>
+                <a:spcPct val="0"/>
+              </a:spcBef>
+              <a:buNone/>
+              <a:defRPr sz="4400" i="1">
+                <a:solidFill>
+                  <a:srgbClr val="FF0000"/>
+                </a:solidFill>
+                <a:latin typeface="+mj-lt"/>
+                <a:ea typeface="+mj-ea"/>
+                <a:cs typeface="+mj-cs"/>
+              </a:defRPr>
+            </a:lvl1pPr>
+          </a:lstStyle>
+          <a:p>
+            <a:r>
+              <a:rPr lang="en-US" altLang="zh-TW" sz="4000" dirty="0"/>
+              <a:t>$</a:t>
+            </a:r>
+            <a:r>
+              <a:rPr lang="zh-TW" altLang="en-US" sz="4000" dirty="0"/>
+              <a:t> 題目程式碼解說</a:t>
+            </a:r>
+          </a:p>
+        </p:txBody>
+      </p:sp>
+      <p:sp>
+        <p:nvSpPr>
+          <p:cNvPr id="3" name="矩形 2">
+            <a:extLst>
+              <a:ext uri="{FF2B5EF4-FFF2-40B4-BE49-F238E27FC236}">
+                <a16:creationId xmlns:a16="http://schemas.microsoft.com/office/drawing/2014/main" id="{F9D3BBD1-C340-D791-30A3-6FF4443CEDC2}"/>
+              </a:ext>
+            </a:extLst>
+          </p:cNvPr>
+          <p:cNvSpPr/>
+          <p:nvPr/>
+        </p:nvSpPr>
+        <p:spPr>
+          <a:xfrm>
+            <a:off x="1499731" y="3003259"/>
+            <a:ext cx="1702965" cy="302003"/>
+          </a:xfrm>
+          <a:prstGeom prst="rect">
+            <a:avLst/>
+          </a:prstGeom>
+          <a:noFill/>
+          <a:ln>
+            <a:solidFill>
+              <a:srgbClr val="FF0000"/>
+            </a:solidFill>
+          </a:ln>
+        </p:spPr>
+        <p:style>
+          <a:lnRef idx="2">
+            <a:schemeClr val="accent1">
+              <a:shade val="50000"/>
+            </a:schemeClr>
+          </a:lnRef>
+          <a:fillRef idx="1">
+            <a:schemeClr val="accent1"/>
+          </a:fillRef>
+          <a:effectRef idx="0">
+            <a:schemeClr val="accent1"/>
+          </a:effectRef>
+          <a:fontRef idx="minor">
+            <a:schemeClr val="lt1"/>
+          </a:fontRef>
+        </p:style>
+        <p:txBody>
+          <a:bodyPr rtlCol="0" anchor="ctr"/>
+          <a:lstStyle/>
+          <a:p>
+            <a:pPr algn="ctr"/>
+            <a:endParaRPr lang="zh-TW" altLang="en-US"/>
+          </a:p>
+        </p:txBody>
+      </p:sp>
+      <p:cxnSp>
+        <p:nvCxnSpPr>
+          <p:cNvPr id="7" name="直線單箭頭接點 6">
+            <a:extLst>
+              <a:ext uri="{FF2B5EF4-FFF2-40B4-BE49-F238E27FC236}">
+                <a16:creationId xmlns:a16="http://schemas.microsoft.com/office/drawing/2014/main" id="{69D00131-5950-23E8-2D2E-A0A45E4627B6}"/>
+              </a:ext>
+            </a:extLst>
+          </p:cNvPr>
+          <p:cNvCxnSpPr>
+            <a:cxnSpLocks/>
+            <a:endCxn id="9" idx="1"/>
+          </p:cNvCxnSpPr>
+          <p:nvPr/>
+        </p:nvCxnSpPr>
+        <p:spPr>
+          <a:xfrm>
+            <a:off x="3202696" y="3137483"/>
+            <a:ext cx="5610434" cy="0"/>
+          </a:xfrm>
+          <a:prstGeom prst="straightConnector1">
+            <a:avLst/>
+          </a:prstGeom>
+          <a:ln w="12700">
+            <a:solidFill>
+              <a:srgbClr val="FF0000"/>
+            </a:solidFill>
+            <a:tailEnd type="triangle"/>
+          </a:ln>
+        </p:spPr>
+        <p:style>
+          <a:lnRef idx="1">
+            <a:schemeClr val="accent1"/>
+          </a:lnRef>
+          <a:fillRef idx="0">
+            <a:schemeClr val="accent1"/>
+          </a:fillRef>
+          <a:effectRef idx="0">
+            <a:schemeClr val="accent1"/>
+          </a:effectRef>
+          <a:fontRef idx="minor">
+            <a:schemeClr val="tx1"/>
+          </a:fontRef>
+        </p:style>
+      </p:cxnSp>
+      <p:sp>
+        <p:nvSpPr>
+          <p:cNvPr id="9" name="文字方塊 8">
+            <a:extLst>
+              <a:ext uri="{FF2B5EF4-FFF2-40B4-BE49-F238E27FC236}">
+                <a16:creationId xmlns:a16="http://schemas.microsoft.com/office/drawing/2014/main" id="{2E2ECBFC-B227-9BD2-D7E1-02E50ECE7249}"/>
+              </a:ext>
+            </a:extLst>
+          </p:cNvPr>
+          <p:cNvSpPr txBox="1"/>
+          <p:nvPr/>
+        </p:nvSpPr>
+        <p:spPr>
+          <a:xfrm>
+            <a:off x="8813130" y="2814317"/>
+            <a:ext cx="1803633" cy="646331"/>
+          </a:xfrm>
+          <a:prstGeom prst="rect">
+            <a:avLst/>
+          </a:prstGeom>
+          <a:noFill/>
+          <a:ln w="28575">
+            <a:solidFill>
+              <a:srgbClr val="FFC000"/>
+            </a:solidFill>
+          </a:ln>
+        </p:spPr>
+        <p:txBody>
+          <a:bodyPr wrap="square" rtlCol="0">
+            <a:spAutoFit/>
+          </a:bodyPr>
+          <a:lstStyle/>
+          <a:p>
+            <a:r>
+              <a:rPr lang="zh-TW" altLang="en-US" dirty="0"/>
+              <a:t>設定輸入和輸出的緩衝區大小</a:t>
+            </a:r>
+          </a:p>
+        </p:txBody>
+      </p:sp>
+    </p:spTree>
+    <p:extLst>
+      <p:ext uri="{BB962C8B-B14F-4D97-AF65-F5344CB8AC3E}">
+        <p14:creationId xmlns:p14="http://schemas.microsoft.com/office/powerpoint/2010/main" val="1488403335"/>
+      </p:ext>
+    </p:extLst>
+  </p:cSld>
+  <p:clrMapOvr>
+    <a:masterClrMapping/>
+  </p:clrMapOvr>
+</p:sld>
+</file>
+
+<file path=ppt/slides/slide13.xml><?xml version="1.0" encoding="utf-8"?>
+<p:sld xmlns:a="http://schemas.openxmlformats.org/drawingml/2006/main" xmlns:r="http://schemas.openxmlformats.org/officeDocument/2006/relationships" xmlns:p="http://schemas.openxmlformats.org/presentationml/2006/main">
+  <p:cSld>
+    <p:spTree>
+      <p:nvGrpSpPr>
+        <p:cNvPr id="1" name=""/>
+        <p:cNvGrpSpPr/>
+        <p:nvPr/>
+      </p:nvGrpSpPr>
+      <p:grpSpPr>
+        <a:xfrm>
+          <a:off x="0" y="0"/>
+          <a:ext cx="0" cy="0"/>
+          <a:chOff x="0" y="0"/>
+          <a:chExt cx="0" cy="0"/>
+        </a:xfrm>
+      </p:grpSpPr>
+      <p:pic>
+        <p:nvPicPr>
+          <p:cNvPr id="5" name="圖片 4">
+            <a:extLst>
+              <a:ext uri="{FF2B5EF4-FFF2-40B4-BE49-F238E27FC236}">
+                <a16:creationId xmlns:a16="http://schemas.microsoft.com/office/drawing/2014/main" id="{0A82D038-2600-0011-39E6-95D358A09383}"/>
+              </a:ext>
+            </a:extLst>
+          </p:cNvPr>
+          <p:cNvPicPr>
+            <a:picLocks noChangeAspect="1"/>
+          </p:cNvPicPr>
+          <p:nvPr/>
+        </p:nvPicPr>
+        <p:blipFill>
+          <a:blip r:embed="rId2"/>
+          <a:stretch>
+            <a:fillRect/>
+          </a:stretch>
+        </p:blipFill>
+        <p:spPr>
+          <a:xfrm>
+            <a:off x="1361113" y="908035"/>
+            <a:ext cx="6613719" cy="5666666"/>
+          </a:xfrm>
+          <a:prstGeom prst="rect">
+            <a:avLst/>
+          </a:prstGeom>
+          <a:ln w="19050">
+            <a:solidFill>
+              <a:schemeClr val="tx1"/>
+            </a:solidFill>
+          </a:ln>
+        </p:spPr>
+      </p:pic>
+      <p:sp>
+        <p:nvSpPr>
+          <p:cNvPr id="2" name="標題 1">
+            <a:extLst>
+              <a:ext uri="{FF2B5EF4-FFF2-40B4-BE49-F238E27FC236}">
+                <a16:creationId xmlns:a16="http://schemas.microsoft.com/office/drawing/2014/main" id="{A1941E62-6448-B09D-C490-9FDF25C02BFA}"/>
+              </a:ext>
+            </a:extLst>
+          </p:cNvPr>
+          <p:cNvSpPr>
+            <a:spLocks noGrp="1"/>
+          </p:cNvSpPr>
+          <p:nvPr>
+            <p:ph type="title"/>
+          </p:nvPr>
+        </p:nvSpPr>
+        <p:spPr>
+          <a:xfrm>
+            <a:off x="6791285" y="6238110"/>
+            <a:ext cx="1183547" cy="336591"/>
+          </a:xfrm>
+          <a:ln w="28575">
+            <a:solidFill>
+              <a:srgbClr val="FF0000"/>
+            </a:solidFill>
+          </a:ln>
+        </p:spPr>
+        <p:txBody>
+          <a:bodyPr>
+            <a:noAutofit/>
+          </a:bodyPr>
+          <a:lstStyle/>
+          <a:p>
+            <a:pPr algn="ctr"/>
+            <a:r>
+              <a:rPr lang="en-US" altLang="zh-TW" sz="2800" dirty="0" err="1"/>
+              <a:t>pass.c</a:t>
+            </a:r>
+            <a:endParaRPr lang="zh-TW" altLang="en-US" sz="2800" dirty="0"/>
+          </a:p>
+        </p:txBody>
+      </p:sp>
+      <p:sp>
+        <p:nvSpPr>
+          <p:cNvPr id="3" name="矩形 2">
+            <a:extLst>
+              <a:ext uri="{FF2B5EF4-FFF2-40B4-BE49-F238E27FC236}">
+                <a16:creationId xmlns:a16="http://schemas.microsoft.com/office/drawing/2014/main" id="{F9D3BBD1-C340-D791-30A3-6FF4443CEDC2}"/>
+              </a:ext>
+            </a:extLst>
+          </p:cNvPr>
+          <p:cNvSpPr/>
+          <p:nvPr/>
+        </p:nvSpPr>
+        <p:spPr>
+          <a:xfrm>
+            <a:off x="2072081" y="3003260"/>
+            <a:ext cx="402671" cy="134224"/>
+          </a:xfrm>
+          <a:prstGeom prst="rect">
+            <a:avLst/>
+          </a:prstGeom>
+          <a:noFill/>
+          <a:ln>
+            <a:solidFill>
+              <a:srgbClr val="FF0000"/>
+            </a:solidFill>
+          </a:ln>
+        </p:spPr>
+        <p:style>
+          <a:lnRef idx="2">
+            <a:schemeClr val="accent1">
+              <a:shade val="50000"/>
+            </a:schemeClr>
+          </a:lnRef>
+          <a:fillRef idx="1">
+            <a:schemeClr val="accent1"/>
+          </a:fillRef>
+          <a:effectRef idx="0">
+            <a:schemeClr val="accent1"/>
+          </a:effectRef>
+          <a:fontRef idx="minor">
+            <a:schemeClr val="lt1"/>
+          </a:fontRef>
+        </p:style>
+        <p:txBody>
+          <a:bodyPr rtlCol="0" anchor="ctr"/>
+          <a:lstStyle/>
+          <a:p>
+            <a:pPr algn="ctr"/>
+            <a:endParaRPr lang="zh-TW" altLang="en-US"/>
+          </a:p>
+        </p:txBody>
+      </p:sp>
+      <p:cxnSp>
+        <p:nvCxnSpPr>
+          <p:cNvPr id="7" name="直線單箭頭接點 6">
+            <a:extLst>
+              <a:ext uri="{FF2B5EF4-FFF2-40B4-BE49-F238E27FC236}">
+                <a16:creationId xmlns:a16="http://schemas.microsoft.com/office/drawing/2014/main" id="{69D00131-5950-23E8-2D2E-A0A45E4627B6}"/>
+              </a:ext>
+            </a:extLst>
+          </p:cNvPr>
+          <p:cNvCxnSpPr>
+            <a:cxnSpLocks/>
+            <a:stCxn id="3" idx="3"/>
+            <a:endCxn id="9" idx="1"/>
+          </p:cNvCxnSpPr>
+          <p:nvPr/>
+        </p:nvCxnSpPr>
+        <p:spPr>
+          <a:xfrm flipV="1">
+            <a:off x="2474752" y="2629867"/>
+            <a:ext cx="6506158" cy="440505"/>
+          </a:xfrm>
+          <a:prstGeom prst="straightConnector1">
+            <a:avLst/>
+          </a:prstGeom>
+          <a:ln w="12700">
+            <a:solidFill>
+              <a:srgbClr val="FF0000"/>
+            </a:solidFill>
+            <a:tailEnd type="triangle"/>
+          </a:ln>
+        </p:spPr>
+        <p:style>
+          <a:lnRef idx="1">
+            <a:schemeClr val="accent1"/>
+          </a:lnRef>
+          <a:fillRef idx="0">
+            <a:schemeClr val="accent1"/>
+          </a:fillRef>
+          <a:effectRef idx="0">
+            <a:schemeClr val="accent1"/>
+          </a:effectRef>
+          <a:fontRef idx="minor">
+            <a:schemeClr val="tx1"/>
+          </a:fontRef>
+        </p:style>
+      </p:cxnSp>
+      <p:sp>
+        <p:nvSpPr>
+          <p:cNvPr id="9" name="文字方塊 8">
+            <a:extLst>
+              <a:ext uri="{FF2B5EF4-FFF2-40B4-BE49-F238E27FC236}">
+                <a16:creationId xmlns:a16="http://schemas.microsoft.com/office/drawing/2014/main" id="{2E2ECBFC-B227-9BD2-D7E1-02E50ECE7249}"/>
+              </a:ext>
+            </a:extLst>
+          </p:cNvPr>
+          <p:cNvSpPr txBox="1"/>
+          <p:nvPr/>
+        </p:nvSpPr>
+        <p:spPr>
+          <a:xfrm>
+            <a:off x="8980910" y="2445201"/>
+            <a:ext cx="2243560" cy="369332"/>
+          </a:xfrm>
+          <a:prstGeom prst="rect">
+            <a:avLst/>
+          </a:prstGeom>
+          <a:noFill/>
+          <a:ln w="28575">
+            <a:solidFill>
+              <a:srgbClr val="FFC000"/>
+            </a:solidFill>
+          </a:ln>
+        </p:spPr>
+        <p:txBody>
+          <a:bodyPr wrap="square" rtlCol="0">
+            <a:spAutoFit/>
+          </a:bodyPr>
+          <a:lstStyle/>
+          <a:p>
+            <a:pPr algn="ctr"/>
+            <a:r>
+              <a:rPr lang="zh-TW" altLang="en-US" dirty="0"/>
+              <a:t>設定</a:t>
+            </a:r>
+            <a:r>
+              <a:rPr lang="en-US" altLang="zh-TW" dirty="0"/>
+              <a:t>stream = </a:t>
+            </a:r>
+            <a:r>
+              <a:rPr lang="en-US" altLang="zh-TW" dirty="0" err="1"/>
+              <a:t>stdout</a:t>
+            </a:r>
+            <a:endParaRPr lang="zh-TW" altLang="en-US" dirty="0"/>
+          </a:p>
+        </p:txBody>
+      </p:sp>
+      <p:sp>
+        <p:nvSpPr>
+          <p:cNvPr id="11" name="矩形 10">
+            <a:extLst>
+              <a:ext uri="{FF2B5EF4-FFF2-40B4-BE49-F238E27FC236}">
+                <a16:creationId xmlns:a16="http://schemas.microsoft.com/office/drawing/2014/main" id="{2C80D89B-E4DE-C6C5-4B66-7BCEFCCA2AEC}"/>
+              </a:ext>
+            </a:extLst>
+          </p:cNvPr>
+          <p:cNvSpPr/>
+          <p:nvPr/>
+        </p:nvSpPr>
+        <p:spPr>
+          <a:xfrm>
+            <a:off x="2072081" y="3162651"/>
+            <a:ext cx="402671" cy="134224"/>
+          </a:xfrm>
+          <a:prstGeom prst="rect">
+            <a:avLst/>
+          </a:prstGeom>
+          <a:noFill/>
+          <a:ln>
+            <a:solidFill>
+              <a:srgbClr val="FF0000"/>
+            </a:solidFill>
+          </a:ln>
+        </p:spPr>
+        <p:style>
+          <a:lnRef idx="2">
+            <a:schemeClr val="accent1">
+              <a:shade val="50000"/>
+            </a:schemeClr>
+          </a:lnRef>
+          <a:fillRef idx="1">
+            <a:schemeClr val="accent1"/>
+          </a:fillRef>
+          <a:effectRef idx="0">
+            <a:schemeClr val="accent1"/>
+          </a:effectRef>
+          <a:fontRef idx="minor">
+            <a:schemeClr val="lt1"/>
+          </a:fontRef>
+        </p:style>
+        <p:txBody>
+          <a:bodyPr rtlCol="0" anchor="ctr"/>
+          <a:lstStyle/>
+          <a:p>
+            <a:pPr algn="ctr"/>
+            <a:endParaRPr lang="zh-TW" altLang="en-US"/>
+          </a:p>
+        </p:txBody>
+      </p:sp>
+      <p:cxnSp>
+        <p:nvCxnSpPr>
+          <p:cNvPr id="12" name="直線單箭頭接點 11">
+            <a:extLst>
+              <a:ext uri="{FF2B5EF4-FFF2-40B4-BE49-F238E27FC236}">
+                <a16:creationId xmlns:a16="http://schemas.microsoft.com/office/drawing/2014/main" id="{141B48C6-3324-B550-553E-BFC3E84B1476}"/>
+              </a:ext>
+            </a:extLst>
+          </p:cNvPr>
+          <p:cNvCxnSpPr>
+            <a:cxnSpLocks/>
+            <a:stCxn id="11" idx="3"/>
+            <a:endCxn id="14" idx="1"/>
+          </p:cNvCxnSpPr>
+          <p:nvPr/>
+        </p:nvCxnSpPr>
+        <p:spPr>
+          <a:xfrm>
+            <a:off x="2474752" y="3229763"/>
+            <a:ext cx="6506158" cy="230832"/>
+          </a:xfrm>
+          <a:prstGeom prst="straightConnector1">
+            <a:avLst/>
+          </a:prstGeom>
+          <a:ln w="12700">
+            <a:solidFill>
+              <a:srgbClr val="FF0000"/>
+            </a:solidFill>
+            <a:tailEnd type="triangle"/>
+          </a:ln>
+        </p:spPr>
+        <p:style>
+          <a:lnRef idx="1">
+            <a:schemeClr val="accent1"/>
+          </a:lnRef>
+          <a:fillRef idx="0">
+            <a:schemeClr val="accent1"/>
+          </a:fillRef>
+          <a:effectRef idx="0">
+            <a:schemeClr val="accent1"/>
+          </a:effectRef>
+          <a:fontRef idx="minor">
+            <a:schemeClr val="tx1"/>
+          </a:fontRef>
+        </p:style>
+      </p:cxnSp>
+      <p:sp>
+        <p:nvSpPr>
+          <p:cNvPr id="14" name="文字方塊 13">
+            <a:extLst>
+              <a:ext uri="{FF2B5EF4-FFF2-40B4-BE49-F238E27FC236}">
+                <a16:creationId xmlns:a16="http://schemas.microsoft.com/office/drawing/2014/main" id="{E96F95F9-F8D7-10C7-AED5-B12420713F5D}"/>
+              </a:ext>
+            </a:extLst>
+          </p:cNvPr>
+          <p:cNvSpPr txBox="1"/>
+          <p:nvPr/>
+        </p:nvSpPr>
+        <p:spPr>
+          <a:xfrm>
+            <a:off x="8980910" y="3275929"/>
+            <a:ext cx="2243560" cy="369332"/>
+          </a:xfrm>
+          <a:prstGeom prst="rect">
+            <a:avLst/>
+          </a:prstGeom>
+          <a:noFill/>
+          <a:ln w="28575">
+            <a:solidFill>
+              <a:srgbClr val="FFC000"/>
+            </a:solidFill>
+          </a:ln>
+        </p:spPr>
+        <p:txBody>
+          <a:bodyPr wrap="square" rtlCol="0">
+            <a:spAutoFit/>
+          </a:bodyPr>
+          <a:lstStyle/>
+          <a:p>
+            <a:pPr algn="ctr"/>
+            <a:r>
+              <a:rPr lang="zh-TW" altLang="en-US" dirty="0"/>
+              <a:t>設定</a:t>
+            </a:r>
+            <a:r>
+              <a:rPr lang="en-US" altLang="zh-TW" dirty="0"/>
+              <a:t>stream = stdin</a:t>
+            </a:r>
+            <a:endParaRPr lang="zh-TW" altLang="en-US" dirty="0"/>
+          </a:p>
+        </p:txBody>
+      </p:sp>
+      <p:sp>
+        <p:nvSpPr>
+          <p:cNvPr id="18" name="標題 1">
+            <a:extLst>
+              <a:ext uri="{FF2B5EF4-FFF2-40B4-BE49-F238E27FC236}">
+                <a16:creationId xmlns:a16="http://schemas.microsoft.com/office/drawing/2014/main" id="{8D28B4DF-C7EE-AFD8-C4C6-FF92ABE1A279}"/>
+              </a:ext>
+            </a:extLst>
+          </p:cNvPr>
+          <p:cNvSpPr txBox="1">
+            <a:spLocks/>
+          </p:cNvSpPr>
+          <p:nvPr/>
+        </p:nvSpPr>
+        <p:spPr>
+          <a:xfrm>
+            <a:off x="0" y="1"/>
+            <a:ext cx="4395832" cy="782199"/>
+          </a:xfrm>
+          <a:prstGeom prst="rect">
+            <a:avLst/>
+          </a:prstGeom>
+        </p:spPr>
+        <p:txBody>
+          <a:bodyPr vert="horz" lIns="91440" tIns="45720" rIns="91440" bIns="45720" rtlCol="0" anchor="ctr">
+            <a:normAutofit/>
+          </a:bodyPr>
+          <a:lstStyle>
+            <a:lvl1pPr algn="ctr" defTabSz="914400">
+              <a:lnSpc>
+                <a:spcPct val="90000"/>
+              </a:lnSpc>
+              <a:spcBef>
+                <a:spcPct val="0"/>
+              </a:spcBef>
+              <a:buNone/>
+              <a:defRPr sz="4400" i="1">
+                <a:solidFill>
+                  <a:srgbClr val="FF0000"/>
+                </a:solidFill>
+                <a:latin typeface="+mj-lt"/>
+                <a:ea typeface="+mj-ea"/>
+                <a:cs typeface="+mj-cs"/>
+              </a:defRPr>
+            </a:lvl1pPr>
+          </a:lstStyle>
+          <a:p>
+            <a:r>
+              <a:rPr lang="en-US" altLang="zh-TW" sz="4000" dirty="0"/>
+              <a:t>$</a:t>
+            </a:r>
+            <a:r>
+              <a:rPr lang="zh-TW" altLang="en-US" sz="4000" dirty="0"/>
+              <a:t> 題目程式碼解說</a:t>
+            </a:r>
+          </a:p>
+        </p:txBody>
+      </p:sp>
+    </p:spTree>
+    <p:extLst>
+      <p:ext uri="{BB962C8B-B14F-4D97-AF65-F5344CB8AC3E}">
+        <p14:creationId xmlns:p14="http://schemas.microsoft.com/office/powerpoint/2010/main" val="3365698066"/>
+      </p:ext>
+    </p:extLst>
+  </p:cSld>
+  <p:clrMapOvr>
+    <a:masterClrMapping/>
+  </p:clrMapOvr>
+</p:sld>
+</file>
+
+<file path=ppt/slides/slide14.xml><?xml version="1.0" encoding="utf-8"?>
+<p:sld xmlns:a="http://schemas.openxmlformats.org/drawingml/2006/main" xmlns:r="http://schemas.openxmlformats.org/officeDocument/2006/relationships" xmlns:p="http://schemas.openxmlformats.org/presentationml/2006/main">
+  <p:cSld>
+    <p:spTree>
+      <p:nvGrpSpPr>
+        <p:cNvPr id="1" name=""/>
+        <p:cNvGrpSpPr/>
+        <p:nvPr/>
+      </p:nvGrpSpPr>
+      <p:grpSpPr>
+        <a:xfrm>
+          <a:off x="0" y="0"/>
+          <a:ext cx="0" cy="0"/>
+          <a:chOff x="0" y="0"/>
+          <a:chExt cx="0" cy="0"/>
+        </a:xfrm>
+      </p:grpSpPr>
+      <p:pic>
+        <p:nvPicPr>
+          <p:cNvPr id="41" name="圖片 40">
+            <a:extLst>
+              <a:ext uri="{FF2B5EF4-FFF2-40B4-BE49-F238E27FC236}">
+                <a16:creationId xmlns:a16="http://schemas.microsoft.com/office/drawing/2014/main" id="{78B91B1D-8F56-3162-026B-1D9A4DC17BCA}"/>
+              </a:ext>
+            </a:extLst>
+          </p:cNvPr>
+          <p:cNvPicPr>
+            <a:picLocks noChangeAspect="1"/>
+          </p:cNvPicPr>
+          <p:nvPr/>
+        </p:nvPicPr>
+        <p:blipFill>
+          <a:blip r:embed="rId2"/>
+          <a:stretch>
+            <a:fillRect/>
+          </a:stretch>
+        </p:blipFill>
+        <p:spPr>
+          <a:xfrm>
+            <a:off x="8726117" y="3949119"/>
+            <a:ext cx="2762250" cy="1343025"/>
+          </a:xfrm>
+          <a:prstGeom prst="rect">
+            <a:avLst/>
+          </a:prstGeom>
+          <a:ln w="19050">
+            <a:solidFill>
+              <a:schemeClr val="tx1"/>
+            </a:solidFill>
+          </a:ln>
+        </p:spPr>
+      </p:pic>
+      <p:pic>
+        <p:nvPicPr>
+          <p:cNvPr id="5" name="圖片 4">
+            <a:extLst>
+              <a:ext uri="{FF2B5EF4-FFF2-40B4-BE49-F238E27FC236}">
+                <a16:creationId xmlns:a16="http://schemas.microsoft.com/office/drawing/2014/main" id="{0A82D038-2600-0011-39E6-95D358A09383}"/>
+              </a:ext>
+            </a:extLst>
+          </p:cNvPr>
+          <p:cNvPicPr>
+            <a:picLocks noChangeAspect="1"/>
+          </p:cNvPicPr>
+          <p:nvPr/>
+        </p:nvPicPr>
+        <p:blipFill>
+          <a:blip r:embed="rId3"/>
+          <a:stretch>
+            <a:fillRect/>
+          </a:stretch>
+        </p:blipFill>
+        <p:spPr>
+          <a:xfrm>
+            <a:off x="1361113" y="908035"/>
+            <a:ext cx="6613719" cy="5666666"/>
+          </a:xfrm>
+          <a:prstGeom prst="rect">
+            <a:avLst/>
+          </a:prstGeom>
+          <a:ln w="19050">
+            <a:solidFill>
+              <a:schemeClr val="tx1"/>
+            </a:solidFill>
+          </a:ln>
+        </p:spPr>
+      </p:pic>
+      <p:sp>
+        <p:nvSpPr>
+          <p:cNvPr id="2" name="標題 1">
+            <a:extLst>
+              <a:ext uri="{FF2B5EF4-FFF2-40B4-BE49-F238E27FC236}">
+                <a16:creationId xmlns:a16="http://schemas.microsoft.com/office/drawing/2014/main" id="{A1941E62-6448-B09D-C490-9FDF25C02BFA}"/>
+              </a:ext>
+            </a:extLst>
+          </p:cNvPr>
+          <p:cNvSpPr>
+            <a:spLocks noGrp="1"/>
+          </p:cNvSpPr>
+          <p:nvPr>
+            <p:ph type="title"/>
+          </p:nvPr>
+        </p:nvSpPr>
+        <p:spPr>
+          <a:xfrm>
+            <a:off x="6791285" y="6238110"/>
+            <a:ext cx="1183547" cy="336591"/>
+          </a:xfrm>
+          <a:ln w="28575">
+            <a:solidFill>
+              <a:srgbClr val="FF0000"/>
+            </a:solidFill>
+          </a:ln>
+        </p:spPr>
+        <p:txBody>
+          <a:bodyPr>
+            <a:noAutofit/>
+          </a:bodyPr>
+          <a:lstStyle/>
+          <a:p>
+            <a:pPr algn="ctr"/>
+            <a:r>
+              <a:rPr lang="en-US" altLang="zh-TW" sz="2800" dirty="0" err="1"/>
+              <a:t>pass.c</a:t>
+            </a:r>
+            <a:endParaRPr lang="zh-TW" altLang="en-US" sz="2800" dirty="0"/>
+          </a:p>
+        </p:txBody>
+      </p:sp>
+      <p:sp>
+        <p:nvSpPr>
+          <p:cNvPr id="3" name="矩形 2">
+            <a:extLst>
+              <a:ext uri="{FF2B5EF4-FFF2-40B4-BE49-F238E27FC236}">
+                <a16:creationId xmlns:a16="http://schemas.microsoft.com/office/drawing/2014/main" id="{F9D3BBD1-C340-D791-30A3-6FF4443CEDC2}"/>
+              </a:ext>
+            </a:extLst>
+          </p:cNvPr>
+          <p:cNvSpPr/>
+          <p:nvPr/>
+        </p:nvSpPr>
+        <p:spPr>
+          <a:xfrm>
+            <a:off x="2508308" y="3003153"/>
+            <a:ext cx="184559" cy="272776"/>
+          </a:xfrm>
+          <a:prstGeom prst="rect">
+            <a:avLst/>
+          </a:prstGeom>
+          <a:noFill/>
+          <a:ln>
+            <a:solidFill>
+              <a:srgbClr val="FF0000"/>
+            </a:solidFill>
+          </a:ln>
+        </p:spPr>
+        <p:style>
+          <a:lnRef idx="2">
+            <a:schemeClr val="accent1">
+              <a:shade val="50000"/>
+            </a:schemeClr>
+          </a:lnRef>
+          <a:fillRef idx="1">
+            <a:schemeClr val="accent1"/>
+          </a:fillRef>
+          <a:effectRef idx="0">
+            <a:schemeClr val="accent1"/>
+          </a:effectRef>
+          <a:fontRef idx="minor">
+            <a:schemeClr val="lt1"/>
+          </a:fontRef>
+        </p:style>
+        <p:txBody>
+          <a:bodyPr rtlCol="0" anchor="ctr"/>
+          <a:lstStyle/>
+          <a:p>
+            <a:pPr algn="ctr"/>
+            <a:endParaRPr lang="zh-TW" altLang="en-US"/>
+          </a:p>
+        </p:txBody>
+      </p:sp>
+      <p:sp>
+        <p:nvSpPr>
+          <p:cNvPr id="9" name="文字方塊 8">
+            <a:extLst>
+              <a:ext uri="{FF2B5EF4-FFF2-40B4-BE49-F238E27FC236}">
+                <a16:creationId xmlns:a16="http://schemas.microsoft.com/office/drawing/2014/main" id="{2E2ECBFC-B227-9BD2-D7E1-02E50ECE7249}"/>
+              </a:ext>
+            </a:extLst>
+          </p:cNvPr>
+          <p:cNvSpPr txBox="1"/>
+          <p:nvPr/>
+        </p:nvSpPr>
+        <p:spPr>
+          <a:xfrm>
+            <a:off x="8847400" y="1467264"/>
+            <a:ext cx="2502905" cy="1200329"/>
+          </a:xfrm>
+          <a:prstGeom prst="rect">
+            <a:avLst/>
+          </a:prstGeom>
+          <a:noFill/>
+          <a:ln w="28575">
+            <a:solidFill>
+              <a:srgbClr val="FFC000"/>
+            </a:solidFill>
+          </a:ln>
+        </p:spPr>
+        <p:txBody>
+          <a:bodyPr wrap="square" rtlCol="0">
+            <a:spAutoFit/>
+          </a:bodyPr>
+          <a:lstStyle/>
+          <a:p>
+            <a:r>
+              <a:rPr lang="zh-TW" altLang="en-US" dirty="0"/>
+              <a:t>指定要使用的緩衝區。如果設置為</a:t>
+            </a:r>
+            <a:r>
+              <a:rPr lang="en-US" altLang="zh-TW" dirty="0"/>
+              <a:t>NULL</a:t>
+            </a:r>
+            <a:r>
+              <a:rPr lang="zh-TW" altLang="en-US" dirty="0"/>
+              <a:t>，該函數會自動分配一個指定大小的緩衝區。</a:t>
+            </a:r>
+          </a:p>
+        </p:txBody>
+      </p:sp>
+      <p:cxnSp>
+        <p:nvCxnSpPr>
+          <p:cNvPr id="18" name="接點: 肘形 17">
+            <a:extLst>
+              <a:ext uri="{FF2B5EF4-FFF2-40B4-BE49-F238E27FC236}">
+                <a16:creationId xmlns:a16="http://schemas.microsoft.com/office/drawing/2014/main" id="{311C8144-0AFE-2795-B6A4-520EFAD3CD84}"/>
+              </a:ext>
+            </a:extLst>
+          </p:cNvPr>
+          <p:cNvCxnSpPr>
+            <a:cxnSpLocks/>
+            <a:stCxn id="3" idx="0"/>
+            <a:endCxn id="9" idx="1"/>
+          </p:cNvCxnSpPr>
+          <p:nvPr/>
+        </p:nvCxnSpPr>
+        <p:spPr>
+          <a:xfrm rot="5400000" flipH="1" flipV="1">
+            <a:off x="5256132" y="-588115"/>
+            <a:ext cx="935724" cy="6246812"/>
+          </a:xfrm>
+          <a:prstGeom prst="bentConnector2">
+            <a:avLst/>
+          </a:prstGeom>
+          <a:ln w="12700">
+            <a:solidFill>
+              <a:srgbClr val="FF0000"/>
+            </a:solidFill>
+            <a:tailEnd type="triangle"/>
+          </a:ln>
+        </p:spPr>
+        <p:style>
+          <a:lnRef idx="1">
+            <a:schemeClr val="accent1"/>
+          </a:lnRef>
+          <a:fillRef idx="0">
+            <a:schemeClr val="accent1"/>
+          </a:fillRef>
+          <a:effectRef idx="0">
+            <a:schemeClr val="accent1"/>
+          </a:effectRef>
+          <a:fontRef idx="minor">
+            <a:schemeClr val="tx1"/>
+          </a:fontRef>
+        </p:style>
+      </p:cxnSp>
+      <p:cxnSp>
+        <p:nvCxnSpPr>
+          <p:cNvPr id="37" name="直線單箭頭接點 36">
+            <a:extLst>
+              <a:ext uri="{FF2B5EF4-FFF2-40B4-BE49-F238E27FC236}">
+                <a16:creationId xmlns:a16="http://schemas.microsoft.com/office/drawing/2014/main" id="{C8471819-0800-D762-8F81-70438C700DC6}"/>
+              </a:ext>
+            </a:extLst>
+          </p:cNvPr>
+          <p:cNvCxnSpPr>
+            <a:cxnSpLocks/>
+            <a:stCxn id="9" idx="2"/>
+            <a:endCxn id="41" idx="0"/>
+          </p:cNvCxnSpPr>
+          <p:nvPr/>
+        </p:nvCxnSpPr>
+        <p:spPr>
+          <a:xfrm>
+            <a:off x="10098853" y="2667593"/>
+            <a:ext cx="8389" cy="1281526"/>
+          </a:xfrm>
+          <a:prstGeom prst="straightConnector1">
+            <a:avLst/>
+          </a:prstGeom>
+          <a:ln w="12700">
+            <a:solidFill>
+              <a:srgbClr val="FF0000"/>
+            </a:solidFill>
+            <a:tailEnd type="triangle"/>
+          </a:ln>
+        </p:spPr>
+        <p:style>
+          <a:lnRef idx="1">
+            <a:schemeClr val="accent1"/>
+          </a:lnRef>
+          <a:fillRef idx="0">
+            <a:schemeClr val="accent1"/>
+          </a:fillRef>
+          <a:effectRef idx="0">
+            <a:schemeClr val="accent1"/>
+          </a:effectRef>
+          <a:fontRef idx="minor">
+            <a:schemeClr val="tx1"/>
+          </a:fontRef>
+        </p:style>
+      </p:cxnSp>
+      <p:sp>
+        <p:nvSpPr>
+          <p:cNvPr id="42" name="矩形 41">
+            <a:extLst>
+              <a:ext uri="{FF2B5EF4-FFF2-40B4-BE49-F238E27FC236}">
+                <a16:creationId xmlns:a16="http://schemas.microsoft.com/office/drawing/2014/main" id="{27649C95-A7FC-73E1-6336-C5CE7108075E}"/>
+              </a:ext>
+            </a:extLst>
+          </p:cNvPr>
+          <p:cNvSpPr/>
+          <p:nvPr/>
+        </p:nvSpPr>
+        <p:spPr>
+          <a:xfrm>
+            <a:off x="9074449" y="4318450"/>
+            <a:ext cx="1273729" cy="192903"/>
+          </a:xfrm>
+          <a:prstGeom prst="rect">
+            <a:avLst/>
+          </a:prstGeom>
+          <a:noFill/>
+          <a:ln>
+            <a:solidFill>
+              <a:srgbClr val="FF0000"/>
+            </a:solidFill>
+          </a:ln>
+        </p:spPr>
+        <p:style>
+          <a:lnRef idx="2">
+            <a:schemeClr val="accent1">
+              <a:shade val="50000"/>
+            </a:schemeClr>
+          </a:lnRef>
+          <a:fillRef idx="1">
+            <a:schemeClr val="accent1"/>
+          </a:fillRef>
+          <a:effectRef idx="0">
+            <a:schemeClr val="accent1"/>
+          </a:effectRef>
+          <a:fontRef idx="minor">
+            <a:schemeClr val="lt1"/>
+          </a:fontRef>
+        </p:style>
+        <p:txBody>
+          <a:bodyPr rtlCol="0" anchor="ctr"/>
+          <a:lstStyle/>
+          <a:p>
+            <a:pPr algn="ctr"/>
+            <a:endParaRPr lang="zh-TW" altLang="en-US"/>
+          </a:p>
+        </p:txBody>
+      </p:sp>
+      <p:sp>
+        <p:nvSpPr>
+          <p:cNvPr id="43" name="矩形 42">
+            <a:extLst>
+              <a:ext uri="{FF2B5EF4-FFF2-40B4-BE49-F238E27FC236}">
+                <a16:creationId xmlns:a16="http://schemas.microsoft.com/office/drawing/2014/main" id="{73A3D15F-108A-BCBC-5EB5-8ACFCEF7A11D}"/>
+              </a:ext>
+            </a:extLst>
+          </p:cNvPr>
+          <p:cNvSpPr/>
+          <p:nvPr/>
+        </p:nvSpPr>
+        <p:spPr>
+          <a:xfrm>
+            <a:off x="10214639" y="4511353"/>
+            <a:ext cx="410376" cy="192903"/>
+          </a:xfrm>
+          <a:prstGeom prst="rect">
+            <a:avLst/>
+          </a:prstGeom>
+          <a:noFill/>
+          <a:ln>
+            <a:solidFill>
+              <a:srgbClr val="FF0000"/>
+            </a:solidFill>
+          </a:ln>
+        </p:spPr>
+        <p:style>
+          <a:lnRef idx="2">
+            <a:schemeClr val="accent1">
+              <a:shade val="50000"/>
+            </a:schemeClr>
+          </a:lnRef>
+          <a:fillRef idx="1">
+            <a:schemeClr val="accent1"/>
+          </a:fillRef>
+          <a:effectRef idx="0">
+            <a:schemeClr val="accent1"/>
+          </a:effectRef>
+          <a:fontRef idx="minor">
+            <a:schemeClr val="lt1"/>
+          </a:fontRef>
+        </p:style>
+        <p:txBody>
+          <a:bodyPr rtlCol="0" anchor="ctr"/>
+          <a:lstStyle/>
+          <a:p>
+            <a:pPr algn="ctr"/>
+            <a:endParaRPr lang="zh-TW" altLang="en-US"/>
+          </a:p>
+        </p:txBody>
+      </p:sp>
+      <p:sp>
+        <p:nvSpPr>
+          <p:cNvPr id="52" name="標題 1">
+            <a:extLst>
+              <a:ext uri="{FF2B5EF4-FFF2-40B4-BE49-F238E27FC236}">
+                <a16:creationId xmlns:a16="http://schemas.microsoft.com/office/drawing/2014/main" id="{1741FACE-3AC7-6491-421A-47A7566E3A3F}"/>
+              </a:ext>
+            </a:extLst>
+          </p:cNvPr>
+          <p:cNvSpPr txBox="1">
+            <a:spLocks/>
+          </p:cNvSpPr>
+          <p:nvPr/>
+        </p:nvSpPr>
+        <p:spPr>
+          <a:xfrm>
+            <a:off x="0" y="1"/>
+            <a:ext cx="4395832" cy="782199"/>
+          </a:xfrm>
+          <a:prstGeom prst="rect">
+            <a:avLst/>
+          </a:prstGeom>
+        </p:spPr>
+        <p:txBody>
+          <a:bodyPr vert="horz" lIns="91440" tIns="45720" rIns="91440" bIns="45720" rtlCol="0" anchor="ctr">
+            <a:normAutofit/>
+          </a:bodyPr>
+          <a:lstStyle>
+            <a:lvl1pPr algn="ctr" defTabSz="914400">
+              <a:lnSpc>
+                <a:spcPct val="90000"/>
+              </a:lnSpc>
+              <a:spcBef>
+                <a:spcPct val="0"/>
+              </a:spcBef>
+              <a:buNone/>
+              <a:defRPr sz="4400" i="1">
+                <a:solidFill>
+                  <a:srgbClr val="FF0000"/>
+                </a:solidFill>
+                <a:latin typeface="+mj-lt"/>
+                <a:ea typeface="+mj-ea"/>
+                <a:cs typeface="+mj-cs"/>
+              </a:defRPr>
+            </a:lvl1pPr>
+          </a:lstStyle>
+          <a:p>
+            <a:r>
+              <a:rPr lang="en-US" altLang="zh-TW" sz="4000" dirty="0"/>
+              <a:t>$</a:t>
+            </a:r>
+            <a:r>
+              <a:rPr lang="zh-TW" altLang="en-US" sz="4000" dirty="0"/>
+              <a:t> 題目程式碼解說</a:t>
+            </a:r>
+          </a:p>
+        </p:txBody>
+      </p:sp>
+    </p:spTree>
+    <p:extLst>
+      <p:ext uri="{BB962C8B-B14F-4D97-AF65-F5344CB8AC3E}">
+        <p14:creationId xmlns:p14="http://schemas.microsoft.com/office/powerpoint/2010/main" val="92074446"/>
+      </p:ext>
+    </p:extLst>
+  </p:cSld>
+  <p:clrMapOvr>
+    <a:masterClrMapping/>
+  </p:clrMapOvr>
+</p:sld>
+</file>
+
+<file path=ppt/slides/slide15.xml><?xml version="1.0" encoding="utf-8"?>
+<p:sld xmlns:a="http://schemas.openxmlformats.org/drawingml/2006/main" xmlns:r="http://schemas.openxmlformats.org/officeDocument/2006/relationships" xmlns:p="http://schemas.openxmlformats.org/presentationml/2006/main">
+  <p:cSld>
+    <p:spTree>
+      <p:nvGrpSpPr>
+        <p:cNvPr id="1" name=""/>
+        <p:cNvGrpSpPr/>
+        <p:nvPr/>
+      </p:nvGrpSpPr>
+      <p:grpSpPr>
+        <a:xfrm>
+          <a:off x="0" y="0"/>
+          <a:ext cx="0" cy="0"/>
+          <a:chOff x="0" y="0"/>
+          <a:chExt cx="0" cy="0"/>
+        </a:xfrm>
+      </p:grpSpPr>
+      <p:pic>
+        <p:nvPicPr>
+          <p:cNvPr id="5" name="圖片 4">
+            <a:extLst>
+              <a:ext uri="{FF2B5EF4-FFF2-40B4-BE49-F238E27FC236}">
+                <a16:creationId xmlns:a16="http://schemas.microsoft.com/office/drawing/2014/main" id="{0A82D038-2600-0011-39E6-95D358A09383}"/>
+              </a:ext>
+            </a:extLst>
+          </p:cNvPr>
+          <p:cNvPicPr>
+            <a:picLocks noChangeAspect="1"/>
+          </p:cNvPicPr>
+          <p:nvPr/>
+        </p:nvPicPr>
+        <p:blipFill>
+          <a:blip r:embed="rId2"/>
+          <a:stretch>
+            <a:fillRect/>
+          </a:stretch>
+        </p:blipFill>
+        <p:spPr>
+          <a:xfrm>
+            <a:off x="453599" y="966866"/>
+            <a:ext cx="6613719" cy="5666666"/>
+          </a:xfrm>
+          <a:prstGeom prst="rect">
+            <a:avLst/>
+          </a:prstGeom>
+          <a:ln w="19050">
+            <a:solidFill>
+              <a:schemeClr val="tx1"/>
+            </a:solidFill>
+          </a:ln>
+        </p:spPr>
+      </p:pic>
+      <p:sp>
+        <p:nvSpPr>
+          <p:cNvPr id="2" name="標題 1">
+            <a:extLst>
+              <a:ext uri="{FF2B5EF4-FFF2-40B4-BE49-F238E27FC236}">
+                <a16:creationId xmlns:a16="http://schemas.microsoft.com/office/drawing/2014/main" id="{A1941E62-6448-B09D-C490-9FDF25C02BFA}"/>
+              </a:ext>
+            </a:extLst>
+          </p:cNvPr>
+          <p:cNvSpPr>
+            <a:spLocks noGrp="1"/>
+          </p:cNvSpPr>
+          <p:nvPr>
+            <p:ph type="title"/>
+          </p:nvPr>
+        </p:nvSpPr>
+        <p:spPr>
+          <a:xfrm>
+            <a:off x="5883771" y="6296941"/>
+            <a:ext cx="1183547" cy="336591"/>
+          </a:xfrm>
+          <a:ln w="28575">
+            <a:solidFill>
+              <a:srgbClr val="FF0000"/>
+            </a:solidFill>
+          </a:ln>
+        </p:spPr>
+        <p:txBody>
+          <a:bodyPr>
+            <a:noAutofit/>
+          </a:bodyPr>
+          <a:lstStyle/>
+          <a:p>
+            <a:pPr algn="ctr"/>
+            <a:r>
+              <a:rPr lang="en-US" altLang="zh-TW" sz="2800" dirty="0" err="1"/>
+              <a:t>pass.c</a:t>
+            </a:r>
+            <a:endParaRPr lang="zh-TW" altLang="en-US" sz="2800" dirty="0"/>
+          </a:p>
+        </p:txBody>
+      </p:sp>
+      <p:sp>
+        <p:nvSpPr>
+          <p:cNvPr id="11" name="矩形 10">
+            <a:extLst>
+              <a:ext uri="{FF2B5EF4-FFF2-40B4-BE49-F238E27FC236}">
+                <a16:creationId xmlns:a16="http://schemas.microsoft.com/office/drawing/2014/main" id="{2C80D89B-E4DE-C6C5-4B66-7BCEFCCA2AEC}"/>
+              </a:ext>
+            </a:extLst>
+          </p:cNvPr>
+          <p:cNvSpPr/>
+          <p:nvPr/>
+        </p:nvSpPr>
+        <p:spPr>
+          <a:xfrm>
+            <a:off x="1812025" y="3061942"/>
+            <a:ext cx="184559" cy="289487"/>
+          </a:xfrm>
+          <a:prstGeom prst="rect">
+            <a:avLst/>
+          </a:prstGeom>
+          <a:noFill/>
+          <a:ln>
+            <a:solidFill>
+              <a:srgbClr val="FF0000"/>
+            </a:solidFill>
+          </a:ln>
+        </p:spPr>
+        <p:style>
+          <a:lnRef idx="2">
+            <a:schemeClr val="accent1">
+              <a:shade val="50000"/>
+            </a:schemeClr>
+          </a:lnRef>
+          <a:fillRef idx="1">
+            <a:schemeClr val="accent1"/>
+          </a:fillRef>
+          <a:effectRef idx="0">
+            <a:schemeClr val="accent1"/>
+          </a:effectRef>
+          <a:fontRef idx="minor">
+            <a:schemeClr val="lt1"/>
+          </a:fontRef>
+        </p:style>
+        <p:txBody>
+          <a:bodyPr rtlCol="0" anchor="ctr"/>
+          <a:lstStyle/>
+          <a:p>
+            <a:pPr algn="ctr"/>
+            <a:endParaRPr lang="zh-TW" altLang="en-US"/>
+          </a:p>
+        </p:txBody>
+      </p:sp>
+      <p:sp>
+        <p:nvSpPr>
+          <p:cNvPr id="14" name="文字方塊 13">
+            <a:extLst>
+              <a:ext uri="{FF2B5EF4-FFF2-40B4-BE49-F238E27FC236}">
+                <a16:creationId xmlns:a16="http://schemas.microsoft.com/office/drawing/2014/main" id="{E96F95F9-F8D7-10C7-AED5-B12420713F5D}"/>
+              </a:ext>
+            </a:extLst>
+          </p:cNvPr>
+          <p:cNvSpPr txBox="1"/>
+          <p:nvPr/>
+        </p:nvSpPr>
+        <p:spPr>
+          <a:xfrm>
+            <a:off x="8621582" y="597534"/>
+            <a:ext cx="2066691" cy="369332"/>
+          </a:xfrm>
+          <a:prstGeom prst="rect">
+            <a:avLst/>
+          </a:prstGeom>
+          <a:noFill/>
+          <a:ln w="28575">
+            <a:solidFill>
+              <a:srgbClr val="FFC000"/>
+            </a:solidFill>
+          </a:ln>
+        </p:spPr>
+        <p:txBody>
+          <a:bodyPr wrap="square" rtlCol="0">
+            <a:spAutoFit/>
+          </a:bodyPr>
+          <a:lstStyle/>
+          <a:p>
+            <a:pPr algn="ctr"/>
+            <a:r>
+              <a:rPr lang="zh-TW" altLang="en-US" dirty="0"/>
+              <a:t>指定文件緩衝模式</a:t>
+            </a:r>
+          </a:p>
+        </p:txBody>
+      </p:sp>
+      <p:sp>
+        <p:nvSpPr>
+          <p:cNvPr id="19" name="標題 1">
+            <a:extLst>
+              <a:ext uri="{FF2B5EF4-FFF2-40B4-BE49-F238E27FC236}">
+                <a16:creationId xmlns:a16="http://schemas.microsoft.com/office/drawing/2014/main" id="{EA1B42CB-74A4-092F-D9D5-B998C64456BD}"/>
+              </a:ext>
+            </a:extLst>
+          </p:cNvPr>
+          <p:cNvSpPr txBox="1">
+            <a:spLocks/>
+          </p:cNvSpPr>
+          <p:nvPr/>
+        </p:nvSpPr>
+        <p:spPr>
+          <a:xfrm>
+            <a:off x="0" y="1"/>
+            <a:ext cx="4395832" cy="782199"/>
+          </a:xfrm>
+          <a:prstGeom prst="rect">
+            <a:avLst/>
+          </a:prstGeom>
+        </p:spPr>
+        <p:txBody>
+          <a:bodyPr vert="horz" lIns="91440" tIns="45720" rIns="91440" bIns="45720" rtlCol="0" anchor="ctr">
+            <a:normAutofit/>
+          </a:bodyPr>
+          <a:lstStyle>
+            <a:lvl1pPr algn="ctr" defTabSz="914400">
+              <a:lnSpc>
+                <a:spcPct val="90000"/>
+              </a:lnSpc>
+              <a:spcBef>
+                <a:spcPct val="0"/>
+              </a:spcBef>
+              <a:buNone/>
+              <a:defRPr sz="4400" i="1">
+                <a:solidFill>
+                  <a:srgbClr val="FF0000"/>
+                </a:solidFill>
+                <a:latin typeface="+mj-lt"/>
+                <a:ea typeface="+mj-ea"/>
+                <a:cs typeface="+mj-cs"/>
+              </a:defRPr>
+            </a:lvl1pPr>
+          </a:lstStyle>
+          <a:p>
+            <a:r>
+              <a:rPr lang="en-US" altLang="zh-TW" sz="4000" dirty="0"/>
+              <a:t>$</a:t>
+            </a:r>
+            <a:r>
+              <a:rPr lang="zh-TW" altLang="en-US" sz="4000" dirty="0"/>
+              <a:t> 題目程式碼解說</a:t>
+            </a:r>
+          </a:p>
+        </p:txBody>
+      </p:sp>
+      <p:graphicFrame>
+        <p:nvGraphicFramePr>
+          <p:cNvPr id="20" name="表格 20">
+            <a:extLst>
+              <a:ext uri="{FF2B5EF4-FFF2-40B4-BE49-F238E27FC236}">
+                <a16:creationId xmlns:a16="http://schemas.microsoft.com/office/drawing/2014/main" id="{B67BC08A-BB52-E93D-EE02-87D01E3AB649}"/>
+              </a:ext>
+            </a:extLst>
+          </p:cNvPr>
+          <p:cNvGraphicFramePr>
+            <a:graphicFrameLocks noGrp="1"/>
+          </p:cNvGraphicFramePr>
+          <p:nvPr>
+            <p:extLst>
+              <p:ext uri="{D42A27DB-BD31-4B8C-83A1-F6EECF244321}">
+                <p14:modId xmlns:p14="http://schemas.microsoft.com/office/powerpoint/2010/main" val="4042608751"/>
+              </p:ext>
+            </p:extLst>
+          </p:nvPr>
+        </p:nvGraphicFramePr>
+        <p:xfrm>
+          <a:off x="7604192" y="1463585"/>
+          <a:ext cx="4101470" cy="5034280"/>
+        </p:xfrm>
+        <a:graphic>
+          <a:graphicData uri="http://schemas.openxmlformats.org/drawingml/2006/table">
+            <a:tbl>
+              <a:tblPr firstRow="1" bandRow="1">
+                <a:tableStyleId>{638B1855-1B75-4FBE-930C-398BA8C253C6}</a:tableStyleId>
+              </a:tblPr>
+              <a:tblGrid>
+                <a:gridCol w="743041">
+                  <a:extLst>
+                    <a:ext uri="{9D8B030D-6E8A-4147-A177-3AD203B41FA5}">
+                      <a16:colId xmlns:a16="http://schemas.microsoft.com/office/drawing/2014/main" val="1521767492"/>
+                    </a:ext>
+                  </a:extLst>
+                </a:gridCol>
+                <a:gridCol w="1218418">
+                  <a:extLst>
+                    <a:ext uri="{9D8B030D-6E8A-4147-A177-3AD203B41FA5}">
+                      <a16:colId xmlns:a16="http://schemas.microsoft.com/office/drawing/2014/main" val="4135250529"/>
+                    </a:ext>
+                  </a:extLst>
+                </a:gridCol>
+                <a:gridCol w="2140011">
+                  <a:extLst>
+                    <a:ext uri="{9D8B030D-6E8A-4147-A177-3AD203B41FA5}">
+                      <a16:colId xmlns:a16="http://schemas.microsoft.com/office/drawing/2014/main" val="2284263861"/>
+                    </a:ext>
+                  </a:extLst>
+                </a:gridCol>
+              </a:tblGrid>
+              <a:tr h="370840">
+                <a:tc>
+                  <a:txBody>
+                    <a:bodyPr/>
+                    <a:lstStyle/>
+                    <a:p>
+                      <a:pPr algn="ctr"/>
+                      <a:r>
+                        <a:rPr lang="zh-TW" altLang="en-US" dirty="0">
+                          <a:solidFill>
+                            <a:schemeClr val="bg1"/>
+                          </a:solidFill>
+                        </a:rPr>
+                        <a:t>代號</a:t>
+                      </a:r>
+                    </a:p>
+                  </a:txBody>
+                  <a:tcPr anchor="ctr"/>
+                </a:tc>
+                <a:tc>
+                  <a:txBody>
+                    <a:bodyPr/>
+                    <a:lstStyle/>
+                    <a:p>
+                      <a:pPr algn="ctr"/>
+                      <a:r>
+                        <a:rPr lang="zh-TW" altLang="en-US" dirty="0">
+                          <a:solidFill>
+                            <a:schemeClr val="bg1"/>
+                          </a:solidFill>
+                        </a:rPr>
+                        <a:t>模式名稱</a:t>
+                      </a:r>
+                    </a:p>
+                  </a:txBody>
+                  <a:tcPr anchor="ctr"/>
+                </a:tc>
+                <a:tc>
+                  <a:txBody>
+                    <a:bodyPr/>
+                    <a:lstStyle/>
+                    <a:p>
+                      <a:pPr algn="ctr"/>
+                      <a:r>
+                        <a:rPr lang="zh-TW" altLang="en-US" dirty="0">
+                          <a:solidFill>
+                            <a:schemeClr val="bg1"/>
+                          </a:solidFill>
+                        </a:rPr>
+                        <a:t>解釋</a:t>
+                      </a:r>
+                    </a:p>
+                  </a:txBody>
+                  <a:tcPr anchor="ctr"/>
+                </a:tc>
+                <a:extLst>
+                  <a:ext uri="{0D108BD9-81ED-4DB2-BD59-A6C34878D82A}">
+                    <a16:rowId xmlns:a16="http://schemas.microsoft.com/office/drawing/2014/main" val="2391243593"/>
+                  </a:ext>
+                </a:extLst>
+              </a:tr>
+              <a:tr h="370840">
+                <a:tc>
+                  <a:txBody>
+                    <a:bodyPr/>
+                    <a:lstStyle/>
+                    <a:p>
+                      <a:pPr algn="ctr"/>
+                      <a:r>
+                        <a:rPr lang="en-US" altLang="zh-TW" dirty="0">
+                          <a:solidFill>
+                            <a:schemeClr val="bg1"/>
+                          </a:solidFill>
+                        </a:rPr>
+                        <a:t>1</a:t>
+                      </a:r>
+                      <a:endParaRPr lang="zh-TW" altLang="en-US" dirty="0">
+                        <a:solidFill>
+                          <a:schemeClr val="bg1"/>
+                        </a:solidFill>
+                      </a:endParaRPr>
+                    </a:p>
+                  </a:txBody>
+                  <a:tcPr anchor="ctr"/>
+                </a:tc>
+                <a:tc>
+                  <a:txBody>
+                    <a:bodyPr/>
+                    <a:lstStyle/>
+                    <a:p>
+                      <a:pPr algn="ctr"/>
+                      <a:r>
+                        <a:rPr lang="en-US" altLang="zh-TW" dirty="0">
+                          <a:solidFill>
+                            <a:schemeClr val="bg1"/>
+                          </a:solidFill>
+                        </a:rPr>
+                        <a:t>_IOFBF</a:t>
+                      </a:r>
+                    </a:p>
+                    <a:p>
+                      <a:pPr algn="ctr"/>
+                      <a:r>
+                        <a:rPr lang="en-US" altLang="zh-TW" dirty="0">
+                          <a:solidFill>
+                            <a:schemeClr val="bg1"/>
+                          </a:solidFill>
+                        </a:rPr>
+                        <a:t>(</a:t>
+                      </a:r>
+                      <a:r>
+                        <a:rPr lang="zh-TW" altLang="en-US" dirty="0">
+                          <a:solidFill>
+                            <a:schemeClr val="bg1"/>
+                          </a:solidFill>
+                        </a:rPr>
+                        <a:t>滿緩衝</a:t>
+                      </a:r>
+                      <a:r>
+                        <a:rPr lang="en-US" altLang="zh-TW" dirty="0">
+                          <a:solidFill>
+                            <a:schemeClr val="bg1"/>
+                          </a:solidFill>
+                        </a:rPr>
+                        <a:t>)</a:t>
+                      </a:r>
+                      <a:endParaRPr lang="zh-TW" altLang="en-US" dirty="0">
+                        <a:solidFill>
+                          <a:schemeClr val="bg1"/>
+                        </a:solidFill>
+                      </a:endParaRPr>
+                    </a:p>
+                  </a:txBody>
+                  <a:tcPr anchor="ctr"/>
+                </a:tc>
+                <a:tc>
+                  <a:txBody>
+                    <a:bodyPr/>
+                    <a:lstStyle/>
+                    <a:p>
+                      <a:r>
+                        <a:rPr lang="zh-TW" altLang="en-US" dirty="0">
+                          <a:solidFill>
+                            <a:schemeClr val="bg1"/>
+                          </a:solidFill>
+                        </a:rPr>
+                        <a:t>輸入：緩衝區為空且請求輸入時填充緩衝區。</a:t>
+                      </a:r>
+                      <a:endParaRPr lang="en-US" altLang="zh-TW" dirty="0">
+                        <a:solidFill>
+                          <a:schemeClr val="bg1"/>
+                        </a:solidFill>
+                      </a:endParaRPr>
+                    </a:p>
+                    <a:p>
+                      <a:pPr marL="0" marR="0" lvl="0" indent="0" algn="l" defTabSz="914400" rtl="0" eaLnBrk="1" fontAlgn="auto" latinLnBrk="0" hangingPunct="1">
+                        <a:lnSpc>
+                          <a:spcPct val="100000"/>
+                        </a:lnSpc>
+                        <a:spcBef>
+                          <a:spcPts val="0"/>
+                        </a:spcBef>
+                        <a:spcAft>
+                          <a:spcPts val="0"/>
+                        </a:spcAft>
+                        <a:buClrTx/>
+                        <a:buSzTx/>
+                        <a:buFontTx/>
+                        <a:buNone/>
+                        <a:tabLst/>
+                        <a:defRPr/>
+                      </a:pPr>
+                      <a:r>
+                        <a:rPr lang="zh-TW" altLang="en-US" dirty="0">
+                          <a:solidFill>
+                            <a:schemeClr val="bg1"/>
+                          </a:solidFill>
+                        </a:rPr>
+                        <a:t>輸出：緩出區填滿時一次寫入。</a:t>
+                      </a:r>
+                      <a:endParaRPr lang="en-US" altLang="zh-TW" dirty="0">
+                        <a:solidFill>
+                          <a:schemeClr val="bg1"/>
+                        </a:solidFill>
+                      </a:endParaRPr>
+                    </a:p>
+                  </a:txBody>
+                  <a:tcPr/>
+                </a:tc>
+                <a:extLst>
+                  <a:ext uri="{0D108BD9-81ED-4DB2-BD59-A6C34878D82A}">
+                    <a16:rowId xmlns:a16="http://schemas.microsoft.com/office/drawing/2014/main" val="77274183"/>
+                  </a:ext>
+                </a:extLst>
+              </a:tr>
+              <a:tr h="370840">
+                <a:tc>
+                  <a:txBody>
+                    <a:bodyPr/>
+                    <a:lstStyle/>
+                    <a:p>
+                      <a:pPr algn="ctr"/>
+                      <a:r>
+                        <a:rPr lang="en-US" altLang="zh-TW" dirty="0">
+                          <a:solidFill>
+                            <a:schemeClr val="bg1"/>
+                          </a:solidFill>
+                        </a:rPr>
+                        <a:t>2</a:t>
+                      </a:r>
+                      <a:endParaRPr lang="zh-TW" altLang="en-US" dirty="0">
+                        <a:solidFill>
+                          <a:schemeClr val="bg1"/>
+                        </a:solidFill>
+                      </a:endParaRPr>
+                    </a:p>
+                  </a:txBody>
+                  <a:tcPr anchor="ctr"/>
+                </a:tc>
+                <a:tc>
+                  <a:txBody>
+                    <a:bodyPr/>
+                    <a:lstStyle/>
+                    <a:p>
+                      <a:pPr algn="ctr"/>
+                      <a:r>
+                        <a:rPr lang="en-US" altLang="zh-TW" dirty="0">
+                          <a:solidFill>
+                            <a:schemeClr val="bg1"/>
+                          </a:solidFill>
+                        </a:rPr>
+                        <a:t>_IOLBF</a:t>
+                      </a:r>
+                    </a:p>
+                    <a:p>
+                      <a:pPr algn="ctr"/>
+                      <a:r>
+                        <a:rPr lang="en-US" altLang="zh-TW" dirty="0">
+                          <a:solidFill>
+                            <a:schemeClr val="bg1"/>
+                          </a:solidFill>
+                        </a:rPr>
+                        <a:t>(</a:t>
+                      </a:r>
+                      <a:r>
+                        <a:rPr lang="zh-TW" altLang="en-US" dirty="0">
+                          <a:solidFill>
+                            <a:schemeClr val="bg1"/>
+                          </a:solidFill>
+                        </a:rPr>
+                        <a:t>行緩衝</a:t>
+                      </a:r>
+                      <a:r>
+                        <a:rPr lang="en-US" altLang="zh-TW" dirty="0">
+                          <a:solidFill>
+                            <a:schemeClr val="bg1"/>
+                          </a:solidFill>
+                        </a:rPr>
+                        <a:t>)</a:t>
+                      </a:r>
+                      <a:endParaRPr lang="zh-TW" altLang="en-US" dirty="0">
+                        <a:solidFill>
+                          <a:schemeClr val="bg1"/>
+                        </a:solidFill>
+                      </a:endParaRPr>
+                    </a:p>
+                  </a:txBody>
+                  <a:tcPr anchor="ctr"/>
+                </a:tc>
+                <a:tc>
+                  <a:txBody>
+                    <a:bodyPr/>
+                    <a:lstStyle/>
+                    <a:p>
+                      <a:r>
+                        <a:rPr lang="zh-TW" altLang="en-US" dirty="0">
+                          <a:solidFill>
+                            <a:schemeClr val="bg1"/>
+                          </a:solidFill>
+                        </a:rPr>
+                        <a:t>輸入：緩衝區為空且請求輸入時填充緩衝區，直到遇到下一個換行符。</a:t>
+                      </a:r>
+                      <a:endParaRPr lang="en-US" altLang="zh-TW" dirty="0">
+                        <a:solidFill>
+                          <a:schemeClr val="bg1"/>
+                        </a:solidFill>
+                      </a:endParaRPr>
+                    </a:p>
+                    <a:p>
+                      <a:r>
+                        <a:rPr lang="zh-TW" altLang="en-US" dirty="0">
+                          <a:solidFill>
+                            <a:schemeClr val="bg1"/>
+                          </a:solidFill>
+                        </a:rPr>
+                        <a:t>輸出：遇到換行符或緩衝區被填滿時被寫入。</a:t>
+                      </a:r>
+                    </a:p>
+                  </a:txBody>
+                  <a:tcPr/>
+                </a:tc>
+                <a:extLst>
+                  <a:ext uri="{0D108BD9-81ED-4DB2-BD59-A6C34878D82A}">
+                    <a16:rowId xmlns:a16="http://schemas.microsoft.com/office/drawing/2014/main" val="327165299"/>
+                  </a:ext>
+                </a:extLst>
+              </a:tr>
+              <a:tr h="370840">
+                <a:tc>
+                  <a:txBody>
+                    <a:bodyPr/>
+                    <a:lstStyle/>
+                    <a:p>
+                      <a:pPr algn="ctr"/>
+                      <a:r>
+                        <a:rPr lang="en-US" altLang="zh-TW" dirty="0">
+                          <a:solidFill>
+                            <a:schemeClr val="bg1"/>
+                          </a:solidFill>
+                        </a:rPr>
+                        <a:t>3</a:t>
+                      </a:r>
+                      <a:endParaRPr lang="zh-TW" altLang="en-US" dirty="0">
+                        <a:solidFill>
+                          <a:schemeClr val="bg1"/>
+                        </a:solidFill>
+                      </a:endParaRPr>
+                    </a:p>
+                  </a:txBody>
+                  <a:tcPr anchor="ctr"/>
+                </a:tc>
+                <a:tc>
+                  <a:txBody>
+                    <a:bodyPr/>
+                    <a:lstStyle/>
+                    <a:p>
+                      <a:pPr algn="ctr"/>
+                      <a:r>
+                        <a:rPr lang="en-US" altLang="zh-TW" dirty="0">
+                          <a:solidFill>
+                            <a:schemeClr val="bg1"/>
+                          </a:solidFill>
+                        </a:rPr>
+                        <a:t>_IONBF</a:t>
+                      </a:r>
+                    </a:p>
+                    <a:p>
+                      <a:pPr algn="ctr"/>
+                      <a:r>
+                        <a:rPr lang="en-US" altLang="zh-TW" dirty="0">
+                          <a:solidFill>
+                            <a:schemeClr val="bg1"/>
+                          </a:solidFill>
+                        </a:rPr>
+                        <a:t>(</a:t>
+                      </a:r>
+                      <a:r>
+                        <a:rPr lang="zh-TW" altLang="en-US" dirty="0">
+                          <a:solidFill>
+                            <a:schemeClr val="bg1"/>
+                          </a:solidFill>
+                        </a:rPr>
+                        <a:t>無緩衝</a:t>
+                      </a:r>
+                      <a:r>
+                        <a:rPr lang="en-US" altLang="zh-TW" dirty="0">
+                          <a:solidFill>
+                            <a:schemeClr val="bg1"/>
+                          </a:solidFill>
+                        </a:rPr>
+                        <a:t>)</a:t>
+                      </a:r>
+                      <a:endParaRPr lang="zh-TW" altLang="en-US" dirty="0">
+                        <a:solidFill>
+                          <a:schemeClr val="bg1"/>
+                        </a:solidFill>
+                      </a:endParaRPr>
+                    </a:p>
+                  </a:txBody>
+                  <a:tcPr anchor="ctr"/>
+                </a:tc>
+                <a:tc>
+                  <a:txBody>
+                    <a:bodyPr/>
+                    <a:lstStyle/>
+                    <a:p>
+                      <a:r>
+                        <a:rPr lang="zh-TW" altLang="en-US" dirty="0">
+                          <a:solidFill>
+                            <a:schemeClr val="bg1"/>
+                          </a:solidFill>
+                        </a:rPr>
+                        <a:t>不使用緩衝區。 每個 </a:t>
+                      </a:r>
+                      <a:r>
+                        <a:rPr lang="en-US" altLang="zh-TW" dirty="0">
+                          <a:solidFill>
+                            <a:schemeClr val="bg1"/>
+                          </a:solidFill>
+                        </a:rPr>
+                        <a:t>I/O </a:t>
+                      </a:r>
+                      <a:r>
+                        <a:rPr lang="zh-TW" altLang="en-US" dirty="0">
+                          <a:solidFill>
+                            <a:schemeClr val="bg1"/>
+                          </a:solidFill>
+                        </a:rPr>
+                        <a:t>操作都被即時寫入。忽略 </a:t>
+                      </a:r>
+                      <a:r>
+                        <a:rPr lang="en-US" altLang="zh-TW" dirty="0">
+                          <a:solidFill>
+                            <a:schemeClr val="bg1"/>
+                          </a:solidFill>
+                        </a:rPr>
+                        <a:t>buffer </a:t>
+                      </a:r>
+                      <a:r>
+                        <a:rPr lang="zh-TW" altLang="en-US" dirty="0">
+                          <a:solidFill>
+                            <a:schemeClr val="bg1"/>
+                          </a:solidFill>
+                        </a:rPr>
+                        <a:t>和 </a:t>
+                      </a:r>
+                      <a:r>
+                        <a:rPr lang="en-US" altLang="zh-TW" dirty="0">
+                          <a:solidFill>
+                            <a:schemeClr val="bg1"/>
+                          </a:solidFill>
+                        </a:rPr>
+                        <a:t>size </a:t>
+                      </a:r>
+                      <a:r>
+                        <a:rPr lang="zh-TW" altLang="en-US" dirty="0">
+                          <a:solidFill>
+                            <a:schemeClr val="bg1"/>
+                          </a:solidFill>
+                        </a:rPr>
+                        <a:t>參數。</a:t>
+                      </a:r>
+                    </a:p>
+                  </a:txBody>
+                  <a:tcPr/>
+                </a:tc>
+                <a:extLst>
+                  <a:ext uri="{0D108BD9-81ED-4DB2-BD59-A6C34878D82A}">
+                    <a16:rowId xmlns:a16="http://schemas.microsoft.com/office/drawing/2014/main" val="3633225526"/>
+                  </a:ext>
+                </a:extLst>
+              </a:tr>
+            </a:tbl>
+          </a:graphicData>
+        </a:graphic>
+      </p:graphicFrame>
+      <p:cxnSp>
+        <p:nvCxnSpPr>
+          <p:cNvPr id="27" name="直線單箭頭接點 26">
+            <a:extLst>
+              <a:ext uri="{FF2B5EF4-FFF2-40B4-BE49-F238E27FC236}">
+                <a16:creationId xmlns:a16="http://schemas.microsoft.com/office/drawing/2014/main" id="{A4ED7E9A-50C9-871C-B612-30BC3A1DDBE2}"/>
+              </a:ext>
+            </a:extLst>
+          </p:cNvPr>
+          <p:cNvCxnSpPr>
+            <a:cxnSpLocks/>
+            <a:endCxn id="14" idx="1"/>
+          </p:cNvCxnSpPr>
+          <p:nvPr/>
+        </p:nvCxnSpPr>
+        <p:spPr>
+          <a:xfrm flipV="1">
+            <a:off x="1904304" y="782200"/>
+            <a:ext cx="6717278" cy="2279742"/>
+          </a:xfrm>
+          <a:prstGeom prst="straightConnector1">
+            <a:avLst/>
+          </a:prstGeom>
+          <a:ln w="12700">
+            <a:solidFill>
+              <a:srgbClr val="FF0000"/>
+            </a:solidFill>
+            <a:tailEnd type="triangle"/>
+          </a:ln>
+        </p:spPr>
+        <p:style>
+          <a:lnRef idx="1">
+            <a:schemeClr val="accent1"/>
+          </a:lnRef>
+          <a:fillRef idx="0">
+            <a:schemeClr val="accent1"/>
+          </a:fillRef>
+          <a:effectRef idx="0">
+            <a:schemeClr val="accent1"/>
+          </a:effectRef>
+          <a:fontRef idx="minor">
+            <a:schemeClr val="tx1"/>
+          </a:fontRef>
+        </p:style>
+      </p:cxnSp>
+      <p:cxnSp>
+        <p:nvCxnSpPr>
+          <p:cNvPr id="32" name="直線單箭頭接點 31">
+            <a:extLst>
+              <a:ext uri="{FF2B5EF4-FFF2-40B4-BE49-F238E27FC236}">
+                <a16:creationId xmlns:a16="http://schemas.microsoft.com/office/drawing/2014/main" id="{E12CD98E-491C-3A64-E1CC-4C836C1A725C}"/>
+              </a:ext>
+            </a:extLst>
+          </p:cNvPr>
+          <p:cNvCxnSpPr>
+            <a:cxnSpLocks/>
+            <a:stCxn id="14" idx="2"/>
+            <a:endCxn id="20" idx="0"/>
+          </p:cNvCxnSpPr>
+          <p:nvPr/>
+        </p:nvCxnSpPr>
+        <p:spPr>
+          <a:xfrm flipH="1">
+            <a:off x="9654927" y="966866"/>
+            <a:ext cx="1" cy="496719"/>
+          </a:xfrm>
+          <a:prstGeom prst="straightConnector1">
+            <a:avLst/>
+          </a:prstGeom>
+          <a:ln w="12700">
+            <a:solidFill>
+              <a:srgbClr val="FF0000"/>
+            </a:solidFill>
+            <a:tailEnd type="triangle"/>
+          </a:ln>
+        </p:spPr>
+        <p:style>
+          <a:lnRef idx="1">
+            <a:schemeClr val="accent1"/>
+          </a:lnRef>
+          <a:fillRef idx="0">
+            <a:schemeClr val="accent1"/>
+          </a:fillRef>
+          <a:effectRef idx="0">
+            <a:schemeClr val="accent1"/>
+          </a:effectRef>
+          <a:fontRef idx="minor">
+            <a:schemeClr val="tx1"/>
+          </a:fontRef>
+        </p:style>
+      </p:cxnSp>
+    </p:spTree>
+    <p:extLst>
+      <p:ext uri="{BB962C8B-B14F-4D97-AF65-F5344CB8AC3E}">
+        <p14:creationId xmlns:p14="http://schemas.microsoft.com/office/powerpoint/2010/main" val="4210561549"/>
+      </p:ext>
+    </p:extLst>
+  </p:cSld>
+  <p:clrMapOvr>
+    <a:masterClrMapping/>
+  </p:clrMapOvr>
+</p:sld>
+</file>
+
+<file path=ppt/slides/slide16.xml><?xml version="1.0" encoding="utf-8"?>
+<p:sld xmlns:a="http://schemas.openxmlformats.org/drawingml/2006/main" xmlns:r="http://schemas.openxmlformats.org/officeDocument/2006/relationships" xmlns:p="http://schemas.openxmlformats.org/presentationml/2006/main">
+  <p:cSld>
+    <p:spTree>
+      <p:nvGrpSpPr>
+        <p:cNvPr id="1" name=""/>
+        <p:cNvGrpSpPr/>
+        <p:nvPr/>
+      </p:nvGrpSpPr>
+      <p:grpSpPr>
+        <a:xfrm>
+          <a:off x="0" y="0"/>
+          <a:ext cx="0" cy="0"/>
+          <a:chOff x="0" y="0"/>
+          <a:chExt cx="0" cy="0"/>
+        </a:xfrm>
+      </p:grpSpPr>
+      <p:pic>
+        <p:nvPicPr>
+          <p:cNvPr id="5" name="圖片 4">
+            <a:extLst>
+              <a:ext uri="{FF2B5EF4-FFF2-40B4-BE49-F238E27FC236}">
+                <a16:creationId xmlns:a16="http://schemas.microsoft.com/office/drawing/2014/main" id="{0A82D038-2600-0011-39E6-95D358A09383}"/>
+              </a:ext>
+            </a:extLst>
+          </p:cNvPr>
+          <p:cNvPicPr>
+            <a:picLocks noChangeAspect="1"/>
+          </p:cNvPicPr>
+          <p:nvPr/>
+        </p:nvPicPr>
+        <p:blipFill>
+          <a:blip r:embed="rId2"/>
+          <a:stretch>
+            <a:fillRect/>
+          </a:stretch>
+        </p:blipFill>
+        <p:spPr>
+          <a:xfrm>
+            <a:off x="1361113" y="908035"/>
+            <a:ext cx="6613719" cy="5666666"/>
+          </a:xfrm>
+          <a:prstGeom prst="rect">
+            <a:avLst/>
+          </a:prstGeom>
+          <a:ln w="19050">
+            <a:solidFill>
+              <a:schemeClr val="tx1"/>
+            </a:solidFill>
+          </a:ln>
+        </p:spPr>
+      </p:pic>
+      <p:sp>
+        <p:nvSpPr>
+          <p:cNvPr id="2" name="標題 1">
+            <a:extLst>
+              <a:ext uri="{FF2B5EF4-FFF2-40B4-BE49-F238E27FC236}">
+                <a16:creationId xmlns:a16="http://schemas.microsoft.com/office/drawing/2014/main" id="{A1941E62-6448-B09D-C490-9FDF25C02BFA}"/>
+              </a:ext>
+            </a:extLst>
+          </p:cNvPr>
+          <p:cNvSpPr>
+            <a:spLocks noGrp="1"/>
+          </p:cNvSpPr>
+          <p:nvPr>
+            <p:ph type="title"/>
+          </p:nvPr>
+        </p:nvSpPr>
+        <p:spPr>
+          <a:xfrm>
+            <a:off x="6791285" y="6238110"/>
+            <a:ext cx="1183547" cy="336591"/>
+          </a:xfrm>
+          <a:ln w="28575">
+            <a:solidFill>
+              <a:srgbClr val="FF0000"/>
+            </a:solidFill>
+          </a:ln>
+        </p:spPr>
+        <p:txBody>
+          <a:bodyPr>
+            <a:noAutofit/>
+          </a:bodyPr>
+          <a:lstStyle/>
+          <a:p>
+            <a:pPr algn="ctr"/>
+            <a:r>
+              <a:rPr lang="en-US" altLang="zh-TW" sz="2800" dirty="0" err="1"/>
+              <a:t>pass.c</a:t>
+            </a:r>
+            <a:endParaRPr lang="zh-TW" altLang="en-US" sz="2800" dirty="0"/>
+          </a:p>
+        </p:txBody>
+      </p:sp>
+      <p:sp>
+        <p:nvSpPr>
+          <p:cNvPr id="30" name="矩形 29">
+            <a:extLst>
+              <a:ext uri="{FF2B5EF4-FFF2-40B4-BE49-F238E27FC236}">
+                <a16:creationId xmlns:a16="http://schemas.microsoft.com/office/drawing/2014/main" id="{DC1C9816-20E5-29CD-41D4-D8D8027C49BD}"/>
+              </a:ext>
+            </a:extLst>
+          </p:cNvPr>
+          <p:cNvSpPr/>
+          <p:nvPr/>
+        </p:nvSpPr>
+        <p:spPr>
+          <a:xfrm>
+            <a:off x="2936153" y="3003153"/>
+            <a:ext cx="133277" cy="289487"/>
+          </a:xfrm>
+          <a:prstGeom prst="rect">
+            <a:avLst/>
+          </a:prstGeom>
+          <a:noFill/>
+          <a:ln>
+            <a:solidFill>
+              <a:srgbClr val="FF0000"/>
+            </a:solidFill>
+          </a:ln>
+        </p:spPr>
+        <p:style>
+          <a:lnRef idx="2">
+            <a:schemeClr val="accent1">
+              <a:shade val="50000"/>
+            </a:schemeClr>
+          </a:lnRef>
+          <a:fillRef idx="1">
+            <a:schemeClr val="accent1"/>
+          </a:fillRef>
+          <a:effectRef idx="0">
+            <a:schemeClr val="accent1"/>
+          </a:effectRef>
+          <a:fontRef idx="minor">
+            <a:schemeClr val="lt1"/>
+          </a:fontRef>
+        </p:style>
+        <p:txBody>
+          <a:bodyPr rtlCol="0" anchor="ctr"/>
+          <a:lstStyle/>
+          <a:p>
+            <a:pPr algn="ctr"/>
+            <a:endParaRPr lang="zh-TW" altLang="en-US"/>
+          </a:p>
+        </p:txBody>
+      </p:sp>
+      <p:cxnSp>
+        <p:nvCxnSpPr>
+          <p:cNvPr id="31" name="接點: 肘形 30">
+            <a:extLst>
+              <a:ext uri="{FF2B5EF4-FFF2-40B4-BE49-F238E27FC236}">
+                <a16:creationId xmlns:a16="http://schemas.microsoft.com/office/drawing/2014/main" id="{59D96DB5-0748-4E4A-3DBA-3BA837118C93}"/>
+              </a:ext>
+            </a:extLst>
+          </p:cNvPr>
+          <p:cNvCxnSpPr>
+            <a:cxnSpLocks/>
+            <a:stCxn id="30" idx="0"/>
+            <a:endCxn id="33" idx="1"/>
+          </p:cNvCxnSpPr>
+          <p:nvPr/>
+        </p:nvCxnSpPr>
+        <p:spPr>
+          <a:xfrm rot="5400000" flipH="1" flipV="1">
+            <a:off x="5529696" y="-641007"/>
+            <a:ext cx="1117257" cy="6171065"/>
+          </a:xfrm>
+          <a:prstGeom prst="bentConnector2">
+            <a:avLst/>
+          </a:prstGeom>
+          <a:ln w="12700">
+            <a:solidFill>
+              <a:srgbClr val="FF0000"/>
+            </a:solidFill>
+            <a:tailEnd type="triangle"/>
+          </a:ln>
+        </p:spPr>
+        <p:style>
+          <a:lnRef idx="1">
+            <a:schemeClr val="accent1"/>
+          </a:lnRef>
+          <a:fillRef idx="0">
+            <a:schemeClr val="accent1"/>
+          </a:fillRef>
+          <a:effectRef idx="0">
+            <a:schemeClr val="accent1"/>
+          </a:effectRef>
+          <a:fontRef idx="minor">
+            <a:schemeClr val="tx1"/>
+          </a:fontRef>
+        </p:style>
+      </p:cxnSp>
+      <p:sp>
+        <p:nvSpPr>
+          <p:cNvPr id="33" name="文字方塊 32">
+            <a:extLst>
+              <a:ext uri="{FF2B5EF4-FFF2-40B4-BE49-F238E27FC236}">
+                <a16:creationId xmlns:a16="http://schemas.microsoft.com/office/drawing/2014/main" id="{5AAFFB20-6039-785A-DC09-6FDA8A12CD62}"/>
+              </a:ext>
+            </a:extLst>
+          </p:cNvPr>
+          <p:cNvSpPr txBox="1"/>
+          <p:nvPr/>
+        </p:nvSpPr>
+        <p:spPr>
+          <a:xfrm>
+            <a:off x="9173857" y="1701230"/>
+            <a:ext cx="2243560" cy="369332"/>
+          </a:xfrm>
+          <a:prstGeom prst="rect">
+            <a:avLst/>
+          </a:prstGeom>
+          <a:noFill/>
+          <a:ln w="28575">
+            <a:solidFill>
+              <a:srgbClr val="FFC000"/>
+            </a:solidFill>
+          </a:ln>
+        </p:spPr>
+        <p:txBody>
+          <a:bodyPr wrap="square" rtlCol="0">
+            <a:spAutoFit/>
+          </a:bodyPr>
+          <a:lstStyle/>
+          <a:p>
+            <a:pPr algn="ctr"/>
+            <a:r>
+              <a:rPr lang="zh-TW" altLang="en-US" dirty="0"/>
+              <a:t>設定緩衝區的大小</a:t>
+            </a:r>
+          </a:p>
+        </p:txBody>
+      </p:sp>
+      <p:cxnSp>
+        <p:nvCxnSpPr>
+          <p:cNvPr id="19" name="直線單箭頭接點 18">
+            <a:extLst>
+              <a:ext uri="{FF2B5EF4-FFF2-40B4-BE49-F238E27FC236}">
+                <a16:creationId xmlns:a16="http://schemas.microsoft.com/office/drawing/2014/main" id="{489E0491-0A9A-A95C-355E-A1A143A2622D}"/>
+              </a:ext>
+            </a:extLst>
+          </p:cNvPr>
+          <p:cNvCxnSpPr>
+            <a:cxnSpLocks/>
+            <a:stCxn id="33" idx="2"/>
+            <a:endCxn id="20" idx="0"/>
+          </p:cNvCxnSpPr>
+          <p:nvPr/>
+        </p:nvCxnSpPr>
+        <p:spPr>
+          <a:xfrm>
+            <a:off x="10295637" y="2070562"/>
+            <a:ext cx="0" cy="1048931"/>
+          </a:xfrm>
+          <a:prstGeom prst="straightConnector1">
+            <a:avLst/>
+          </a:prstGeom>
+          <a:ln w="12700">
+            <a:solidFill>
+              <a:srgbClr val="FF0000"/>
+            </a:solidFill>
+            <a:tailEnd type="triangle"/>
+          </a:ln>
+        </p:spPr>
+        <p:style>
+          <a:lnRef idx="1">
+            <a:schemeClr val="accent1"/>
+          </a:lnRef>
+          <a:fillRef idx="0">
+            <a:schemeClr val="accent1"/>
+          </a:fillRef>
+          <a:effectRef idx="0">
+            <a:schemeClr val="accent1"/>
+          </a:effectRef>
+          <a:fontRef idx="minor">
+            <a:schemeClr val="tx1"/>
+          </a:fontRef>
+        </p:style>
+      </p:cxnSp>
+      <p:pic>
+        <p:nvPicPr>
+          <p:cNvPr id="20" name="圖片 19">
+            <a:extLst>
+              <a:ext uri="{FF2B5EF4-FFF2-40B4-BE49-F238E27FC236}">
+                <a16:creationId xmlns:a16="http://schemas.microsoft.com/office/drawing/2014/main" id="{C7C774FE-FBAF-93CC-E186-0D474189E3D9}"/>
+              </a:ext>
+            </a:extLst>
+          </p:cNvPr>
+          <p:cNvPicPr>
+            <a:picLocks noChangeAspect="1"/>
+          </p:cNvPicPr>
+          <p:nvPr/>
+        </p:nvPicPr>
+        <p:blipFill>
+          <a:blip r:embed="rId3"/>
+          <a:stretch>
+            <a:fillRect/>
+          </a:stretch>
+        </p:blipFill>
+        <p:spPr>
+          <a:xfrm>
+            <a:off x="8914512" y="3119493"/>
+            <a:ext cx="2762250" cy="1343025"/>
+          </a:xfrm>
+          <a:prstGeom prst="rect">
+            <a:avLst/>
+          </a:prstGeom>
+          <a:ln w="19050">
+            <a:solidFill>
+              <a:schemeClr val="tx1"/>
+            </a:solidFill>
+          </a:ln>
+        </p:spPr>
+      </p:pic>
+      <p:sp>
+        <p:nvSpPr>
+          <p:cNvPr id="22" name="矩形 21">
+            <a:extLst>
+              <a:ext uri="{FF2B5EF4-FFF2-40B4-BE49-F238E27FC236}">
+                <a16:creationId xmlns:a16="http://schemas.microsoft.com/office/drawing/2014/main" id="{90EB1016-572F-409B-1030-AEBDFD38D456}"/>
+              </a:ext>
+            </a:extLst>
+          </p:cNvPr>
+          <p:cNvSpPr/>
+          <p:nvPr/>
+        </p:nvSpPr>
+        <p:spPr>
+          <a:xfrm>
+            <a:off x="11132876" y="3677775"/>
+            <a:ext cx="410376" cy="192903"/>
+          </a:xfrm>
+          <a:prstGeom prst="rect">
+            <a:avLst/>
+          </a:prstGeom>
+          <a:noFill/>
+          <a:ln>
+            <a:solidFill>
+              <a:srgbClr val="FF0000"/>
+            </a:solidFill>
+          </a:ln>
+        </p:spPr>
+        <p:style>
+          <a:lnRef idx="2">
+            <a:schemeClr val="accent1">
+              <a:shade val="50000"/>
+            </a:schemeClr>
+          </a:lnRef>
+          <a:fillRef idx="1">
+            <a:schemeClr val="accent1"/>
+          </a:fillRef>
+          <a:effectRef idx="0">
+            <a:schemeClr val="accent1"/>
+          </a:effectRef>
+          <a:fontRef idx="minor">
+            <a:schemeClr val="lt1"/>
+          </a:fontRef>
+        </p:style>
+        <p:txBody>
+          <a:bodyPr rtlCol="0" anchor="ctr"/>
+          <a:lstStyle/>
+          <a:p>
+            <a:pPr algn="ctr"/>
+            <a:endParaRPr lang="zh-TW" altLang="en-US"/>
+          </a:p>
+        </p:txBody>
+      </p:sp>
+      <p:sp>
+        <p:nvSpPr>
+          <p:cNvPr id="26" name="標題 1">
+            <a:extLst>
+              <a:ext uri="{FF2B5EF4-FFF2-40B4-BE49-F238E27FC236}">
+                <a16:creationId xmlns:a16="http://schemas.microsoft.com/office/drawing/2014/main" id="{117B61C8-7107-C59C-D47F-EE445DF1FD1F}"/>
+              </a:ext>
+            </a:extLst>
+          </p:cNvPr>
+          <p:cNvSpPr txBox="1">
+            <a:spLocks/>
+          </p:cNvSpPr>
+          <p:nvPr/>
+        </p:nvSpPr>
+        <p:spPr>
+          <a:xfrm>
+            <a:off x="0" y="1"/>
+            <a:ext cx="4395832" cy="782199"/>
+          </a:xfrm>
+          <a:prstGeom prst="rect">
+            <a:avLst/>
+          </a:prstGeom>
+        </p:spPr>
+        <p:txBody>
+          <a:bodyPr vert="horz" lIns="91440" tIns="45720" rIns="91440" bIns="45720" rtlCol="0" anchor="ctr">
+            <a:normAutofit/>
+          </a:bodyPr>
+          <a:lstStyle>
+            <a:lvl1pPr algn="ctr" defTabSz="914400">
+              <a:lnSpc>
+                <a:spcPct val="90000"/>
+              </a:lnSpc>
+              <a:spcBef>
+                <a:spcPct val="0"/>
+              </a:spcBef>
+              <a:buNone/>
+              <a:defRPr sz="4400" i="1">
+                <a:solidFill>
+                  <a:srgbClr val="FF0000"/>
+                </a:solidFill>
+                <a:latin typeface="+mj-lt"/>
+                <a:ea typeface="+mj-ea"/>
+                <a:cs typeface="+mj-cs"/>
+              </a:defRPr>
+            </a:lvl1pPr>
+          </a:lstStyle>
+          <a:p>
+            <a:r>
+              <a:rPr lang="en-US" altLang="zh-TW" sz="4000" dirty="0"/>
+              <a:t>$</a:t>
+            </a:r>
+            <a:r>
+              <a:rPr lang="zh-TW" altLang="en-US" sz="4000" dirty="0"/>
+              <a:t> 題目程式碼解說</a:t>
+            </a:r>
+          </a:p>
+        </p:txBody>
+      </p:sp>
+    </p:spTree>
+    <p:extLst>
+      <p:ext uri="{BB962C8B-B14F-4D97-AF65-F5344CB8AC3E}">
+        <p14:creationId xmlns:p14="http://schemas.microsoft.com/office/powerpoint/2010/main" val="3282932723"/>
+      </p:ext>
+    </p:extLst>
+  </p:cSld>
+  <p:clrMapOvr>
+    <a:masterClrMapping/>
+  </p:clrMapOvr>
+</p:sld>
+</file>
+
+<file path=ppt/slides/slide17.xml><?xml version="1.0" encoding="utf-8"?>
+<p:sld xmlns:a="http://schemas.openxmlformats.org/drawingml/2006/main" xmlns:r="http://schemas.openxmlformats.org/officeDocument/2006/relationships" xmlns:p="http://schemas.openxmlformats.org/presentationml/2006/main">
+  <p:cSld>
+    <p:spTree>
+      <p:nvGrpSpPr>
+        <p:cNvPr id="1" name=""/>
+        <p:cNvGrpSpPr/>
+        <p:nvPr/>
+      </p:nvGrpSpPr>
+      <p:grpSpPr>
+        <a:xfrm>
+          <a:off x="0" y="0"/>
+          <a:ext cx="0" cy="0"/>
+          <a:chOff x="0" y="0"/>
+          <a:chExt cx="0" cy="0"/>
+        </a:xfrm>
+      </p:grpSpPr>
+      <p:pic>
+        <p:nvPicPr>
+          <p:cNvPr id="5" name="圖片 4">
+            <a:extLst>
+              <a:ext uri="{FF2B5EF4-FFF2-40B4-BE49-F238E27FC236}">
+                <a16:creationId xmlns:a16="http://schemas.microsoft.com/office/drawing/2014/main" id="{0A82D038-2600-0011-39E6-95D358A09383}"/>
+              </a:ext>
+            </a:extLst>
+          </p:cNvPr>
+          <p:cNvPicPr>
+            <a:picLocks noChangeAspect="1"/>
+          </p:cNvPicPr>
+          <p:nvPr/>
+        </p:nvPicPr>
+        <p:blipFill>
+          <a:blip r:embed="rId2"/>
+          <a:stretch>
+            <a:fillRect/>
+          </a:stretch>
+        </p:blipFill>
+        <p:spPr>
+          <a:xfrm>
+            <a:off x="1361113" y="908035"/>
+            <a:ext cx="6613719" cy="5666666"/>
+          </a:xfrm>
+          <a:prstGeom prst="rect">
+            <a:avLst/>
+          </a:prstGeom>
+          <a:ln w="19050">
+            <a:solidFill>
+              <a:schemeClr val="tx1"/>
+            </a:solidFill>
+          </a:ln>
+        </p:spPr>
+      </p:pic>
+      <p:sp>
+        <p:nvSpPr>
+          <p:cNvPr id="2" name="標題 1">
+            <a:extLst>
+              <a:ext uri="{FF2B5EF4-FFF2-40B4-BE49-F238E27FC236}">
+                <a16:creationId xmlns:a16="http://schemas.microsoft.com/office/drawing/2014/main" id="{A1941E62-6448-B09D-C490-9FDF25C02BFA}"/>
+              </a:ext>
+            </a:extLst>
+          </p:cNvPr>
+          <p:cNvSpPr>
+            <a:spLocks noGrp="1"/>
+          </p:cNvSpPr>
+          <p:nvPr>
+            <p:ph type="title"/>
+          </p:nvPr>
+        </p:nvSpPr>
+        <p:spPr>
+          <a:xfrm>
+            <a:off x="6791285" y="6238110"/>
+            <a:ext cx="1183547" cy="336591"/>
+          </a:xfrm>
+          <a:ln w="28575">
+            <a:solidFill>
+              <a:srgbClr val="FF0000"/>
+            </a:solidFill>
+          </a:ln>
+        </p:spPr>
+        <p:txBody>
+          <a:bodyPr>
+            <a:noAutofit/>
+          </a:bodyPr>
+          <a:lstStyle/>
+          <a:p>
+            <a:pPr algn="ctr"/>
+            <a:r>
+              <a:rPr lang="en-US" altLang="zh-TW" sz="2800" dirty="0" err="1"/>
+              <a:t>pass.c</a:t>
+            </a:r>
+            <a:endParaRPr lang="zh-TW" altLang="en-US" sz="2800" dirty="0"/>
+          </a:p>
+        </p:txBody>
+      </p:sp>
+      <p:sp>
+        <p:nvSpPr>
+          <p:cNvPr id="30" name="矩形 29">
+            <a:extLst>
+              <a:ext uri="{FF2B5EF4-FFF2-40B4-BE49-F238E27FC236}">
+                <a16:creationId xmlns:a16="http://schemas.microsoft.com/office/drawing/2014/main" id="{DC1C9816-20E5-29CD-41D4-D8D8027C49BD}"/>
+              </a:ext>
+            </a:extLst>
+          </p:cNvPr>
+          <p:cNvSpPr/>
+          <p:nvPr/>
+        </p:nvSpPr>
+        <p:spPr>
+          <a:xfrm>
+            <a:off x="1535191" y="4317775"/>
+            <a:ext cx="1149286" cy="220670"/>
+          </a:xfrm>
+          <a:prstGeom prst="rect">
+            <a:avLst/>
+          </a:prstGeom>
+          <a:noFill/>
+          <a:ln>
+            <a:solidFill>
+              <a:srgbClr val="FF0000"/>
+            </a:solidFill>
+          </a:ln>
+        </p:spPr>
+        <p:style>
+          <a:lnRef idx="2">
+            <a:schemeClr val="accent1">
+              <a:shade val="50000"/>
+            </a:schemeClr>
+          </a:lnRef>
+          <a:fillRef idx="1">
+            <a:schemeClr val="accent1"/>
+          </a:fillRef>
+          <a:effectRef idx="0">
+            <a:schemeClr val="accent1"/>
+          </a:effectRef>
+          <a:fontRef idx="minor">
+            <a:schemeClr val="lt1"/>
+          </a:fontRef>
+        </p:style>
+        <p:txBody>
+          <a:bodyPr rtlCol="0" anchor="ctr"/>
+          <a:lstStyle/>
+          <a:p>
+            <a:pPr algn="ctr"/>
+            <a:endParaRPr lang="zh-TW" altLang="en-US"/>
+          </a:p>
+        </p:txBody>
+      </p:sp>
+      <p:cxnSp>
+        <p:nvCxnSpPr>
+          <p:cNvPr id="31" name="接點: 肘形 30">
+            <a:extLst>
+              <a:ext uri="{FF2B5EF4-FFF2-40B4-BE49-F238E27FC236}">
+                <a16:creationId xmlns:a16="http://schemas.microsoft.com/office/drawing/2014/main" id="{59D96DB5-0748-4E4A-3DBA-3BA837118C93}"/>
+              </a:ext>
+            </a:extLst>
+          </p:cNvPr>
+          <p:cNvCxnSpPr>
+            <a:cxnSpLocks/>
+            <a:stCxn id="30" idx="0"/>
+            <a:endCxn id="33" idx="1"/>
+          </p:cNvCxnSpPr>
+          <p:nvPr/>
+        </p:nvCxnSpPr>
+        <p:spPr>
+          <a:xfrm rot="5400000" flipH="1" flipV="1">
+            <a:off x="5040798" y="393727"/>
+            <a:ext cx="993085" cy="6855013"/>
+          </a:xfrm>
+          <a:prstGeom prst="bentConnector2">
+            <a:avLst/>
+          </a:prstGeom>
+          <a:ln w="12700">
+            <a:solidFill>
+              <a:srgbClr val="FF0000"/>
+            </a:solidFill>
+            <a:tailEnd type="triangle"/>
+          </a:ln>
+        </p:spPr>
+        <p:style>
+          <a:lnRef idx="1">
+            <a:schemeClr val="accent1"/>
+          </a:lnRef>
+          <a:fillRef idx="0">
+            <a:schemeClr val="accent1"/>
+          </a:fillRef>
+          <a:effectRef idx="0">
+            <a:schemeClr val="accent1"/>
+          </a:effectRef>
+          <a:fontRef idx="minor">
+            <a:schemeClr val="tx1"/>
+          </a:fontRef>
+        </p:style>
+      </p:cxnSp>
+      <p:sp>
+        <p:nvSpPr>
+          <p:cNvPr id="33" name="文字方塊 32">
+            <a:extLst>
+              <a:ext uri="{FF2B5EF4-FFF2-40B4-BE49-F238E27FC236}">
+                <a16:creationId xmlns:a16="http://schemas.microsoft.com/office/drawing/2014/main" id="{5AAFFB20-6039-785A-DC09-6FDA8A12CD62}"/>
+              </a:ext>
+            </a:extLst>
+          </p:cNvPr>
+          <p:cNvSpPr txBox="1"/>
+          <p:nvPr/>
+        </p:nvSpPr>
+        <p:spPr>
+          <a:xfrm>
+            <a:off x="8964847" y="3001524"/>
+            <a:ext cx="2502905" cy="646331"/>
+          </a:xfrm>
+          <a:prstGeom prst="rect">
+            <a:avLst/>
+          </a:prstGeom>
+          <a:noFill/>
+          <a:ln w="28575">
+            <a:solidFill>
+              <a:srgbClr val="FFC000"/>
+            </a:solidFill>
+          </a:ln>
+        </p:spPr>
+        <p:txBody>
+          <a:bodyPr wrap="square" rtlCol="0">
+            <a:spAutoFit/>
+          </a:bodyPr>
+          <a:lstStyle/>
+          <a:p>
+            <a:pPr algn="ctr"/>
+            <a:r>
+              <a:rPr lang="zh-TW" altLang="en-US" dirty="0"/>
+              <a:t>讀取使用者的輸入給 </a:t>
+            </a:r>
+            <a:r>
+              <a:rPr lang="en-US" altLang="zh-TW" dirty="0">
+                <a:solidFill>
+                  <a:srgbClr val="FF0000"/>
+                </a:solidFill>
+              </a:rPr>
+              <a:t>key</a:t>
+            </a:r>
+            <a:r>
+              <a:rPr lang="zh-TW" altLang="en-US" dirty="0"/>
+              <a:t>，不能超過 </a:t>
+            </a:r>
+            <a:r>
+              <a:rPr lang="en-US" altLang="zh-TW" dirty="0"/>
+              <a:t>40 </a:t>
+            </a:r>
+            <a:r>
+              <a:rPr lang="zh-TW" altLang="en-US" dirty="0"/>
+              <a:t>個字</a:t>
+            </a:r>
+          </a:p>
+        </p:txBody>
+      </p:sp>
+      <p:sp>
+        <p:nvSpPr>
+          <p:cNvPr id="26" name="標題 1">
+            <a:extLst>
+              <a:ext uri="{FF2B5EF4-FFF2-40B4-BE49-F238E27FC236}">
+                <a16:creationId xmlns:a16="http://schemas.microsoft.com/office/drawing/2014/main" id="{117B61C8-7107-C59C-D47F-EE445DF1FD1F}"/>
+              </a:ext>
+            </a:extLst>
+          </p:cNvPr>
+          <p:cNvSpPr txBox="1">
+            <a:spLocks/>
+          </p:cNvSpPr>
+          <p:nvPr/>
+        </p:nvSpPr>
+        <p:spPr>
+          <a:xfrm>
+            <a:off x="0" y="1"/>
+            <a:ext cx="4395832" cy="782199"/>
+          </a:xfrm>
+          <a:prstGeom prst="rect">
+            <a:avLst/>
+          </a:prstGeom>
+        </p:spPr>
+        <p:txBody>
+          <a:bodyPr vert="horz" lIns="91440" tIns="45720" rIns="91440" bIns="45720" rtlCol="0" anchor="ctr">
+            <a:normAutofit/>
+          </a:bodyPr>
+          <a:lstStyle>
+            <a:lvl1pPr algn="ctr" defTabSz="914400">
+              <a:lnSpc>
+                <a:spcPct val="90000"/>
+              </a:lnSpc>
+              <a:spcBef>
+                <a:spcPct val="0"/>
+              </a:spcBef>
+              <a:buNone/>
+              <a:defRPr sz="4400" i="1">
+                <a:solidFill>
+                  <a:srgbClr val="FF0000"/>
+                </a:solidFill>
+                <a:latin typeface="+mj-lt"/>
+                <a:ea typeface="+mj-ea"/>
+                <a:cs typeface="+mj-cs"/>
+              </a:defRPr>
+            </a:lvl1pPr>
+          </a:lstStyle>
+          <a:p>
+            <a:r>
+              <a:rPr lang="en-US" altLang="zh-TW" sz="4000" dirty="0"/>
+              <a:t>$</a:t>
+            </a:r>
+            <a:r>
+              <a:rPr lang="zh-TW" altLang="en-US" sz="4000" dirty="0"/>
+              <a:t> 題目程式碼解說</a:t>
+            </a:r>
+          </a:p>
+        </p:txBody>
+      </p:sp>
+    </p:spTree>
+    <p:extLst>
+      <p:ext uri="{BB962C8B-B14F-4D97-AF65-F5344CB8AC3E}">
+        <p14:creationId xmlns:p14="http://schemas.microsoft.com/office/powerpoint/2010/main" val="1372133055"/>
+      </p:ext>
+    </p:extLst>
+  </p:cSld>
+  <p:clrMapOvr>
+    <a:masterClrMapping/>
+  </p:clrMapOvr>
+</p:sld>
+</file>
+
+<file path=ppt/slides/slide18.xml><?xml version="1.0" encoding="utf-8"?>
+<p:sld xmlns:a="http://schemas.openxmlformats.org/drawingml/2006/main" xmlns:r="http://schemas.openxmlformats.org/officeDocument/2006/relationships" xmlns:p="http://schemas.openxmlformats.org/presentationml/2006/main">
+  <p:cSld>
+    <p:spTree>
+      <p:nvGrpSpPr>
+        <p:cNvPr id="1" name=""/>
+        <p:cNvGrpSpPr/>
+        <p:nvPr/>
+      </p:nvGrpSpPr>
+      <p:grpSpPr>
+        <a:xfrm>
+          <a:off x="0" y="0"/>
+          <a:ext cx="0" cy="0"/>
+          <a:chOff x="0" y="0"/>
+          <a:chExt cx="0" cy="0"/>
+        </a:xfrm>
+      </p:grpSpPr>
+      <p:pic>
+        <p:nvPicPr>
+          <p:cNvPr id="5" name="圖片 4">
+            <a:extLst>
+              <a:ext uri="{FF2B5EF4-FFF2-40B4-BE49-F238E27FC236}">
+                <a16:creationId xmlns:a16="http://schemas.microsoft.com/office/drawing/2014/main" id="{0A82D038-2600-0011-39E6-95D358A09383}"/>
+              </a:ext>
+            </a:extLst>
+          </p:cNvPr>
+          <p:cNvPicPr>
+            <a:picLocks noChangeAspect="1"/>
+          </p:cNvPicPr>
+          <p:nvPr/>
+        </p:nvPicPr>
+        <p:blipFill>
+          <a:blip r:embed="rId2"/>
+          <a:stretch>
+            <a:fillRect/>
+          </a:stretch>
+        </p:blipFill>
+        <p:spPr>
+          <a:xfrm>
+            <a:off x="1361113" y="908035"/>
+            <a:ext cx="6613719" cy="5666666"/>
+          </a:xfrm>
+          <a:prstGeom prst="rect">
+            <a:avLst/>
+          </a:prstGeom>
+          <a:ln w="19050">
+            <a:solidFill>
+              <a:schemeClr val="tx1"/>
+            </a:solidFill>
+          </a:ln>
+        </p:spPr>
+      </p:pic>
+      <p:sp>
+        <p:nvSpPr>
+          <p:cNvPr id="2" name="標題 1">
+            <a:extLst>
+              <a:ext uri="{FF2B5EF4-FFF2-40B4-BE49-F238E27FC236}">
+                <a16:creationId xmlns:a16="http://schemas.microsoft.com/office/drawing/2014/main" id="{A1941E62-6448-B09D-C490-9FDF25C02BFA}"/>
+              </a:ext>
+            </a:extLst>
+          </p:cNvPr>
+          <p:cNvSpPr>
+            <a:spLocks noGrp="1"/>
+          </p:cNvSpPr>
+          <p:nvPr>
+            <p:ph type="title"/>
+          </p:nvPr>
+        </p:nvSpPr>
+        <p:spPr>
+          <a:xfrm>
+            <a:off x="6791285" y="6238110"/>
+            <a:ext cx="1183547" cy="336591"/>
+          </a:xfrm>
+          <a:ln w="28575">
+            <a:solidFill>
+              <a:srgbClr val="FF0000"/>
+            </a:solidFill>
+          </a:ln>
+        </p:spPr>
+        <p:txBody>
+          <a:bodyPr>
+            <a:noAutofit/>
+          </a:bodyPr>
+          <a:lstStyle/>
+          <a:p>
+            <a:pPr algn="ctr"/>
+            <a:r>
+              <a:rPr lang="en-US" altLang="zh-TW" sz="2800" dirty="0" err="1"/>
+              <a:t>pass.c</a:t>
+            </a:r>
+            <a:endParaRPr lang="zh-TW" altLang="en-US" sz="2800" dirty="0"/>
+          </a:p>
+        </p:txBody>
+      </p:sp>
+      <p:sp>
+        <p:nvSpPr>
+          <p:cNvPr id="30" name="矩形 29">
+            <a:extLst>
+              <a:ext uri="{FF2B5EF4-FFF2-40B4-BE49-F238E27FC236}">
+                <a16:creationId xmlns:a16="http://schemas.microsoft.com/office/drawing/2014/main" id="{DC1C9816-20E5-29CD-41D4-D8D8027C49BD}"/>
+              </a:ext>
+            </a:extLst>
+          </p:cNvPr>
+          <p:cNvSpPr/>
+          <p:nvPr/>
+        </p:nvSpPr>
+        <p:spPr>
+          <a:xfrm>
+            <a:off x="1526802" y="4622228"/>
+            <a:ext cx="2416024" cy="1501735"/>
+          </a:xfrm>
+          <a:prstGeom prst="rect">
+            <a:avLst/>
+          </a:prstGeom>
+          <a:noFill/>
+          <a:ln>
+            <a:solidFill>
+              <a:srgbClr val="FF0000"/>
+            </a:solidFill>
+          </a:ln>
+        </p:spPr>
+        <p:style>
+          <a:lnRef idx="2">
+            <a:schemeClr val="accent1">
+              <a:shade val="50000"/>
+            </a:schemeClr>
+          </a:lnRef>
+          <a:fillRef idx="1">
+            <a:schemeClr val="accent1"/>
+          </a:fillRef>
+          <a:effectRef idx="0">
+            <a:schemeClr val="accent1"/>
+          </a:effectRef>
+          <a:fontRef idx="minor">
+            <a:schemeClr val="lt1"/>
+          </a:fontRef>
+        </p:style>
+        <p:txBody>
+          <a:bodyPr rtlCol="0" anchor="ctr"/>
+          <a:lstStyle/>
+          <a:p>
+            <a:pPr algn="ctr"/>
+            <a:endParaRPr lang="zh-TW" altLang="en-US"/>
+          </a:p>
+        </p:txBody>
+      </p:sp>
+      <p:cxnSp>
+        <p:nvCxnSpPr>
+          <p:cNvPr id="31" name="接點: 肘形 30">
+            <a:extLst>
+              <a:ext uri="{FF2B5EF4-FFF2-40B4-BE49-F238E27FC236}">
+                <a16:creationId xmlns:a16="http://schemas.microsoft.com/office/drawing/2014/main" id="{59D96DB5-0748-4E4A-3DBA-3BA837118C93}"/>
+              </a:ext>
+            </a:extLst>
+          </p:cNvPr>
+          <p:cNvCxnSpPr>
+            <a:cxnSpLocks/>
+            <a:stCxn id="30" idx="0"/>
+            <a:endCxn id="33" idx="1"/>
+          </p:cNvCxnSpPr>
+          <p:nvPr/>
+        </p:nvCxnSpPr>
+        <p:spPr>
+          <a:xfrm rot="16200000" flipH="1">
+            <a:off x="5739904" y="1617138"/>
+            <a:ext cx="314208" cy="6324388"/>
+          </a:xfrm>
+          <a:prstGeom prst="bentConnector4">
+            <a:avLst>
+              <a:gd name="adj1" fmla="val -72754"/>
+              <a:gd name="adj2" fmla="val 59550"/>
+            </a:avLst>
+          </a:prstGeom>
+          <a:ln w="12700">
+            <a:solidFill>
+              <a:srgbClr val="FF0000"/>
+            </a:solidFill>
+            <a:tailEnd type="triangle"/>
+          </a:ln>
+        </p:spPr>
+        <p:style>
+          <a:lnRef idx="1">
+            <a:schemeClr val="accent1"/>
+          </a:lnRef>
+          <a:fillRef idx="0">
+            <a:schemeClr val="accent1"/>
+          </a:fillRef>
+          <a:effectRef idx="0">
+            <a:schemeClr val="accent1"/>
+          </a:effectRef>
+          <a:fontRef idx="minor">
+            <a:schemeClr val="tx1"/>
+          </a:fontRef>
+        </p:style>
+      </p:cxnSp>
+      <p:sp>
+        <p:nvSpPr>
+          <p:cNvPr id="33" name="文字方塊 32">
+            <a:extLst>
+              <a:ext uri="{FF2B5EF4-FFF2-40B4-BE49-F238E27FC236}">
+                <a16:creationId xmlns:a16="http://schemas.microsoft.com/office/drawing/2014/main" id="{5AAFFB20-6039-785A-DC09-6FDA8A12CD62}"/>
+              </a:ext>
+            </a:extLst>
+          </p:cNvPr>
+          <p:cNvSpPr txBox="1"/>
+          <p:nvPr/>
+        </p:nvSpPr>
+        <p:spPr>
+          <a:xfrm>
+            <a:off x="9059202" y="3920773"/>
+            <a:ext cx="2593106" cy="2031325"/>
+          </a:xfrm>
+          <a:prstGeom prst="rect">
+            <a:avLst/>
+          </a:prstGeom>
+          <a:noFill/>
+          <a:ln w="28575">
+            <a:solidFill>
+              <a:srgbClr val="FFC000"/>
+            </a:solidFill>
+          </a:ln>
+        </p:spPr>
+        <p:txBody>
+          <a:bodyPr wrap="square" rtlCol="0">
+            <a:spAutoFit/>
+          </a:bodyPr>
+          <a:lstStyle/>
+          <a:p>
+            <a:r>
+              <a:rPr lang="zh-TW" altLang="en-US" dirty="0"/>
+              <a:t>在判斷的時候是用 </a:t>
+            </a:r>
+            <a:r>
+              <a:rPr lang="en-US" altLang="zh-TW" dirty="0">
+                <a:solidFill>
+                  <a:srgbClr val="FF0000"/>
+                </a:solidFill>
+              </a:rPr>
+              <a:t>token</a:t>
+            </a:r>
+            <a:r>
+              <a:rPr lang="en-US" altLang="zh-TW" dirty="0"/>
+              <a:t> </a:t>
+            </a:r>
+            <a:r>
+              <a:rPr lang="zh-TW" altLang="en-US" dirty="0"/>
+              <a:t>去做判斷，但 </a:t>
+            </a:r>
+            <a:r>
+              <a:rPr lang="en-US" altLang="zh-TW" dirty="0">
+                <a:solidFill>
+                  <a:srgbClr val="FF0000"/>
+                </a:solidFill>
+              </a:rPr>
+              <a:t>token </a:t>
+            </a:r>
+            <a:r>
+              <a:rPr lang="zh-TW" altLang="en-US" dirty="0"/>
+              <a:t>的值是固定的，所以得用 </a:t>
+            </a:r>
+            <a:r>
+              <a:rPr lang="en-US" altLang="zh-TW" dirty="0"/>
+              <a:t>Buffer overflow </a:t>
+            </a:r>
+            <a:r>
+              <a:rPr lang="zh-TW" altLang="en-US" dirty="0"/>
+              <a:t>去把 </a:t>
+            </a:r>
+            <a:r>
+              <a:rPr lang="en-US" altLang="zh-TW" dirty="0">
+                <a:solidFill>
+                  <a:srgbClr val="FF0000"/>
+                </a:solidFill>
+              </a:rPr>
+              <a:t>token</a:t>
+            </a:r>
+            <a:r>
+              <a:rPr lang="en-US" altLang="zh-TW" dirty="0"/>
+              <a:t> </a:t>
+            </a:r>
+            <a:r>
+              <a:rPr lang="zh-TW" altLang="en-US" dirty="0"/>
+              <a:t>的值蓋成 </a:t>
+            </a:r>
+            <a:r>
+              <a:rPr lang="en-US" altLang="zh-TW" dirty="0"/>
+              <a:t>0xdeadbeef</a:t>
+            </a:r>
+            <a:r>
+              <a:rPr lang="zh-TW" altLang="en-US" dirty="0"/>
+              <a:t>，才能拿到 </a:t>
+            </a:r>
+            <a:r>
+              <a:rPr lang="en-US" altLang="zh-TW" dirty="0"/>
+              <a:t>flag</a:t>
+            </a:r>
+            <a:endParaRPr lang="zh-TW" altLang="en-US" dirty="0"/>
+          </a:p>
+        </p:txBody>
+      </p:sp>
+      <p:sp>
+        <p:nvSpPr>
+          <p:cNvPr id="26" name="標題 1">
+            <a:extLst>
+              <a:ext uri="{FF2B5EF4-FFF2-40B4-BE49-F238E27FC236}">
+                <a16:creationId xmlns:a16="http://schemas.microsoft.com/office/drawing/2014/main" id="{117B61C8-7107-C59C-D47F-EE445DF1FD1F}"/>
+              </a:ext>
+            </a:extLst>
+          </p:cNvPr>
+          <p:cNvSpPr txBox="1">
+            <a:spLocks/>
+          </p:cNvSpPr>
+          <p:nvPr/>
+        </p:nvSpPr>
+        <p:spPr>
+          <a:xfrm>
+            <a:off x="0" y="1"/>
+            <a:ext cx="4395832" cy="782199"/>
+          </a:xfrm>
+          <a:prstGeom prst="rect">
+            <a:avLst/>
+          </a:prstGeom>
+        </p:spPr>
+        <p:txBody>
+          <a:bodyPr vert="horz" lIns="91440" tIns="45720" rIns="91440" bIns="45720" rtlCol="0" anchor="ctr">
+            <a:normAutofit/>
+          </a:bodyPr>
+          <a:lstStyle>
+            <a:lvl1pPr algn="ctr" defTabSz="914400">
+              <a:lnSpc>
+                <a:spcPct val="90000"/>
+              </a:lnSpc>
+              <a:spcBef>
+                <a:spcPct val="0"/>
+              </a:spcBef>
+              <a:buNone/>
+              <a:defRPr sz="4400" i="1">
+                <a:solidFill>
+                  <a:srgbClr val="FF0000"/>
+                </a:solidFill>
+                <a:latin typeface="+mj-lt"/>
+                <a:ea typeface="+mj-ea"/>
+                <a:cs typeface="+mj-cs"/>
+              </a:defRPr>
+            </a:lvl1pPr>
+          </a:lstStyle>
+          <a:p>
+            <a:r>
+              <a:rPr lang="en-US" altLang="zh-TW" sz="4000" dirty="0"/>
+              <a:t>$</a:t>
+            </a:r>
+            <a:r>
+              <a:rPr lang="zh-TW" altLang="en-US" sz="4000" dirty="0"/>
+              <a:t> 題目程式碼解說</a:t>
+            </a:r>
+          </a:p>
+        </p:txBody>
+      </p:sp>
+    </p:spTree>
+    <p:extLst>
+      <p:ext uri="{BB962C8B-B14F-4D97-AF65-F5344CB8AC3E}">
+        <p14:creationId xmlns:p14="http://schemas.microsoft.com/office/powerpoint/2010/main" val="2727336639"/>
+      </p:ext>
+    </p:extLst>
+  </p:cSld>
+  <p:clrMapOvr>
+    <a:masterClrMapping/>
+  </p:clrMapOvr>
+</p:sld>
+</file>
+
+<file path=ppt/slides/slide19.xml><?xml version="1.0" encoding="utf-8"?>
+<p:sld xmlns:a="http://schemas.openxmlformats.org/drawingml/2006/main" xmlns:r="http://schemas.openxmlformats.org/officeDocument/2006/relationships" xmlns:p="http://schemas.openxmlformats.org/presentationml/2006/main">
+  <p:cSld>
+    <p:spTree>
+      <p:nvGrpSpPr>
+        <p:cNvPr id="1" name=""/>
+        <p:cNvGrpSpPr/>
+        <p:nvPr/>
+      </p:nvGrpSpPr>
+      <p:grpSpPr>
+        <a:xfrm>
+          <a:off x="0" y="0"/>
+          <a:ext cx="0" cy="0"/>
+          <a:chOff x="0" y="0"/>
+          <a:chExt cx="0" cy="0"/>
+        </a:xfrm>
+      </p:grpSpPr>
+      <p:sp>
+        <p:nvSpPr>
+          <p:cNvPr id="26" name="標題 1">
+            <a:extLst>
+              <a:ext uri="{FF2B5EF4-FFF2-40B4-BE49-F238E27FC236}">
+                <a16:creationId xmlns:a16="http://schemas.microsoft.com/office/drawing/2014/main" id="{117B61C8-7107-C59C-D47F-EE445DF1FD1F}"/>
+              </a:ext>
+            </a:extLst>
+          </p:cNvPr>
+          <p:cNvSpPr txBox="1">
+            <a:spLocks/>
+          </p:cNvSpPr>
+          <p:nvPr/>
+        </p:nvSpPr>
+        <p:spPr>
+          <a:xfrm>
+            <a:off x="0" y="1"/>
+            <a:ext cx="2718033" cy="782199"/>
+          </a:xfrm>
+          <a:prstGeom prst="rect">
+            <a:avLst/>
+          </a:prstGeom>
+        </p:spPr>
+        <p:txBody>
+          <a:bodyPr vert="horz" lIns="91440" tIns="45720" rIns="91440" bIns="45720" rtlCol="0" anchor="ctr">
+            <a:normAutofit/>
+          </a:bodyPr>
+          <a:lstStyle>
+            <a:lvl1pPr algn="ctr" defTabSz="914400">
+              <a:lnSpc>
+                <a:spcPct val="90000"/>
+              </a:lnSpc>
+              <a:spcBef>
+                <a:spcPct val="0"/>
+              </a:spcBef>
+              <a:buNone/>
+              <a:defRPr sz="4400" i="1">
+                <a:solidFill>
+                  <a:srgbClr val="FF0000"/>
+                </a:solidFill>
+                <a:latin typeface="+mj-lt"/>
+                <a:ea typeface="+mj-ea"/>
+                <a:cs typeface="+mj-cs"/>
+              </a:defRPr>
+            </a:lvl1pPr>
+          </a:lstStyle>
+          <a:p>
+            <a:r>
+              <a:rPr lang="en-US" altLang="zh-TW" sz="4000" dirty="0"/>
+              <a:t>$</a:t>
+            </a:r>
+            <a:r>
+              <a:rPr lang="zh-TW" altLang="en-US" sz="4000" dirty="0"/>
+              <a:t> 函式說明</a:t>
+            </a:r>
+          </a:p>
+        </p:txBody>
+      </p:sp>
+      <p:sp>
+        <p:nvSpPr>
+          <p:cNvPr id="6" name="文字方塊 5">
+            <a:extLst>
+              <a:ext uri="{FF2B5EF4-FFF2-40B4-BE49-F238E27FC236}">
+                <a16:creationId xmlns:a16="http://schemas.microsoft.com/office/drawing/2014/main" id="{79543821-67D7-B5A7-A063-2EDB32EE7DEC}"/>
+              </a:ext>
+            </a:extLst>
+          </p:cNvPr>
+          <p:cNvSpPr txBox="1"/>
+          <p:nvPr/>
+        </p:nvSpPr>
+        <p:spPr>
+          <a:xfrm>
+            <a:off x="2157369" y="2804491"/>
+            <a:ext cx="7877262" cy="1249018"/>
+          </a:xfrm>
+          <a:prstGeom prst="rect">
+            <a:avLst/>
+          </a:prstGeom>
+          <a:noFill/>
+          <a:ln w="28575">
+            <a:solidFill>
+              <a:schemeClr val="tx1"/>
+            </a:solidFill>
+          </a:ln>
+        </p:spPr>
+        <p:txBody>
+          <a:bodyPr wrap="square" rtlCol="0">
+            <a:noAutofit/>
+          </a:bodyPr>
+          <a:lstStyle/>
+          <a:p>
+            <a:pPr marL="285750" indent="-285750">
+              <a:buFont typeface="Wingdings" panose="05000000000000000000" pitchFamily="2" charset="2"/>
+              <a:buChar char="l"/>
+            </a:pPr>
+            <a:r>
+              <a:rPr lang="en-US" altLang="zh-TW" sz="2800" b="1" dirty="0"/>
+              <a:t>read()</a:t>
+            </a:r>
+          </a:p>
+          <a:p>
+            <a:pPr marL="742950" lvl="1" indent="-285750">
+              <a:buFont typeface="Wingdings" panose="05000000000000000000" pitchFamily="2" charset="2"/>
+              <a:buChar char="Ø"/>
+            </a:pPr>
+            <a:r>
+              <a:rPr lang="zh-TW" altLang="en-US" b="1" dirty="0"/>
+              <a:t>有限制最大輸入長度。</a:t>
+            </a:r>
+            <a:endParaRPr lang="en-US" altLang="zh-TW" b="1" dirty="0"/>
+          </a:p>
+          <a:p>
+            <a:pPr marL="742950" lvl="1" indent="-285750">
+              <a:buFont typeface="Wingdings" panose="05000000000000000000" pitchFamily="2" charset="2"/>
+              <a:buChar char="Ø"/>
+            </a:pPr>
+            <a:r>
+              <a:rPr lang="zh-TW" altLang="en-US" b="1" dirty="0"/>
+              <a:t>可 </a:t>
+            </a:r>
+            <a:r>
+              <a:rPr lang="en-US" altLang="zh-TW" b="1" dirty="0"/>
+              <a:t>overflow</a:t>
+            </a:r>
+            <a:r>
+              <a:rPr lang="zh-TW" altLang="en-US" b="1" dirty="0"/>
+              <a:t> 大小為 </a:t>
+            </a:r>
+            <a:r>
+              <a:rPr lang="en-US" altLang="zh-TW" b="1" dirty="0"/>
+              <a:t>buffer </a:t>
+            </a:r>
+            <a:r>
+              <a:rPr lang="zh-TW" altLang="en-US" b="1" dirty="0"/>
+              <a:t>與 最大輸入長度之間。</a:t>
+            </a:r>
+          </a:p>
+        </p:txBody>
+      </p:sp>
+    </p:spTree>
+    <p:extLst>
+      <p:ext uri="{BB962C8B-B14F-4D97-AF65-F5344CB8AC3E}">
+        <p14:creationId xmlns:p14="http://schemas.microsoft.com/office/powerpoint/2010/main" val="3169274368"/>
+      </p:ext>
+    </p:extLst>
+  </p:cSld>
+  <p:clrMapOvr>
+    <a:masterClrMapping/>
+  </p:clrMapOvr>
+</p:sld>
+</file>
+
 <file path=ppt/slides/slide2.xml><?xml version="1.0" encoding="utf-8"?>
 <p:sld xmlns:a="http://schemas.openxmlformats.org/drawingml/2006/main" xmlns:r="http://schemas.openxmlformats.org/officeDocument/2006/relationships" xmlns:p="http://schemas.openxmlformats.org/presentationml/2006/main">
   <p:cSld>
@@ -3131,20 +6845,46 @@
         </p:nvSpPr>
         <p:spPr>
           <a:xfrm>
-            <a:off x="838200" y="365126"/>
-            <a:ext cx="10515600" cy="1153078"/>
-          </a:xfrm>
-        </p:spPr>
-        <p:txBody>
-          <a:bodyPr/>
+            <a:off x="0" y="0"/>
+            <a:ext cx="2457974" cy="775777"/>
+          </a:xfrm>
+        </p:spPr>
+        <p:txBody>
+          <a:bodyPr>
+            <a:normAutofit/>
+          </a:bodyPr>
           <a:lstStyle/>
           <a:p>
             <a:pPr algn="ctr"/>
             <a:r>
-              <a:rPr lang="en-US" altLang="zh-TW" dirty="0"/>
+              <a:rPr lang="en-US" altLang="zh-TW" i="1" dirty="0">
+                <a:solidFill>
+                  <a:srgbClr val="FF0000"/>
+                </a:solidFill>
+              </a:rPr>
+              <a:t>$</a:t>
+            </a:r>
+            <a:r>
+              <a:rPr lang="zh-TW" altLang="en-US" i="1" dirty="0">
+                <a:solidFill>
+                  <a:srgbClr val="FF0000"/>
+                </a:solidFill>
+              </a:rPr>
+              <a:t> </a:t>
+            </a:r>
+            <a:r>
+              <a:rPr lang="en-US" altLang="zh-TW" dirty="0">
+                <a:solidFill>
+                  <a:srgbClr val="FF0000"/>
+                </a:solidFill>
+              </a:rPr>
               <a:t>Agenda</a:t>
             </a:r>
-            <a:endParaRPr lang="zh-TW" altLang="en-US" dirty="0"/>
+            <a:endParaRPr lang="zh-TW" altLang="en-US" dirty="0">
+              <a:solidFill>
+                <a:srgbClr val="FF0000"/>
+              </a:solidFill>
+            </a:endParaRPr>
           </a:p>
         </p:txBody>
       </p:sp>
@@ -3166,7 +6906,7 @@
         </p:nvSpPr>
         <p:spPr>
           <a:xfrm>
-            <a:off x="3036465" y="1518202"/>
+            <a:off x="3036465" y="941664"/>
             <a:ext cx="6119070" cy="4974672"/>
           </a:xfrm>
         </p:spPr>
@@ -3273,6 +7013,1236 @@
     <p:extLst>
       <p:ext uri="{BB962C8B-B14F-4D97-AF65-F5344CB8AC3E}">
         <p14:creationId xmlns:p14="http://schemas.microsoft.com/office/powerpoint/2010/main" val="1386420449"/>
+      </p:ext>
+    </p:extLst>
+  </p:cSld>
+  <p:clrMapOvr>
+    <a:masterClrMapping/>
+  </p:clrMapOvr>
+</p:sld>
+</file>
+
+<file path=ppt/slides/slide20.xml><?xml version="1.0" encoding="utf-8"?>
+<p:sld xmlns:a="http://schemas.openxmlformats.org/drawingml/2006/main" xmlns:r="http://schemas.openxmlformats.org/officeDocument/2006/relationships" xmlns:p="http://schemas.openxmlformats.org/presentationml/2006/main">
+  <p:cSld>
+    <p:spTree>
+      <p:nvGrpSpPr>
+        <p:cNvPr id="1" name=""/>
+        <p:cNvGrpSpPr/>
+        <p:nvPr/>
+      </p:nvGrpSpPr>
+      <p:grpSpPr>
+        <a:xfrm>
+          <a:off x="0" y="0"/>
+          <a:ext cx="0" cy="0"/>
+          <a:chOff x="0" y="0"/>
+          <a:chExt cx="0" cy="0"/>
+        </a:xfrm>
+      </p:grpSpPr>
+      <p:sp>
+        <p:nvSpPr>
+          <p:cNvPr id="26" name="標題 1">
+            <a:extLst>
+              <a:ext uri="{FF2B5EF4-FFF2-40B4-BE49-F238E27FC236}">
+                <a16:creationId xmlns:a16="http://schemas.microsoft.com/office/drawing/2014/main" id="{117B61C8-7107-C59C-D47F-EE445DF1FD1F}"/>
+              </a:ext>
+            </a:extLst>
+          </p:cNvPr>
+          <p:cNvSpPr txBox="1">
+            <a:spLocks/>
+          </p:cNvSpPr>
+          <p:nvPr/>
+        </p:nvSpPr>
+        <p:spPr>
+          <a:xfrm>
+            <a:off x="0" y="1"/>
+            <a:ext cx="3649211" cy="782199"/>
+          </a:xfrm>
+          <a:prstGeom prst="rect">
+            <a:avLst/>
+          </a:prstGeom>
+        </p:spPr>
+        <p:txBody>
+          <a:bodyPr vert="horz" lIns="91440" tIns="45720" rIns="91440" bIns="45720" rtlCol="0" anchor="ctr">
+            <a:normAutofit/>
+          </a:bodyPr>
+          <a:lstStyle>
+            <a:lvl1pPr algn="ctr" defTabSz="914400">
+              <a:lnSpc>
+                <a:spcPct val="90000"/>
+              </a:lnSpc>
+              <a:spcBef>
+                <a:spcPct val="0"/>
+              </a:spcBef>
+              <a:buNone/>
+              <a:defRPr sz="4400" i="1">
+                <a:solidFill>
+                  <a:srgbClr val="FF0000"/>
+                </a:solidFill>
+                <a:latin typeface="+mj-lt"/>
+                <a:ea typeface="+mj-ea"/>
+                <a:cs typeface="+mj-cs"/>
+              </a:defRPr>
+            </a:lvl1pPr>
+          </a:lstStyle>
+          <a:p>
+            <a:r>
+              <a:rPr lang="en-US" altLang="zh-TW" sz="4000" dirty="0"/>
+              <a:t>$</a:t>
+            </a:r>
+            <a:r>
+              <a:rPr lang="zh-TW" altLang="en-US" sz="4000" dirty="0"/>
+              <a:t> 程式逆向分析</a:t>
+            </a:r>
+          </a:p>
+        </p:txBody>
+      </p:sp>
+      <p:sp>
+        <p:nvSpPr>
+          <p:cNvPr id="2" name="文字方塊 1">
+            <a:extLst>
+              <a:ext uri="{FF2B5EF4-FFF2-40B4-BE49-F238E27FC236}">
+                <a16:creationId xmlns:a16="http://schemas.microsoft.com/office/drawing/2014/main" id="{D6805B4B-B1D7-FA14-DBC6-BCD2F24AD5CA}"/>
+              </a:ext>
+            </a:extLst>
+          </p:cNvPr>
+          <p:cNvSpPr txBox="1"/>
+          <p:nvPr/>
+        </p:nvSpPr>
+        <p:spPr>
+          <a:xfrm>
+            <a:off x="5212359" y="391100"/>
+            <a:ext cx="1767281" cy="830997"/>
+          </a:xfrm>
+          <a:prstGeom prst="rect">
+            <a:avLst/>
+          </a:prstGeom>
+          <a:noFill/>
+        </p:spPr>
+        <p:txBody>
+          <a:bodyPr wrap="square" rtlCol="0">
+            <a:spAutoFit/>
+          </a:bodyPr>
+          <a:lstStyle/>
+          <a:p>
+            <a:pPr algn="ctr"/>
+            <a:r>
+              <a:rPr lang="en-US" altLang="zh-TW" sz="4800" b="1" dirty="0">
+                <a:ln w="22225">
+                  <a:solidFill>
+                    <a:schemeClr val="tx1"/>
+                  </a:solidFill>
+                </a:ln>
+                <a:solidFill>
+                  <a:srgbClr val="FFFF00"/>
+                </a:solidFill>
+              </a:rPr>
+              <a:t>Stack</a:t>
+            </a:r>
+            <a:endParaRPr lang="zh-TW" altLang="en-US" sz="4800" b="1" dirty="0">
+              <a:ln w="22225">
+                <a:solidFill>
+                  <a:schemeClr val="tx1"/>
+                </a:solidFill>
+              </a:ln>
+              <a:solidFill>
+                <a:srgbClr val="FFFF00"/>
+              </a:solidFill>
+            </a:endParaRPr>
+          </a:p>
+        </p:txBody>
+      </p:sp>
+      <p:pic>
+        <p:nvPicPr>
+          <p:cNvPr id="5" name="圖片 4">
+            <a:extLst>
+              <a:ext uri="{FF2B5EF4-FFF2-40B4-BE49-F238E27FC236}">
+                <a16:creationId xmlns:a16="http://schemas.microsoft.com/office/drawing/2014/main" id="{5F76BE95-62C0-42FF-9D01-05B1D486CAE8}"/>
+              </a:ext>
+            </a:extLst>
+          </p:cNvPr>
+          <p:cNvPicPr>
+            <a:picLocks noChangeAspect="1"/>
+          </p:cNvPicPr>
+          <p:nvPr/>
+        </p:nvPicPr>
+        <p:blipFill rotWithShape="1">
+          <a:blip r:embed="rId2"/>
+          <a:srcRect l="1997" t="36434" r="70863" b="52174"/>
+          <a:stretch/>
+        </p:blipFill>
+        <p:spPr>
+          <a:xfrm>
+            <a:off x="9001387" y="111145"/>
+            <a:ext cx="3078760" cy="1107255"/>
+          </a:xfrm>
+          <a:prstGeom prst="rect">
+            <a:avLst/>
+          </a:prstGeom>
+          <a:ln w="19050">
+            <a:solidFill>
+              <a:schemeClr val="tx1"/>
+            </a:solidFill>
+          </a:ln>
+        </p:spPr>
+      </p:pic>
+      <p:sp>
+        <p:nvSpPr>
+          <p:cNvPr id="3" name="矩形 2">
+            <a:extLst>
+              <a:ext uri="{FF2B5EF4-FFF2-40B4-BE49-F238E27FC236}">
+                <a16:creationId xmlns:a16="http://schemas.microsoft.com/office/drawing/2014/main" id="{AFB1874B-1BD0-BA89-FED0-95827FA98F7C}"/>
+              </a:ext>
+            </a:extLst>
+          </p:cNvPr>
+          <p:cNvSpPr/>
+          <p:nvPr/>
+        </p:nvSpPr>
+        <p:spPr>
+          <a:xfrm>
+            <a:off x="961936" y="2614391"/>
+            <a:ext cx="4423793" cy="3481431"/>
+          </a:xfrm>
+          <a:prstGeom prst="rect">
+            <a:avLst/>
+          </a:prstGeom>
+          <a:noFill/>
+          <a:ln w="57150">
+            <a:solidFill>
+              <a:srgbClr val="92D050"/>
+            </a:solidFill>
+          </a:ln>
+        </p:spPr>
+        <p:style>
+          <a:lnRef idx="2">
+            <a:schemeClr val="accent1">
+              <a:shade val="50000"/>
+            </a:schemeClr>
+          </a:lnRef>
+          <a:fillRef idx="1">
+            <a:schemeClr val="accent1"/>
+          </a:fillRef>
+          <a:effectRef idx="0">
+            <a:schemeClr val="accent1"/>
+          </a:effectRef>
+          <a:fontRef idx="minor">
+            <a:schemeClr val="lt1"/>
+          </a:fontRef>
+        </p:style>
+        <p:txBody>
+          <a:bodyPr rtlCol="0" anchor="ctr"/>
+          <a:lstStyle/>
+          <a:p>
+            <a:pPr algn="ctr"/>
+            <a:endParaRPr lang="zh-TW" altLang="en-US"/>
+          </a:p>
+        </p:txBody>
+      </p:sp>
+      <p:sp>
+        <p:nvSpPr>
+          <p:cNvPr id="4" name="矩形: 圓角 3">
+            <a:extLst>
+              <a:ext uri="{FF2B5EF4-FFF2-40B4-BE49-F238E27FC236}">
+                <a16:creationId xmlns:a16="http://schemas.microsoft.com/office/drawing/2014/main" id="{377F0BA9-CB3F-222F-79CE-9DD37A109E14}"/>
+              </a:ext>
+            </a:extLst>
+          </p:cNvPr>
+          <p:cNvSpPr/>
+          <p:nvPr/>
+        </p:nvSpPr>
+        <p:spPr>
+          <a:xfrm>
+            <a:off x="1110142" y="1401574"/>
+            <a:ext cx="4127383" cy="782199"/>
+          </a:xfrm>
+          <a:prstGeom prst="roundRect">
+            <a:avLst/>
+          </a:prstGeom>
+          <a:solidFill>
+            <a:srgbClr val="00B0F0"/>
+          </a:solidFill>
+          <a:ln>
+            <a:solidFill>
+              <a:srgbClr val="00B0F0"/>
+            </a:solidFill>
+          </a:ln>
+        </p:spPr>
+        <p:style>
+          <a:lnRef idx="2">
+            <a:schemeClr val="accent1">
+              <a:shade val="50000"/>
+            </a:schemeClr>
+          </a:lnRef>
+          <a:fillRef idx="1">
+            <a:schemeClr val="accent1"/>
+          </a:fillRef>
+          <a:effectRef idx="0">
+            <a:schemeClr val="accent1"/>
+          </a:effectRef>
+          <a:fontRef idx="minor">
+            <a:schemeClr val="lt1"/>
+          </a:fontRef>
+        </p:style>
+        <p:txBody>
+          <a:bodyPr rtlCol="0" anchor="ctr"/>
+          <a:lstStyle/>
+          <a:p>
+            <a:pPr algn="ctr"/>
+            <a:endParaRPr lang="zh-TW" altLang="en-US"/>
+          </a:p>
+        </p:txBody>
+      </p:sp>
+      <p:sp>
+        <p:nvSpPr>
+          <p:cNvPr id="8" name="文字方塊 7">
+            <a:extLst>
+              <a:ext uri="{FF2B5EF4-FFF2-40B4-BE49-F238E27FC236}">
+                <a16:creationId xmlns:a16="http://schemas.microsoft.com/office/drawing/2014/main" id="{EF95D2C4-095F-2D18-044D-F2F2CF680715}"/>
+              </a:ext>
+            </a:extLst>
+          </p:cNvPr>
+          <p:cNvSpPr txBox="1"/>
+          <p:nvPr/>
+        </p:nvSpPr>
+        <p:spPr>
+          <a:xfrm>
+            <a:off x="2641132" y="1401574"/>
+            <a:ext cx="1082180" cy="769441"/>
+          </a:xfrm>
+          <a:prstGeom prst="rect">
+            <a:avLst/>
+          </a:prstGeom>
+          <a:noFill/>
+        </p:spPr>
+        <p:txBody>
+          <a:bodyPr wrap="square" rtlCol="0">
+            <a:spAutoFit/>
+          </a:bodyPr>
+          <a:lstStyle/>
+          <a:p>
+            <a:pPr algn="ctr"/>
+            <a:r>
+              <a:rPr lang="en-US" altLang="zh-TW" sz="4400" b="1" dirty="0"/>
+              <a:t>key</a:t>
+            </a:r>
+            <a:endParaRPr lang="zh-TW" altLang="en-US" sz="4400" b="1" dirty="0"/>
+          </a:p>
+        </p:txBody>
+      </p:sp>
+      <p:sp>
+        <p:nvSpPr>
+          <p:cNvPr id="10" name="矩形: 圓角 9">
+            <a:extLst>
+              <a:ext uri="{FF2B5EF4-FFF2-40B4-BE49-F238E27FC236}">
+                <a16:creationId xmlns:a16="http://schemas.microsoft.com/office/drawing/2014/main" id="{E7D5885C-A48A-BC05-3C5C-1D0FE7D79958}"/>
+              </a:ext>
+            </a:extLst>
+          </p:cNvPr>
+          <p:cNvSpPr/>
+          <p:nvPr/>
+        </p:nvSpPr>
+        <p:spPr>
+          <a:xfrm>
+            <a:off x="1114334" y="5121443"/>
+            <a:ext cx="4127383" cy="782199"/>
+          </a:xfrm>
+          <a:prstGeom prst="roundRect">
+            <a:avLst/>
+          </a:prstGeom>
+          <a:solidFill>
+            <a:srgbClr val="00B0F0"/>
+          </a:solidFill>
+          <a:ln>
+            <a:solidFill>
+              <a:srgbClr val="00B0F0"/>
+            </a:solidFill>
+          </a:ln>
+        </p:spPr>
+        <p:style>
+          <a:lnRef idx="2">
+            <a:schemeClr val="accent1">
+              <a:shade val="50000"/>
+            </a:schemeClr>
+          </a:lnRef>
+          <a:fillRef idx="1">
+            <a:schemeClr val="accent1"/>
+          </a:fillRef>
+          <a:effectRef idx="0">
+            <a:schemeClr val="accent1"/>
+          </a:effectRef>
+          <a:fontRef idx="minor">
+            <a:schemeClr val="lt1"/>
+          </a:fontRef>
+        </p:style>
+        <p:txBody>
+          <a:bodyPr rtlCol="0" anchor="ctr"/>
+          <a:lstStyle/>
+          <a:p>
+            <a:pPr algn="ctr"/>
+            <a:endParaRPr lang="zh-TW" altLang="en-US"/>
+          </a:p>
+        </p:txBody>
+      </p:sp>
+      <p:sp>
+        <p:nvSpPr>
+          <p:cNvPr id="11" name="文字方塊 10">
+            <a:extLst>
+              <a:ext uri="{FF2B5EF4-FFF2-40B4-BE49-F238E27FC236}">
+                <a16:creationId xmlns:a16="http://schemas.microsoft.com/office/drawing/2014/main" id="{0004A18E-4F97-CEC6-39A4-DC459ED97B2E}"/>
+              </a:ext>
+            </a:extLst>
+          </p:cNvPr>
+          <p:cNvSpPr txBox="1"/>
+          <p:nvPr/>
+        </p:nvSpPr>
+        <p:spPr>
+          <a:xfrm>
+            <a:off x="2339825" y="5131964"/>
+            <a:ext cx="1676400" cy="769441"/>
+          </a:xfrm>
+          <a:prstGeom prst="rect">
+            <a:avLst/>
+          </a:prstGeom>
+          <a:noFill/>
+        </p:spPr>
+        <p:txBody>
+          <a:bodyPr wrap="square" rtlCol="0">
+            <a:spAutoFit/>
+          </a:bodyPr>
+          <a:lstStyle/>
+          <a:p>
+            <a:pPr algn="ctr"/>
+            <a:r>
+              <a:rPr lang="en-US" altLang="zh-TW" sz="4400" b="1" dirty="0"/>
+              <a:t>token</a:t>
+            </a:r>
+            <a:endParaRPr lang="zh-TW" altLang="en-US" sz="4400" b="1" dirty="0"/>
+          </a:p>
+        </p:txBody>
+      </p:sp>
+      <p:sp>
+        <p:nvSpPr>
+          <p:cNvPr id="12" name="矩形: 圓角 11">
+            <a:extLst>
+              <a:ext uri="{FF2B5EF4-FFF2-40B4-BE49-F238E27FC236}">
+                <a16:creationId xmlns:a16="http://schemas.microsoft.com/office/drawing/2014/main" id="{93111A1D-552C-8604-29A3-BB6AD0711486}"/>
+              </a:ext>
+            </a:extLst>
+          </p:cNvPr>
+          <p:cNvSpPr/>
+          <p:nvPr/>
+        </p:nvSpPr>
+        <p:spPr>
+          <a:xfrm>
+            <a:off x="1110140" y="4071563"/>
+            <a:ext cx="4127383" cy="782199"/>
+          </a:xfrm>
+          <a:prstGeom prst="roundRect">
+            <a:avLst/>
+          </a:prstGeom>
+          <a:noFill/>
+          <a:ln w="38100">
+            <a:solidFill>
+              <a:srgbClr val="FF0000"/>
+            </a:solidFill>
+            <a:prstDash val="dash"/>
+          </a:ln>
+        </p:spPr>
+        <p:style>
+          <a:lnRef idx="2">
+            <a:schemeClr val="accent1">
+              <a:shade val="50000"/>
+            </a:schemeClr>
+          </a:lnRef>
+          <a:fillRef idx="1">
+            <a:schemeClr val="accent1"/>
+          </a:fillRef>
+          <a:effectRef idx="0">
+            <a:schemeClr val="accent1"/>
+          </a:effectRef>
+          <a:fontRef idx="minor">
+            <a:schemeClr val="lt1"/>
+          </a:fontRef>
+        </p:style>
+        <p:txBody>
+          <a:bodyPr rtlCol="0" anchor="ctr"/>
+          <a:lstStyle/>
+          <a:p>
+            <a:pPr algn="ctr"/>
+            <a:endParaRPr lang="zh-TW" altLang="en-US"/>
+          </a:p>
+        </p:txBody>
+      </p:sp>
+      <p:sp>
+        <p:nvSpPr>
+          <p:cNvPr id="9" name="箭號: 向下 8">
+            <a:extLst>
+              <a:ext uri="{FF2B5EF4-FFF2-40B4-BE49-F238E27FC236}">
+                <a16:creationId xmlns:a16="http://schemas.microsoft.com/office/drawing/2014/main" id="{C64EADCF-47CC-D9B0-4129-A8EE7A5321EE}"/>
+              </a:ext>
+            </a:extLst>
+          </p:cNvPr>
+          <p:cNvSpPr/>
+          <p:nvPr/>
+        </p:nvSpPr>
+        <p:spPr>
+          <a:xfrm>
+            <a:off x="2834077" y="2361608"/>
+            <a:ext cx="696286" cy="1396660"/>
+          </a:xfrm>
+          <a:prstGeom prst="downArrow">
+            <a:avLst/>
+          </a:prstGeom>
+          <a:solidFill>
+            <a:schemeClr val="tx1">
+              <a:lumMod val="75000"/>
+            </a:schemeClr>
+          </a:solidFill>
+          <a:ln w="38100">
+            <a:solidFill>
+              <a:schemeClr val="tx1"/>
+            </a:solidFill>
+          </a:ln>
+        </p:spPr>
+        <p:style>
+          <a:lnRef idx="2">
+            <a:schemeClr val="accent1">
+              <a:shade val="50000"/>
+            </a:schemeClr>
+          </a:lnRef>
+          <a:fillRef idx="1">
+            <a:schemeClr val="accent1"/>
+          </a:fillRef>
+          <a:effectRef idx="0">
+            <a:schemeClr val="accent1"/>
+          </a:effectRef>
+          <a:fontRef idx="minor">
+            <a:schemeClr val="lt1"/>
+          </a:fontRef>
+        </p:style>
+        <p:txBody>
+          <a:bodyPr rtlCol="0" anchor="ctr"/>
+          <a:lstStyle/>
+          <a:p>
+            <a:pPr algn="ctr"/>
+            <a:endParaRPr lang="zh-TW" altLang="en-US"/>
+          </a:p>
+        </p:txBody>
+      </p:sp>
+      <p:sp>
+        <p:nvSpPr>
+          <p:cNvPr id="14" name="文字方塊 13">
+            <a:extLst>
+              <a:ext uri="{FF2B5EF4-FFF2-40B4-BE49-F238E27FC236}">
+                <a16:creationId xmlns:a16="http://schemas.microsoft.com/office/drawing/2014/main" id="{46765FFD-F5D4-C657-AAA2-C12E7AF6F06A}"/>
+              </a:ext>
+            </a:extLst>
+          </p:cNvPr>
+          <p:cNvSpPr txBox="1"/>
+          <p:nvPr/>
+        </p:nvSpPr>
+        <p:spPr>
+          <a:xfrm>
+            <a:off x="1849769" y="2708631"/>
+            <a:ext cx="980112" cy="461665"/>
+          </a:xfrm>
+          <a:prstGeom prst="rect">
+            <a:avLst/>
+          </a:prstGeom>
+          <a:noFill/>
+          <a:ln w="28575">
+            <a:solidFill>
+              <a:srgbClr val="FFC000"/>
+            </a:solidFill>
+          </a:ln>
+        </p:spPr>
+        <p:txBody>
+          <a:bodyPr wrap="square" rtlCol="0">
+            <a:spAutoFit/>
+          </a:bodyPr>
+          <a:lstStyle/>
+          <a:p>
+            <a:pPr algn="ctr"/>
+            <a:r>
+              <a:rPr lang="en-US" altLang="zh-TW" sz="2400" b="1" dirty="0"/>
+              <a:t>PUSH</a:t>
+            </a:r>
+            <a:endParaRPr lang="zh-TW" altLang="en-US" sz="2400" b="1" dirty="0"/>
+          </a:p>
+        </p:txBody>
+      </p:sp>
+      <p:sp>
+        <p:nvSpPr>
+          <p:cNvPr id="16" name="矩形 15">
+            <a:extLst>
+              <a:ext uri="{FF2B5EF4-FFF2-40B4-BE49-F238E27FC236}">
+                <a16:creationId xmlns:a16="http://schemas.microsoft.com/office/drawing/2014/main" id="{A8D9BB63-F47A-401E-1B31-F5FE17C71D84}"/>
+              </a:ext>
+            </a:extLst>
+          </p:cNvPr>
+          <p:cNvSpPr/>
+          <p:nvPr/>
+        </p:nvSpPr>
+        <p:spPr>
+          <a:xfrm>
+            <a:off x="6531528" y="2617479"/>
+            <a:ext cx="4423793" cy="3481431"/>
+          </a:xfrm>
+          <a:prstGeom prst="rect">
+            <a:avLst/>
+          </a:prstGeom>
+          <a:noFill/>
+          <a:ln w="57150">
+            <a:solidFill>
+              <a:srgbClr val="92D050"/>
+            </a:solidFill>
+          </a:ln>
+        </p:spPr>
+        <p:style>
+          <a:lnRef idx="2">
+            <a:schemeClr val="accent1">
+              <a:shade val="50000"/>
+            </a:schemeClr>
+          </a:lnRef>
+          <a:fillRef idx="1">
+            <a:schemeClr val="accent1"/>
+          </a:fillRef>
+          <a:effectRef idx="0">
+            <a:schemeClr val="accent1"/>
+          </a:effectRef>
+          <a:fontRef idx="minor">
+            <a:schemeClr val="lt1"/>
+          </a:fontRef>
+        </p:style>
+        <p:txBody>
+          <a:bodyPr rtlCol="0" anchor="ctr"/>
+          <a:lstStyle/>
+          <a:p>
+            <a:pPr algn="ctr"/>
+            <a:endParaRPr lang="zh-TW" altLang="en-US"/>
+          </a:p>
+        </p:txBody>
+      </p:sp>
+      <p:sp>
+        <p:nvSpPr>
+          <p:cNvPr id="17" name="矩形: 圓角 16">
+            <a:extLst>
+              <a:ext uri="{FF2B5EF4-FFF2-40B4-BE49-F238E27FC236}">
+                <a16:creationId xmlns:a16="http://schemas.microsoft.com/office/drawing/2014/main" id="{F3850FF7-E181-62DC-6BA8-A508BEB08B98}"/>
+              </a:ext>
+            </a:extLst>
+          </p:cNvPr>
+          <p:cNvSpPr/>
+          <p:nvPr/>
+        </p:nvSpPr>
+        <p:spPr>
+          <a:xfrm>
+            <a:off x="6683926" y="4076070"/>
+            <a:ext cx="4127383" cy="782199"/>
+          </a:xfrm>
+          <a:prstGeom prst="roundRect">
+            <a:avLst/>
+          </a:prstGeom>
+          <a:solidFill>
+            <a:srgbClr val="00B0F0"/>
+          </a:solidFill>
+          <a:ln>
+            <a:solidFill>
+              <a:srgbClr val="00B0F0"/>
+            </a:solidFill>
+          </a:ln>
+        </p:spPr>
+        <p:style>
+          <a:lnRef idx="2">
+            <a:schemeClr val="accent1">
+              <a:shade val="50000"/>
+            </a:schemeClr>
+          </a:lnRef>
+          <a:fillRef idx="1">
+            <a:schemeClr val="accent1"/>
+          </a:fillRef>
+          <a:effectRef idx="0">
+            <a:schemeClr val="accent1"/>
+          </a:effectRef>
+          <a:fontRef idx="minor">
+            <a:schemeClr val="lt1"/>
+          </a:fontRef>
+        </p:style>
+        <p:txBody>
+          <a:bodyPr rtlCol="0" anchor="ctr"/>
+          <a:lstStyle/>
+          <a:p>
+            <a:pPr algn="ctr"/>
+            <a:endParaRPr lang="zh-TW" altLang="en-US"/>
+          </a:p>
+        </p:txBody>
+      </p:sp>
+      <p:sp>
+        <p:nvSpPr>
+          <p:cNvPr id="18" name="文字方塊 17">
+            <a:extLst>
+              <a:ext uri="{FF2B5EF4-FFF2-40B4-BE49-F238E27FC236}">
+                <a16:creationId xmlns:a16="http://schemas.microsoft.com/office/drawing/2014/main" id="{DEE8A52C-0970-D002-CE17-4FD5036DAE17}"/>
+              </a:ext>
+            </a:extLst>
+          </p:cNvPr>
+          <p:cNvSpPr txBox="1"/>
+          <p:nvPr/>
+        </p:nvSpPr>
+        <p:spPr>
+          <a:xfrm>
+            <a:off x="8214916" y="4076070"/>
+            <a:ext cx="1082180" cy="769441"/>
+          </a:xfrm>
+          <a:prstGeom prst="rect">
+            <a:avLst/>
+          </a:prstGeom>
+          <a:noFill/>
+        </p:spPr>
+        <p:txBody>
+          <a:bodyPr wrap="square" rtlCol="0">
+            <a:spAutoFit/>
+          </a:bodyPr>
+          <a:lstStyle/>
+          <a:p>
+            <a:pPr algn="ctr"/>
+            <a:r>
+              <a:rPr lang="en-US" altLang="zh-TW" sz="4400" b="1" dirty="0"/>
+              <a:t>key</a:t>
+            </a:r>
+            <a:endParaRPr lang="zh-TW" altLang="en-US" sz="4400" b="1" dirty="0"/>
+          </a:p>
+        </p:txBody>
+      </p:sp>
+      <p:sp>
+        <p:nvSpPr>
+          <p:cNvPr id="19" name="矩形: 圓角 18">
+            <a:extLst>
+              <a:ext uri="{FF2B5EF4-FFF2-40B4-BE49-F238E27FC236}">
+                <a16:creationId xmlns:a16="http://schemas.microsoft.com/office/drawing/2014/main" id="{B65EAC7E-E8ED-4CD0-3B74-41C34572A263}"/>
+              </a:ext>
+            </a:extLst>
+          </p:cNvPr>
+          <p:cNvSpPr/>
+          <p:nvPr/>
+        </p:nvSpPr>
+        <p:spPr>
+          <a:xfrm>
+            <a:off x="6683926" y="5124531"/>
+            <a:ext cx="4127383" cy="782199"/>
+          </a:xfrm>
+          <a:prstGeom prst="roundRect">
+            <a:avLst/>
+          </a:prstGeom>
+          <a:solidFill>
+            <a:srgbClr val="00B0F0"/>
+          </a:solidFill>
+          <a:ln>
+            <a:solidFill>
+              <a:srgbClr val="00B0F0"/>
+            </a:solidFill>
+          </a:ln>
+        </p:spPr>
+        <p:style>
+          <a:lnRef idx="2">
+            <a:schemeClr val="accent1">
+              <a:shade val="50000"/>
+            </a:schemeClr>
+          </a:lnRef>
+          <a:fillRef idx="1">
+            <a:schemeClr val="accent1"/>
+          </a:fillRef>
+          <a:effectRef idx="0">
+            <a:schemeClr val="accent1"/>
+          </a:effectRef>
+          <a:fontRef idx="minor">
+            <a:schemeClr val="lt1"/>
+          </a:fontRef>
+        </p:style>
+        <p:txBody>
+          <a:bodyPr rtlCol="0" anchor="ctr"/>
+          <a:lstStyle/>
+          <a:p>
+            <a:pPr algn="ctr"/>
+            <a:endParaRPr lang="zh-TW" altLang="en-US"/>
+          </a:p>
+        </p:txBody>
+      </p:sp>
+      <p:sp>
+        <p:nvSpPr>
+          <p:cNvPr id="20" name="文字方塊 19">
+            <a:extLst>
+              <a:ext uri="{FF2B5EF4-FFF2-40B4-BE49-F238E27FC236}">
+                <a16:creationId xmlns:a16="http://schemas.microsoft.com/office/drawing/2014/main" id="{C051924A-3027-2020-4197-58C22AE4FA52}"/>
+              </a:ext>
+            </a:extLst>
+          </p:cNvPr>
+          <p:cNvSpPr txBox="1"/>
+          <p:nvPr/>
+        </p:nvSpPr>
+        <p:spPr>
+          <a:xfrm>
+            <a:off x="7909417" y="5135052"/>
+            <a:ext cx="1676400" cy="769441"/>
+          </a:xfrm>
+          <a:prstGeom prst="rect">
+            <a:avLst/>
+          </a:prstGeom>
+          <a:noFill/>
+        </p:spPr>
+        <p:txBody>
+          <a:bodyPr wrap="square" rtlCol="0">
+            <a:spAutoFit/>
+          </a:bodyPr>
+          <a:lstStyle/>
+          <a:p>
+            <a:pPr algn="ctr"/>
+            <a:r>
+              <a:rPr lang="en-US" altLang="zh-TW" sz="4400" b="1" dirty="0"/>
+              <a:t>token</a:t>
+            </a:r>
+            <a:endParaRPr lang="zh-TW" altLang="en-US" sz="4400" b="1" dirty="0"/>
+          </a:p>
+        </p:txBody>
+      </p:sp>
+      <p:sp>
+        <p:nvSpPr>
+          <p:cNvPr id="21" name="矩形: 圓角 20">
+            <a:extLst>
+              <a:ext uri="{FF2B5EF4-FFF2-40B4-BE49-F238E27FC236}">
+                <a16:creationId xmlns:a16="http://schemas.microsoft.com/office/drawing/2014/main" id="{F21AC124-C3CB-1A1A-DEE0-B2AD30D24BDC}"/>
+              </a:ext>
+            </a:extLst>
+          </p:cNvPr>
+          <p:cNvSpPr/>
+          <p:nvPr/>
+        </p:nvSpPr>
+        <p:spPr>
+          <a:xfrm>
+            <a:off x="6692314" y="1401574"/>
+            <a:ext cx="4127383" cy="782199"/>
+          </a:xfrm>
+          <a:prstGeom prst="roundRect">
+            <a:avLst/>
+          </a:prstGeom>
+          <a:noFill/>
+          <a:ln w="38100">
+            <a:solidFill>
+              <a:srgbClr val="FF0000"/>
+            </a:solidFill>
+            <a:prstDash val="dash"/>
+          </a:ln>
+        </p:spPr>
+        <p:style>
+          <a:lnRef idx="2">
+            <a:schemeClr val="accent1">
+              <a:shade val="50000"/>
+            </a:schemeClr>
+          </a:lnRef>
+          <a:fillRef idx="1">
+            <a:schemeClr val="accent1"/>
+          </a:fillRef>
+          <a:effectRef idx="0">
+            <a:schemeClr val="accent1"/>
+          </a:effectRef>
+          <a:fontRef idx="minor">
+            <a:schemeClr val="lt1"/>
+          </a:fontRef>
+        </p:style>
+        <p:txBody>
+          <a:bodyPr rtlCol="0" anchor="ctr"/>
+          <a:lstStyle/>
+          <a:p>
+            <a:pPr algn="ctr"/>
+            <a:endParaRPr lang="zh-TW" altLang="en-US"/>
+          </a:p>
+        </p:txBody>
+      </p:sp>
+      <p:sp>
+        <p:nvSpPr>
+          <p:cNvPr id="22" name="箭號: 向下 21">
+            <a:extLst>
+              <a:ext uri="{FF2B5EF4-FFF2-40B4-BE49-F238E27FC236}">
+                <a16:creationId xmlns:a16="http://schemas.microsoft.com/office/drawing/2014/main" id="{6F9DE009-996F-9651-15FE-BB27E115952B}"/>
+              </a:ext>
+            </a:extLst>
+          </p:cNvPr>
+          <p:cNvSpPr/>
+          <p:nvPr/>
+        </p:nvSpPr>
+        <p:spPr>
+          <a:xfrm rot="10800000">
+            <a:off x="8407863" y="2367346"/>
+            <a:ext cx="696286" cy="1396660"/>
+          </a:xfrm>
+          <a:prstGeom prst="downArrow">
+            <a:avLst/>
+          </a:prstGeom>
+          <a:solidFill>
+            <a:schemeClr val="tx1">
+              <a:lumMod val="75000"/>
+            </a:schemeClr>
+          </a:solidFill>
+          <a:ln w="38100">
+            <a:solidFill>
+              <a:schemeClr val="tx1"/>
+            </a:solidFill>
+          </a:ln>
+        </p:spPr>
+        <p:style>
+          <a:lnRef idx="2">
+            <a:schemeClr val="accent1">
+              <a:shade val="50000"/>
+            </a:schemeClr>
+          </a:lnRef>
+          <a:fillRef idx="1">
+            <a:schemeClr val="accent1"/>
+          </a:fillRef>
+          <a:effectRef idx="0">
+            <a:schemeClr val="accent1"/>
+          </a:effectRef>
+          <a:fontRef idx="minor">
+            <a:schemeClr val="lt1"/>
+          </a:fontRef>
+        </p:style>
+        <p:txBody>
+          <a:bodyPr rtlCol="0" anchor="ctr"/>
+          <a:lstStyle/>
+          <a:p>
+            <a:pPr algn="ctr"/>
+            <a:endParaRPr lang="zh-TW" altLang="en-US"/>
+          </a:p>
+        </p:txBody>
+      </p:sp>
+      <p:sp>
+        <p:nvSpPr>
+          <p:cNvPr id="23" name="文字方塊 22">
+            <a:extLst>
+              <a:ext uri="{FF2B5EF4-FFF2-40B4-BE49-F238E27FC236}">
+                <a16:creationId xmlns:a16="http://schemas.microsoft.com/office/drawing/2014/main" id="{0BD7B371-9629-D4A9-EDDB-11B5871C45EA}"/>
+              </a:ext>
+            </a:extLst>
+          </p:cNvPr>
+          <p:cNvSpPr txBox="1"/>
+          <p:nvPr/>
+        </p:nvSpPr>
+        <p:spPr>
+          <a:xfrm>
+            <a:off x="7419361" y="2711719"/>
+            <a:ext cx="980112" cy="461665"/>
+          </a:xfrm>
+          <a:prstGeom prst="rect">
+            <a:avLst/>
+          </a:prstGeom>
+          <a:noFill/>
+          <a:ln w="28575">
+            <a:solidFill>
+              <a:srgbClr val="FFC000"/>
+            </a:solidFill>
+          </a:ln>
+        </p:spPr>
+        <p:txBody>
+          <a:bodyPr wrap="square" rtlCol="0">
+            <a:spAutoFit/>
+          </a:bodyPr>
+          <a:lstStyle/>
+          <a:p>
+            <a:pPr algn="ctr"/>
+            <a:r>
+              <a:rPr lang="en-US" altLang="zh-TW" sz="2400" b="1" dirty="0"/>
+              <a:t>POP</a:t>
+            </a:r>
+            <a:endParaRPr lang="zh-TW" altLang="en-US" sz="2400" b="1" dirty="0"/>
+          </a:p>
+        </p:txBody>
+      </p:sp>
+      <p:sp>
+        <p:nvSpPr>
+          <p:cNvPr id="15" name="文字方塊 14">
+            <a:extLst>
+              <a:ext uri="{FF2B5EF4-FFF2-40B4-BE49-F238E27FC236}">
+                <a16:creationId xmlns:a16="http://schemas.microsoft.com/office/drawing/2014/main" id="{1463A370-75D7-F043-FDD6-080BEB8A9787}"/>
+              </a:ext>
+            </a:extLst>
+          </p:cNvPr>
+          <p:cNvSpPr txBox="1"/>
+          <p:nvPr/>
+        </p:nvSpPr>
+        <p:spPr>
+          <a:xfrm>
+            <a:off x="4282229" y="6285864"/>
+            <a:ext cx="3627539" cy="461665"/>
+          </a:xfrm>
+          <a:prstGeom prst="rect">
+            <a:avLst/>
+          </a:prstGeom>
+          <a:noFill/>
+          <a:ln w="28575">
+            <a:solidFill>
+              <a:srgbClr val="FFFF00"/>
+            </a:solidFill>
+          </a:ln>
+        </p:spPr>
+        <p:txBody>
+          <a:bodyPr wrap="square" rtlCol="0">
+            <a:spAutoFit/>
+          </a:bodyPr>
+          <a:lstStyle/>
+          <a:p>
+            <a:r>
+              <a:rPr lang="en-US" altLang="zh-TW" sz="2400" b="1" dirty="0"/>
+              <a:t>First In Last Out (</a:t>
+            </a:r>
+            <a:r>
+              <a:rPr lang="zh-TW" altLang="en-US" sz="2400" b="1" dirty="0"/>
+              <a:t>先進後出</a:t>
+            </a:r>
+            <a:r>
+              <a:rPr lang="en-US" altLang="zh-TW" sz="2400" b="1" dirty="0"/>
+              <a:t>)</a:t>
+            </a:r>
+            <a:endParaRPr lang="zh-TW" altLang="en-US" sz="2400" b="1" dirty="0"/>
+          </a:p>
+        </p:txBody>
+      </p:sp>
+    </p:spTree>
+    <p:extLst>
+      <p:ext uri="{BB962C8B-B14F-4D97-AF65-F5344CB8AC3E}">
+        <p14:creationId xmlns:p14="http://schemas.microsoft.com/office/powerpoint/2010/main" val="1961485237"/>
+      </p:ext>
+    </p:extLst>
+  </p:cSld>
+  <p:clrMapOvr>
+    <a:masterClrMapping/>
+  </p:clrMapOvr>
+</p:sld>
+</file>
+
+<file path=ppt/slides/slide21.xml><?xml version="1.0" encoding="utf-8"?>
+<p:sld xmlns:a="http://schemas.openxmlformats.org/drawingml/2006/main" xmlns:r="http://schemas.openxmlformats.org/officeDocument/2006/relationships" xmlns:p="http://schemas.openxmlformats.org/presentationml/2006/main">
+  <p:cSld>
+    <p:spTree>
+      <p:nvGrpSpPr>
+        <p:cNvPr id="1" name=""/>
+        <p:cNvGrpSpPr/>
+        <p:nvPr/>
+      </p:nvGrpSpPr>
+      <p:grpSpPr>
+        <a:xfrm>
+          <a:off x="0" y="0"/>
+          <a:ext cx="0" cy="0"/>
+          <a:chOff x="0" y="0"/>
+          <a:chExt cx="0" cy="0"/>
+        </a:xfrm>
+      </p:grpSpPr>
+      <p:sp>
+        <p:nvSpPr>
+          <p:cNvPr id="26" name="標題 1">
+            <a:extLst>
+              <a:ext uri="{FF2B5EF4-FFF2-40B4-BE49-F238E27FC236}">
+                <a16:creationId xmlns:a16="http://schemas.microsoft.com/office/drawing/2014/main" id="{117B61C8-7107-C59C-D47F-EE445DF1FD1F}"/>
+              </a:ext>
+            </a:extLst>
+          </p:cNvPr>
+          <p:cNvSpPr txBox="1">
+            <a:spLocks/>
+          </p:cNvSpPr>
+          <p:nvPr/>
+        </p:nvSpPr>
+        <p:spPr>
+          <a:xfrm>
+            <a:off x="0" y="1"/>
+            <a:ext cx="3649211" cy="782199"/>
+          </a:xfrm>
+          <a:prstGeom prst="rect">
+            <a:avLst/>
+          </a:prstGeom>
+        </p:spPr>
+        <p:txBody>
+          <a:bodyPr vert="horz" lIns="91440" tIns="45720" rIns="91440" bIns="45720" rtlCol="0" anchor="ctr">
+            <a:normAutofit/>
+          </a:bodyPr>
+          <a:lstStyle>
+            <a:lvl1pPr algn="ctr" defTabSz="914400">
+              <a:lnSpc>
+                <a:spcPct val="90000"/>
+              </a:lnSpc>
+              <a:spcBef>
+                <a:spcPct val="0"/>
+              </a:spcBef>
+              <a:buNone/>
+              <a:defRPr sz="4400" i="1">
+                <a:solidFill>
+                  <a:srgbClr val="FF0000"/>
+                </a:solidFill>
+                <a:latin typeface="+mj-lt"/>
+                <a:ea typeface="+mj-ea"/>
+                <a:cs typeface="+mj-cs"/>
+              </a:defRPr>
+            </a:lvl1pPr>
+          </a:lstStyle>
+          <a:p>
+            <a:r>
+              <a:rPr lang="en-US" altLang="zh-TW" sz="4000" dirty="0"/>
+              <a:t>$</a:t>
+            </a:r>
+            <a:r>
+              <a:rPr lang="zh-TW" altLang="en-US" sz="4000" dirty="0"/>
+              <a:t> 程式逆向分析</a:t>
+            </a:r>
+          </a:p>
+        </p:txBody>
+      </p:sp>
+    </p:spTree>
+    <p:extLst>
+      <p:ext uri="{BB962C8B-B14F-4D97-AF65-F5344CB8AC3E}">
+        <p14:creationId xmlns:p14="http://schemas.microsoft.com/office/powerpoint/2010/main" val="916179038"/>
+      </p:ext>
+    </p:extLst>
+  </p:cSld>
+  <p:clrMapOvr>
+    <a:masterClrMapping/>
+  </p:clrMapOvr>
+</p:sld>
+</file>
+
+<file path=ppt/slides/slide22.xml><?xml version="1.0" encoding="utf-8"?>
+<p:sld xmlns:a="http://schemas.openxmlformats.org/drawingml/2006/main" xmlns:r="http://schemas.openxmlformats.org/officeDocument/2006/relationships" xmlns:p="http://schemas.openxmlformats.org/presentationml/2006/main">
+  <p:cSld>
+    <p:spTree>
+      <p:nvGrpSpPr>
+        <p:cNvPr id="1" name=""/>
+        <p:cNvGrpSpPr/>
+        <p:nvPr/>
+      </p:nvGrpSpPr>
+      <p:grpSpPr>
+        <a:xfrm>
+          <a:off x="0" y="0"/>
+          <a:ext cx="0" cy="0"/>
+          <a:chOff x="0" y="0"/>
+          <a:chExt cx="0" cy="0"/>
+        </a:xfrm>
+      </p:grpSpPr>
+      <p:sp>
+        <p:nvSpPr>
+          <p:cNvPr id="2" name="標題 1">
+            <a:extLst>
+              <a:ext uri="{FF2B5EF4-FFF2-40B4-BE49-F238E27FC236}">
+                <a16:creationId xmlns:a16="http://schemas.microsoft.com/office/drawing/2014/main" id="{EE32E072-1818-EA96-B880-A69F80737B44}"/>
+              </a:ext>
+            </a:extLst>
+          </p:cNvPr>
+          <p:cNvSpPr>
+            <a:spLocks noGrp="1"/>
+          </p:cNvSpPr>
+          <p:nvPr>
+            <p:ph type="title"/>
+          </p:nvPr>
+        </p:nvSpPr>
+        <p:spPr>
+          <a:xfrm>
+            <a:off x="838200" y="2766218"/>
+            <a:ext cx="10515600" cy="1325563"/>
+          </a:xfrm>
+        </p:spPr>
+        <p:txBody>
+          <a:bodyPr/>
+          <a:lstStyle/>
+          <a:p>
+            <a:pPr algn="ctr"/>
+            <a:r>
+              <a:rPr lang="zh-TW" altLang="en-US" dirty="0"/>
+              <a:t>程式漏洞分析實戰</a:t>
+            </a:r>
+            <a:r>
+              <a:rPr lang="en-US" altLang="zh-TW" dirty="0"/>
+              <a:t>2(</a:t>
+            </a:r>
+            <a:r>
+              <a:rPr lang="en-US" altLang="zh-TW" dirty="0" err="1"/>
+              <a:t>gohome</a:t>
+            </a:r>
+            <a:r>
+              <a:rPr lang="en-US" altLang="zh-TW" dirty="0"/>
+              <a:t>)</a:t>
+            </a:r>
+            <a:endParaRPr lang="zh-TW" altLang="en-US" dirty="0"/>
+          </a:p>
+        </p:txBody>
+      </p:sp>
+    </p:spTree>
+    <p:extLst>
+      <p:ext uri="{BB962C8B-B14F-4D97-AF65-F5344CB8AC3E}">
+        <p14:creationId xmlns:p14="http://schemas.microsoft.com/office/powerpoint/2010/main" val="942801425"/>
+      </p:ext>
+    </p:extLst>
+  </p:cSld>
+  <p:clrMapOvr>
+    <a:masterClrMapping/>
+  </p:clrMapOvr>
+</p:sld>
+</file>
+
+<file path=ppt/slides/slide23.xml><?xml version="1.0" encoding="utf-8"?>
+<p:sld xmlns:a="http://schemas.openxmlformats.org/drawingml/2006/main" xmlns:r="http://schemas.openxmlformats.org/officeDocument/2006/relationships" xmlns:p="http://schemas.openxmlformats.org/presentationml/2006/main">
+  <p:cSld>
+    <p:spTree>
+      <p:nvGrpSpPr>
+        <p:cNvPr id="1" name=""/>
+        <p:cNvGrpSpPr/>
+        <p:nvPr/>
+      </p:nvGrpSpPr>
+      <p:grpSpPr>
+        <a:xfrm>
+          <a:off x="0" y="0"/>
+          <a:ext cx="0" cy="0"/>
+          <a:chOff x="0" y="0"/>
+          <a:chExt cx="0" cy="0"/>
+        </a:xfrm>
+      </p:grpSpPr>
+      <p:sp>
+        <p:nvSpPr>
+          <p:cNvPr id="2" name="標題 1">
+            <a:extLst>
+              <a:ext uri="{FF2B5EF4-FFF2-40B4-BE49-F238E27FC236}">
+                <a16:creationId xmlns:a16="http://schemas.microsoft.com/office/drawing/2014/main" id="{EE32E072-1818-EA96-B880-A69F80737B44}"/>
+              </a:ext>
+            </a:extLst>
+          </p:cNvPr>
+          <p:cNvSpPr>
+            <a:spLocks noGrp="1"/>
+          </p:cNvSpPr>
+          <p:nvPr>
+            <p:ph type="title"/>
+          </p:nvPr>
+        </p:nvSpPr>
+        <p:spPr>
+          <a:xfrm>
+            <a:off x="838200" y="2766218"/>
+            <a:ext cx="10515600" cy="1325563"/>
+          </a:xfrm>
+        </p:spPr>
+        <p:txBody>
+          <a:bodyPr/>
+          <a:lstStyle/>
+          <a:p>
+            <a:pPr algn="ctr"/>
+            <a:r>
+              <a:rPr lang="zh-TW" altLang="en-US" dirty="0"/>
+              <a:t>程式漏洞分析實戰</a:t>
+            </a:r>
+            <a:r>
+              <a:rPr lang="en-US" altLang="zh-TW" dirty="0"/>
+              <a:t>3(Angelboy_Pwn-2)</a:t>
+            </a:r>
+            <a:endParaRPr lang="zh-TW" altLang="en-US" dirty="0"/>
+          </a:p>
+        </p:txBody>
+      </p:sp>
+    </p:spTree>
+    <p:extLst>
+      <p:ext uri="{BB962C8B-B14F-4D97-AF65-F5344CB8AC3E}">
+        <p14:creationId xmlns:p14="http://schemas.microsoft.com/office/powerpoint/2010/main" val="626348984"/>
       </p:ext>
     </p:extLst>
   </p:cSld>
@@ -3370,58 +8340,245 @@
       </p:grpSpPr>
       <p:sp>
         <p:nvSpPr>
-          <p:cNvPr id="2" name="標題 1">
-            <a:extLst>
-              <a:ext uri="{FF2B5EF4-FFF2-40B4-BE49-F238E27FC236}">
-                <a16:creationId xmlns:a16="http://schemas.microsoft.com/office/drawing/2014/main" id="{A1941E62-6448-B09D-C490-9FDF25C02BFA}"/>
-              </a:ext>
-            </a:extLst>
-          </p:cNvPr>
-          <p:cNvSpPr>
-            <a:spLocks noGrp="1"/>
+          <p:cNvPr id="5" name="標題 1">
+            <a:extLst>
+              <a:ext uri="{FF2B5EF4-FFF2-40B4-BE49-F238E27FC236}">
+                <a16:creationId xmlns:a16="http://schemas.microsoft.com/office/drawing/2014/main" id="{FCFFB5A0-534B-ECCE-56DC-73A22288D73F}"/>
+              </a:ext>
+            </a:extLst>
+          </p:cNvPr>
+          <p:cNvSpPr txBox="1">
+            <a:spLocks/>
           </p:cNvSpPr>
-          <p:nvPr>
-            <p:ph type="title"/>
-          </p:nvPr>
-        </p:nvSpPr>
-        <p:spPr/>
-        <p:txBody>
-          <a:bodyPr/>
-          <a:lstStyle/>
-          <a:p>
+          <p:nvPr/>
+        </p:nvSpPr>
+        <p:spPr>
+          <a:xfrm>
+            <a:off x="-1" y="1"/>
+            <a:ext cx="3825381" cy="782199"/>
+          </a:xfrm>
+          <a:prstGeom prst="rect">
+            <a:avLst/>
+          </a:prstGeom>
+        </p:spPr>
+        <p:txBody>
+          <a:bodyPr vert="horz" lIns="91440" tIns="45720" rIns="91440" bIns="45720" rtlCol="0" anchor="ctr">
+            <a:normAutofit/>
+          </a:bodyPr>
+          <a:lstStyle>
+            <a:lvl1pPr algn="ctr" defTabSz="914400">
+              <a:lnSpc>
+                <a:spcPct val="90000"/>
+              </a:lnSpc>
+              <a:spcBef>
+                <a:spcPct val="0"/>
+              </a:spcBef>
+              <a:buNone/>
+              <a:defRPr sz="4400" i="1">
+                <a:solidFill>
+                  <a:srgbClr val="FF0000"/>
+                </a:solidFill>
+                <a:latin typeface="+mj-lt"/>
+                <a:ea typeface="+mj-ea"/>
+                <a:cs typeface="+mj-cs"/>
+              </a:defRPr>
+            </a:lvl1pPr>
+          </a:lstStyle>
+          <a:p>
+            <a:r>
+              <a:rPr lang="en-US" altLang="zh-TW" sz="4000" dirty="0"/>
+              <a:t>$</a:t>
+            </a:r>
+            <a:r>
+              <a:rPr lang="zh-TW" altLang="en-US" sz="4000" dirty="0"/>
+              <a:t> 程式行為分析</a:t>
+            </a:r>
+          </a:p>
+        </p:txBody>
+      </p:sp>
+      <p:pic>
+        <p:nvPicPr>
+          <p:cNvPr id="4" name="圖片 3">
+            <a:extLst>
+              <a:ext uri="{FF2B5EF4-FFF2-40B4-BE49-F238E27FC236}">
+                <a16:creationId xmlns:a16="http://schemas.microsoft.com/office/drawing/2014/main" id="{D5131287-6392-8967-A885-55D1FB23584A}"/>
+              </a:ext>
+            </a:extLst>
+          </p:cNvPr>
+          <p:cNvPicPr>
+            <a:picLocks noChangeAspect="1"/>
+          </p:cNvPicPr>
+          <p:nvPr/>
+        </p:nvPicPr>
+        <p:blipFill>
+          <a:blip r:embed="rId2"/>
+          <a:stretch>
+            <a:fillRect/>
+          </a:stretch>
+        </p:blipFill>
+        <p:spPr>
+          <a:xfrm>
+            <a:off x="923119" y="3647310"/>
+            <a:ext cx="10748433" cy="1140509"/>
+          </a:xfrm>
+          <a:prstGeom prst="rect">
+            <a:avLst/>
+          </a:prstGeom>
+        </p:spPr>
+      </p:pic>
+      <p:sp>
+        <p:nvSpPr>
+          <p:cNvPr id="7" name="矩形 6">
+            <a:extLst>
+              <a:ext uri="{FF2B5EF4-FFF2-40B4-BE49-F238E27FC236}">
+                <a16:creationId xmlns:a16="http://schemas.microsoft.com/office/drawing/2014/main" id="{317C6507-47D4-909C-8BC4-1EC27961A9C4}"/>
+              </a:ext>
+            </a:extLst>
+          </p:cNvPr>
+          <p:cNvSpPr/>
+          <p:nvPr/>
+        </p:nvSpPr>
+        <p:spPr>
+          <a:xfrm>
+            <a:off x="923118" y="3913464"/>
+            <a:ext cx="1241241" cy="197141"/>
+          </a:xfrm>
+          <a:prstGeom prst="rect">
+            <a:avLst/>
+          </a:prstGeom>
+          <a:noFill/>
+          <a:ln>
+            <a:solidFill>
+              <a:srgbClr val="FF0000"/>
+            </a:solidFill>
+          </a:ln>
+        </p:spPr>
+        <p:style>
+          <a:lnRef idx="2">
+            <a:schemeClr val="accent1">
+              <a:shade val="50000"/>
+            </a:schemeClr>
+          </a:lnRef>
+          <a:fillRef idx="1">
+            <a:schemeClr val="accent1"/>
+          </a:fillRef>
+          <a:effectRef idx="0">
+            <a:schemeClr val="accent1"/>
+          </a:effectRef>
+          <a:fontRef idx="minor">
+            <a:schemeClr val="lt1"/>
+          </a:fontRef>
+        </p:style>
+        <p:txBody>
+          <a:bodyPr rtlCol="0" anchor="ctr"/>
+          <a:lstStyle/>
+          <a:p>
+            <a:pPr algn="ctr"/>
             <a:endParaRPr lang="zh-TW" altLang="en-US"/>
           </a:p>
         </p:txBody>
       </p:sp>
       <p:sp>
         <p:nvSpPr>
-          <p:cNvPr id="3" name="內容版面配置區 2">
-            <a:extLst>
-              <a:ext uri="{FF2B5EF4-FFF2-40B4-BE49-F238E27FC236}">
-                <a16:creationId xmlns:a16="http://schemas.microsoft.com/office/drawing/2014/main" id="{5EDE19B0-2A30-1AF1-590B-34915A026644}"/>
-              </a:ext>
-            </a:extLst>
-          </p:cNvPr>
-          <p:cNvSpPr>
-            <a:spLocks noGrp="1"/>
-          </p:cNvSpPr>
-          <p:nvPr>
-            <p:ph idx="1"/>
-          </p:nvPr>
-        </p:nvSpPr>
-        <p:spPr/>
-        <p:txBody>
-          <a:bodyPr/>
-          <a:lstStyle/>
-          <a:p>
-            <a:endParaRPr lang="zh-TW" altLang="en-US"/>
-          </a:p>
-        </p:txBody>
-      </p:sp>
+          <p:cNvPr id="9" name="文字方塊 8">
+            <a:extLst>
+              <a:ext uri="{FF2B5EF4-FFF2-40B4-BE49-F238E27FC236}">
+                <a16:creationId xmlns:a16="http://schemas.microsoft.com/office/drawing/2014/main" id="{9BC9D22C-2D59-64EC-9E25-27C0A7A1F241}"/>
+              </a:ext>
+            </a:extLst>
+          </p:cNvPr>
+          <p:cNvSpPr txBox="1"/>
+          <p:nvPr/>
+        </p:nvSpPr>
+        <p:spPr>
+          <a:xfrm>
+            <a:off x="4843694" y="2542585"/>
+            <a:ext cx="2312115" cy="369332"/>
+          </a:xfrm>
+          <a:prstGeom prst="rect">
+            <a:avLst/>
+          </a:prstGeom>
+          <a:noFill/>
+          <a:ln w="28575">
+            <a:solidFill>
+              <a:srgbClr val="FFC000"/>
+            </a:solidFill>
+          </a:ln>
+        </p:spPr>
+        <p:txBody>
+          <a:bodyPr wrap="square" rtlCol="0">
+            <a:spAutoFit/>
+          </a:bodyPr>
+          <a:lstStyle/>
+          <a:p>
+            <a:r>
+              <a:rPr lang="zh-TW" altLang="en-US" dirty="0"/>
+              <a:t>辨識 </a:t>
+            </a:r>
+            <a:r>
+              <a:rPr lang="en-US" altLang="zh-TW" dirty="0"/>
+              <a:t>pass </a:t>
+            </a:r>
+            <a:r>
+              <a:rPr lang="zh-TW" altLang="en-US" dirty="0"/>
+              <a:t>的檔案類型</a:t>
+            </a:r>
+          </a:p>
+        </p:txBody>
+      </p:sp>
+      <p:cxnSp>
+        <p:nvCxnSpPr>
+          <p:cNvPr id="14" name="接點: 肘形 13">
+            <a:extLst>
+              <a:ext uri="{FF2B5EF4-FFF2-40B4-BE49-F238E27FC236}">
+                <a16:creationId xmlns:a16="http://schemas.microsoft.com/office/drawing/2014/main" id="{6F03A43E-B459-C3DC-93EB-DA2251FD4791}"/>
+              </a:ext>
+            </a:extLst>
+          </p:cNvPr>
+          <p:cNvCxnSpPr>
+            <a:cxnSpLocks/>
+            <a:stCxn id="7" idx="1"/>
+            <a:endCxn id="9" idx="0"/>
+          </p:cNvCxnSpPr>
+          <p:nvPr/>
+        </p:nvCxnSpPr>
+        <p:spPr>
+          <a:xfrm rot="10800000" flipH="1">
+            <a:off x="923118" y="2542585"/>
+            <a:ext cx="5076634" cy="1469450"/>
+          </a:xfrm>
+          <a:prstGeom prst="bentConnector4">
+            <a:avLst>
+              <a:gd name="adj1" fmla="val -4503"/>
+              <a:gd name="adj2" fmla="val 115557"/>
+            </a:avLst>
+          </a:prstGeom>
+          <a:ln w="28575">
+            <a:solidFill>
+              <a:srgbClr val="FF0000"/>
+            </a:solidFill>
+            <a:tailEnd type="triangle"/>
+          </a:ln>
+        </p:spPr>
+        <p:style>
+          <a:lnRef idx="1">
+            <a:schemeClr val="accent1"/>
+          </a:lnRef>
+          <a:fillRef idx="0">
+            <a:schemeClr val="accent1"/>
+          </a:fillRef>
+          <a:effectRef idx="0">
+            <a:schemeClr val="accent1"/>
+          </a:effectRef>
+          <a:fontRef idx="minor">
+            <a:schemeClr val="tx1"/>
+          </a:fontRef>
+        </p:style>
+      </p:cxnSp>
     </p:spTree>
     <p:extLst>
       <p:ext uri="{BB962C8B-B14F-4D97-AF65-F5344CB8AC3E}">
-        <p14:creationId xmlns:p14="http://schemas.microsoft.com/office/powerpoint/2010/main" val="622459493"/>
+        <p14:creationId xmlns:p14="http://schemas.microsoft.com/office/powerpoint/2010/main" val="3820492128"/>
       </p:ext>
     </p:extLst>
   </p:cSld>
@@ -3448,57 +8605,576 @@
           <a:chExt cx="0" cy="0"/>
         </a:xfrm>
       </p:grpSpPr>
-      <p:sp>
-        <p:nvSpPr>
-          <p:cNvPr id="2" name="標題 1">
-            <a:extLst>
-              <a:ext uri="{FF2B5EF4-FFF2-40B4-BE49-F238E27FC236}">
-                <a16:creationId xmlns:a16="http://schemas.microsoft.com/office/drawing/2014/main" id="{EE32E072-1818-EA96-B880-A69F80737B44}"/>
-              </a:ext>
-            </a:extLst>
-          </p:cNvPr>
-          <p:cNvSpPr>
-            <a:spLocks noGrp="1"/>
+      <p:pic>
+        <p:nvPicPr>
+          <p:cNvPr id="3" name="圖片 2">
+            <a:extLst>
+              <a:ext uri="{FF2B5EF4-FFF2-40B4-BE49-F238E27FC236}">
+                <a16:creationId xmlns:a16="http://schemas.microsoft.com/office/drawing/2014/main" id="{25AF1146-B0C5-248A-ED70-90CE5A5E0BC6}"/>
+              </a:ext>
+            </a:extLst>
+          </p:cNvPr>
+          <p:cNvPicPr>
+            <a:picLocks noChangeAspect="1"/>
+          </p:cNvPicPr>
+          <p:nvPr/>
+        </p:nvPicPr>
+        <p:blipFill>
+          <a:blip r:embed="rId2"/>
+          <a:stretch>
+            <a:fillRect/>
+          </a:stretch>
+        </p:blipFill>
+        <p:spPr>
+          <a:xfrm>
+            <a:off x="6870583" y="949341"/>
+            <a:ext cx="4687024" cy="5441982"/>
+          </a:xfrm>
+          <a:prstGeom prst="rect">
+            <a:avLst/>
+          </a:prstGeom>
+        </p:spPr>
+      </p:pic>
+      <p:sp>
+        <p:nvSpPr>
+          <p:cNvPr id="5" name="標題 1">
+            <a:extLst>
+              <a:ext uri="{FF2B5EF4-FFF2-40B4-BE49-F238E27FC236}">
+                <a16:creationId xmlns:a16="http://schemas.microsoft.com/office/drawing/2014/main" id="{FCFFB5A0-534B-ECCE-56DC-73A22288D73F}"/>
+              </a:ext>
+            </a:extLst>
+          </p:cNvPr>
+          <p:cNvSpPr txBox="1">
+            <a:spLocks/>
           </p:cNvSpPr>
-          <p:nvPr>
-            <p:ph type="title"/>
-          </p:nvPr>
-        </p:nvSpPr>
-        <p:spPr>
-          <a:xfrm>
-            <a:off x="838200" y="2766218"/>
-            <a:ext cx="10515600" cy="1325563"/>
-          </a:xfrm>
-        </p:spPr>
-        <p:txBody>
-          <a:bodyPr/>
+          <p:nvPr/>
+        </p:nvSpPr>
+        <p:spPr>
+          <a:xfrm>
+            <a:off x="-1" y="1"/>
+            <a:ext cx="3825381" cy="782199"/>
+          </a:xfrm>
+          <a:prstGeom prst="rect">
+            <a:avLst/>
+          </a:prstGeom>
+        </p:spPr>
+        <p:txBody>
+          <a:bodyPr vert="horz" lIns="91440" tIns="45720" rIns="91440" bIns="45720" rtlCol="0" anchor="ctr">
+            <a:normAutofit/>
+          </a:bodyPr>
+          <a:lstStyle>
+            <a:lvl1pPr algn="ctr" defTabSz="914400">
+              <a:lnSpc>
+                <a:spcPct val="90000"/>
+              </a:lnSpc>
+              <a:spcBef>
+                <a:spcPct val="0"/>
+              </a:spcBef>
+              <a:buNone/>
+              <a:defRPr sz="4400" i="1">
+                <a:solidFill>
+                  <a:srgbClr val="FF0000"/>
+                </a:solidFill>
+                <a:latin typeface="+mj-lt"/>
+                <a:ea typeface="+mj-ea"/>
+                <a:cs typeface="+mj-cs"/>
+              </a:defRPr>
+            </a:lvl1pPr>
+          </a:lstStyle>
+          <a:p>
+            <a:r>
+              <a:rPr lang="en-US" altLang="zh-TW" sz="4000" dirty="0"/>
+              <a:t>$</a:t>
+            </a:r>
+            <a:r>
+              <a:rPr lang="zh-TW" altLang="en-US" sz="4000" dirty="0"/>
+              <a:t> 程式行為分析</a:t>
+            </a:r>
+          </a:p>
+        </p:txBody>
+      </p:sp>
+      <p:sp>
+        <p:nvSpPr>
+          <p:cNvPr id="9" name="文字方塊 8">
+            <a:extLst>
+              <a:ext uri="{FF2B5EF4-FFF2-40B4-BE49-F238E27FC236}">
+                <a16:creationId xmlns:a16="http://schemas.microsoft.com/office/drawing/2014/main" id="{9BC9D22C-2D59-64EC-9E25-27C0A7A1F241}"/>
+              </a:ext>
+            </a:extLst>
+          </p:cNvPr>
+          <p:cNvSpPr txBox="1"/>
+          <p:nvPr/>
+        </p:nvSpPr>
+        <p:spPr>
+          <a:xfrm>
+            <a:off x="864066" y="5597364"/>
+            <a:ext cx="2248249" cy="646331"/>
+          </a:xfrm>
+          <a:prstGeom prst="rect">
+            <a:avLst/>
+          </a:prstGeom>
+          <a:noFill/>
+          <a:ln w="28575">
+            <a:solidFill>
+              <a:srgbClr val="FFC000"/>
+            </a:solidFill>
+          </a:ln>
+        </p:spPr>
+        <p:txBody>
+          <a:bodyPr wrap="square" rtlCol="0">
+            <a:spAutoFit/>
+          </a:bodyPr>
+          <a:lstStyle/>
+          <a:p>
+            <a:r>
+              <a:rPr lang="zh-TW" altLang="en-US" dirty="0"/>
+              <a:t>顯示二進制檔案 </a:t>
+            </a:r>
+            <a:r>
+              <a:rPr lang="en-US" altLang="zh-TW" dirty="0"/>
+              <a:t>pass </a:t>
+            </a:r>
+            <a:r>
+              <a:rPr lang="zh-TW" altLang="en-US" dirty="0"/>
+              <a:t>中的可列印字串。</a:t>
+            </a:r>
+          </a:p>
+        </p:txBody>
+      </p:sp>
+      <p:pic>
+        <p:nvPicPr>
+          <p:cNvPr id="10" name="圖片 9">
+            <a:extLst>
+              <a:ext uri="{FF2B5EF4-FFF2-40B4-BE49-F238E27FC236}">
+                <a16:creationId xmlns:a16="http://schemas.microsoft.com/office/drawing/2014/main" id="{A53EAC6C-C87E-DDAA-A28D-7F8DCB55BA42}"/>
+              </a:ext>
+            </a:extLst>
+          </p:cNvPr>
+          <p:cNvPicPr>
+            <a:picLocks noChangeAspect="1"/>
+          </p:cNvPicPr>
+          <p:nvPr/>
+        </p:nvPicPr>
+        <p:blipFill>
+          <a:blip r:embed="rId3"/>
+          <a:stretch>
+            <a:fillRect/>
+          </a:stretch>
+        </p:blipFill>
+        <p:spPr>
+          <a:xfrm>
+            <a:off x="516947" y="1512332"/>
+            <a:ext cx="5898727" cy="352514"/>
+          </a:xfrm>
+          <a:prstGeom prst="rect">
+            <a:avLst/>
+          </a:prstGeom>
+        </p:spPr>
+      </p:pic>
+      <p:cxnSp>
+        <p:nvCxnSpPr>
+          <p:cNvPr id="13" name="接點: 肘形 12">
+            <a:extLst>
+              <a:ext uri="{FF2B5EF4-FFF2-40B4-BE49-F238E27FC236}">
+                <a16:creationId xmlns:a16="http://schemas.microsoft.com/office/drawing/2014/main" id="{6F9930A5-919D-B76A-67D3-C14C02A743B1}"/>
+              </a:ext>
+            </a:extLst>
+          </p:cNvPr>
+          <p:cNvCxnSpPr>
+            <a:cxnSpLocks/>
+            <a:stCxn id="15" idx="2"/>
+            <a:endCxn id="9" idx="1"/>
+          </p:cNvCxnSpPr>
+          <p:nvPr/>
+        </p:nvCxnSpPr>
+        <p:spPr>
+          <a:xfrm rot="5400000">
+            <a:off x="-1052168" y="3758404"/>
+            <a:ext cx="4078361" cy="245891"/>
+          </a:xfrm>
+          <a:prstGeom prst="bentConnector4">
+            <a:avLst>
+              <a:gd name="adj1" fmla="val 46038"/>
+              <a:gd name="adj2" fmla="val 192968"/>
+            </a:avLst>
+          </a:prstGeom>
+          <a:ln w="28575">
+            <a:solidFill>
+              <a:srgbClr val="FF0000"/>
+            </a:solidFill>
+            <a:tailEnd type="triangle"/>
+          </a:ln>
+        </p:spPr>
+        <p:style>
+          <a:lnRef idx="1">
+            <a:schemeClr val="accent1"/>
+          </a:lnRef>
+          <a:fillRef idx="0">
+            <a:schemeClr val="accent1"/>
+          </a:fillRef>
+          <a:effectRef idx="0">
+            <a:schemeClr val="accent1"/>
+          </a:effectRef>
+          <a:fontRef idx="minor">
+            <a:schemeClr val="tx1"/>
+          </a:fontRef>
+        </p:style>
+      </p:cxnSp>
+      <p:sp>
+        <p:nvSpPr>
+          <p:cNvPr id="15" name="矩形 14">
+            <a:extLst>
+              <a:ext uri="{FF2B5EF4-FFF2-40B4-BE49-F238E27FC236}">
+                <a16:creationId xmlns:a16="http://schemas.microsoft.com/office/drawing/2014/main" id="{5EC7A206-B654-400B-DF76-4CCDDD27B6BD}"/>
+              </a:ext>
+            </a:extLst>
+          </p:cNvPr>
+          <p:cNvSpPr/>
+          <p:nvPr/>
+        </p:nvSpPr>
+        <p:spPr>
+          <a:xfrm>
+            <a:off x="651172" y="1645748"/>
+            <a:ext cx="917570" cy="196421"/>
+          </a:xfrm>
+          <a:prstGeom prst="rect">
+            <a:avLst/>
+          </a:prstGeom>
+          <a:noFill/>
+          <a:ln>
+            <a:solidFill>
+              <a:srgbClr val="FF0000"/>
+            </a:solidFill>
+          </a:ln>
+        </p:spPr>
+        <p:style>
+          <a:lnRef idx="2">
+            <a:schemeClr val="accent1">
+              <a:shade val="50000"/>
+            </a:schemeClr>
+          </a:lnRef>
+          <a:fillRef idx="1">
+            <a:schemeClr val="accent1"/>
+          </a:fillRef>
+          <a:effectRef idx="0">
+            <a:schemeClr val="accent1"/>
+          </a:effectRef>
+          <a:fontRef idx="minor">
+            <a:schemeClr val="lt1"/>
+          </a:fontRef>
+        </p:style>
+        <p:txBody>
+          <a:bodyPr rtlCol="0" anchor="ctr"/>
           <a:lstStyle/>
           <a:p>
             <a:pPr algn="ctr"/>
+            <a:endParaRPr lang="zh-TW" altLang="en-US"/>
+          </a:p>
+        </p:txBody>
+      </p:sp>
+      <p:sp>
+        <p:nvSpPr>
+          <p:cNvPr id="24" name="矩形 23">
+            <a:extLst>
+              <a:ext uri="{FF2B5EF4-FFF2-40B4-BE49-F238E27FC236}">
+                <a16:creationId xmlns:a16="http://schemas.microsoft.com/office/drawing/2014/main" id="{5D3B1225-939B-4728-1F93-AEB48563C46A}"/>
+              </a:ext>
+            </a:extLst>
+          </p:cNvPr>
+          <p:cNvSpPr/>
+          <p:nvPr/>
+        </p:nvSpPr>
+        <p:spPr>
+          <a:xfrm>
+            <a:off x="1602298" y="1652892"/>
+            <a:ext cx="100667" cy="196421"/>
+          </a:xfrm>
+          <a:prstGeom prst="rect">
+            <a:avLst/>
+          </a:prstGeom>
+          <a:noFill/>
+          <a:ln>
+            <a:solidFill>
+              <a:srgbClr val="FF0000"/>
+            </a:solidFill>
+          </a:ln>
+        </p:spPr>
+        <p:style>
+          <a:lnRef idx="2">
+            <a:schemeClr val="accent1">
+              <a:shade val="50000"/>
+            </a:schemeClr>
+          </a:lnRef>
+          <a:fillRef idx="1">
+            <a:schemeClr val="accent1"/>
+          </a:fillRef>
+          <a:effectRef idx="0">
+            <a:schemeClr val="accent1"/>
+          </a:effectRef>
+          <a:fontRef idx="minor">
+            <a:schemeClr val="lt1"/>
+          </a:fontRef>
+        </p:style>
+        <p:txBody>
+          <a:bodyPr rtlCol="0" anchor="ctr"/>
+          <a:lstStyle/>
+          <a:p>
+            <a:pPr algn="ctr"/>
+            <a:endParaRPr lang="zh-TW" altLang="en-US"/>
+          </a:p>
+        </p:txBody>
+      </p:sp>
+      <p:cxnSp>
+        <p:nvCxnSpPr>
+          <p:cNvPr id="25" name="接點: 肘形 24">
+            <a:extLst>
+              <a:ext uri="{FF2B5EF4-FFF2-40B4-BE49-F238E27FC236}">
+                <a16:creationId xmlns:a16="http://schemas.microsoft.com/office/drawing/2014/main" id="{3D0A5202-6F67-492B-FA02-1F372E927B67}"/>
+              </a:ext>
+            </a:extLst>
+          </p:cNvPr>
+          <p:cNvCxnSpPr>
+            <a:cxnSpLocks/>
+            <a:stCxn id="24" idx="2"/>
+            <a:endCxn id="27" idx="1"/>
+          </p:cNvCxnSpPr>
+          <p:nvPr/>
+        </p:nvCxnSpPr>
+        <p:spPr>
+          <a:xfrm rot="16200000" flipH="1">
+            <a:off x="526959" y="2974986"/>
+            <a:ext cx="2756588" cy="505242"/>
+          </a:xfrm>
+          <a:prstGeom prst="bentConnector2">
+            <a:avLst/>
+          </a:prstGeom>
+          <a:ln w="28575">
+            <a:solidFill>
+              <a:srgbClr val="FF0000"/>
+            </a:solidFill>
+            <a:tailEnd type="triangle"/>
+          </a:ln>
+        </p:spPr>
+        <p:style>
+          <a:lnRef idx="1">
+            <a:schemeClr val="accent1"/>
+          </a:lnRef>
+          <a:fillRef idx="0">
+            <a:schemeClr val="accent1"/>
+          </a:fillRef>
+          <a:effectRef idx="0">
+            <a:schemeClr val="accent1"/>
+          </a:effectRef>
+          <a:fontRef idx="minor">
+            <a:schemeClr val="tx1"/>
+          </a:fontRef>
+        </p:style>
+      </p:cxnSp>
+      <p:sp>
+        <p:nvSpPr>
+          <p:cNvPr id="27" name="文字方塊 26">
+            <a:extLst>
+              <a:ext uri="{FF2B5EF4-FFF2-40B4-BE49-F238E27FC236}">
+                <a16:creationId xmlns:a16="http://schemas.microsoft.com/office/drawing/2014/main" id="{8C9BBA00-EE53-3785-64A5-42EBAC179ECF}"/>
+              </a:ext>
+            </a:extLst>
+          </p:cNvPr>
+          <p:cNvSpPr txBox="1"/>
+          <p:nvPr/>
+        </p:nvSpPr>
+        <p:spPr>
+          <a:xfrm>
+            <a:off x="2157874" y="4144236"/>
+            <a:ext cx="2481238" cy="923330"/>
+          </a:xfrm>
+          <a:prstGeom prst="rect">
+            <a:avLst/>
+          </a:prstGeom>
+          <a:noFill/>
+          <a:ln w="28575">
+            <a:solidFill>
+              <a:srgbClr val="FFC000"/>
+            </a:solidFill>
+          </a:ln>
+        </p:spPr>
+        <p:txBody>
+          <a:bodyPr wrap="square" rtlCol="0">
+            <a:spAutoFit/>
+          </a:bodyPr>
+          <a:lstStyle/>
+          <a:p>
             <a:r>
               <a:rPr lang="zh-TW" altLang="en-US" dirty="0"/>
-              <a:t>程式漏洞分析實戰</a:t>
+              <a:t>稱為：</a:t>
             </a:r>
             <a:r>
               <a:rPr lang="en-US" altLang="zh-TW" dirty="0"/>
-              <a:t>2(</a:t>
-            </a:r>
-            <a:r>
-              <a:rPr lang="en-US" altLang="zh-TW" dirty="0" err="1"/>
-              <a:t>gohome</a:t>
+              <a:t>pipe</a:t>
+            </a:r>
+            <a:r>
+              <a:rPr lang="zh-TW" altLang="en-US" dirty="0"/>
+              <a:t>。</a:t>
+            </a:r>
+            <a:endParaRPr lang="en-US" altLang="zh-TW" dirty="0"/>
+          </a:p>
+          <a:p>
+            <a:r>
+              <a:rPr lang="zh-TW" altLang="en-US" dirty="0"/>
+              <a:t>用來將左邊指令的輸出當成右邊指令的輸入。</a:t>
+            </a:r>
+          </a:p>
+        </p:txBody>
+      </p:sp>
+      <p:sp>
+        <p:nvSpPr>
+          <p:cNvPr id="36" name="矩形 35">
+            <a:extLst>
+              <a:ext uri="{FF2B5EF4-FFF2-40B4-BE49-F238E27FC236}">
+                <a16:creationId xmlns:a16="http://schemas.microsoft.com/office/drawing/2014/main" id="{4F128F0C-D43C-3F66-8813-1F802456C968}"/>
+              </a:ext>
+            </a:extLst>
+          </p:cNvPr>
+          <p:cNvSpPr/>
+          <p:nvPr/>
+        </p:nvSpPr>
+        <p:spPr>
+          <a:xfrm>
+            <a:off x="1746310" y="1654138"/>
+            <a:ext cx="306383" cy="193590"/>
+          </a:xfrm>
+          <a:prstGeom prst="rect">
+            <a:avLst/>
+          </a:prstGeom>
+          <a:noFill/>
+          <a:ln>
+            <a:solidFill>
+              <a:srgbClr val="FF0000"/>
+            </a:solidFill>
+          </a:ln>
+        </p:spPr>
+        <p:style>
+          <a:lnRef idx="2">
+            <a:schemeClr val="accent1">
+              <a:shade val="50000"/>
+            </a:schemeClr>
+          </a:lnRef>
+          <a:fillRef idx="1">
+            <a:schemeClr val="accent1"/>
+          </a:fillRef>
+          <a:effectRef idx="0">
+            <a:schemeClr val="accent1"/>
+          </a:effectRef>
+          <a:fontRef idx="minor">
+            <a:schemeClr val="lt1"/>
+          </a:fontRef>
+        </p:style>
+        <p:txBody>
+          <a:bodyPr rtlCol="0" anchor="ctr"/>
+          <a:lstStyle/>
+          <a:p>
+            <a:pPr algn="ctr"/>
+            <a:endParaRPr lang="zh-TW" altLang="en-US"/>
+          </a:p>
+        </p:txBody>
+      </p:sp>
+      <p:cxnSp>
+        <p:nvCxnSpPr>
+          <p:cNvPr id="37" name="接點: 肘形 36">
+            <a:extLst>
+              <a:ext uri="{FF2B5EF4-FFF2-40B4-BE49-F238E27FC236}">
+                <a16:creationId xmlns:a16="http://schemas.microsoft.com/office/drawing/2014/main" id="{CB446196-0C6F-74D4-8C1F-288B4E2F243C}"/>
+              </a:ext>
+            </a:extLst>
+          </p:cNvPr>
+          <p:cNvCxnSpPr>
+            <a:cxnSpLocks/>
+            <a:stCxn id="36" idx="2"/>
+            <a:endCxn id="38" idx="1"/>
+          </p:cNvCxnSpPr>
+          <p:nvPr/>
+        </p:nvCxnSpPr>
+        <p:spPr>
+          <a:xfrm rot="16200000" flipH="1">
+            <a:off x="2002073" y="1745156"/>
+            <a:ext cx="1334844" cy="1539987"/>
+          </a:xfrm>
+          <a:prstGeom prst="bentConnector2">
+            <a:avLst/>
+          </a:prstGeom>
+          <a:ln w="28575">
+            <a:solidFill>
+              <a:srgbClr val="FF0000"/>
+            </a:solidFill>
+            <a:tailEnd type="triangle"/>
+          </a:ln>
+        </p:spPr>
+        <p:style>
+          <a:lnRef idx="1">
+            <a:schemeClr val="accent1"/>
+          </a:lnRef>
+          <a:fillRef idx="0">
+            <a:schemeClr val="accent1"/>
+          </a:fillRef>
+          <a:effectRef idx="0">
+            <a:schemeClr val="accent1"/>
+          </a:effectRef>
+          <a:fontRef idx="minor">
+            <a:schemeClr val="tx1"/>
+          </a:fontRef>
+        </p:style>
+      </p:cxnSp>
+      <p:sp>
+        <p:nvSpPr>
+          <p:cNvPr id="38" name="文字方塊 37">
+            <a:extLst>
+              <a:ext uri="{FF2B5EF4-FFF2-40B4-BE49-F238E27FC236}">
+                <a16:creationId xmlns:a16="http://schemas.microsoft.com/office/drawing/2014/main" id="{6B85A31B-3BB6-06A4-4B55-9A86B126C379}"/>
+              </a:ext>
+            </a:extLst>
+          </p:cNvPr>
+          <p:cNvSpPr txBox="1"/>
+          <p:nvPr/>
+        </p:nvSpPr>
+        <p:spPr>
+          <a:xfrm>
+            <a:off x="3439489" y="2859406"/>
+            <a:ext cx="2281803" cy="646331"/>
+          </a:xfrm>
+          <a:prstGeom prst="rect">
+            <a:avLst/>
+          </a:prstGeom>
+          <a:noFill/>
+          <a:ln w="28575">
+            <a:solidFill>
+              <a:srgbClr val="FFC000"/>
+            </a:solidFill>
+          </a:ln>
+        </p:spPr>
+        <p:txBody>
+          <a:bodyPr wrap="square" rtlCol="0">
+            <a:spAutoFit/>
+          </a:bodyPr>
+          <a:lstStyle/>
+          <a:p>
+            <a:r>
+              <a:rPr lang="zh-TW" altLang="en-US" dirty="0"/>
+              <a:t>將 </a:t>
             </a:r>
             <a:r>
               <a:rPr lang="en-US" altLang="zh-TW" dirty="0"/>
-              <a:t>)</a:t>
-            </a:r>
-            <a:endParaRPr lang="zh-TW" altLang="en-US" dirty="0"/>
+              <a:t>strings pass</a:t>
+            </a:r>
+            <a:r>
+              <a:rPr lang="zh-TW" altLang="en-US" dirty="0"/>
+              <a:t> 的輸出進行分業顯示的工具。</a:t>
+            </a:r>
           </a:p>
         </p:txBody>
       </p:sp>
     </p:spTree>
     <p:extLst>
       <p:ext uri="{BB962C8B-B14F-4D97-AF65-F5344CB8AC3E}">
-        <p14:creationId xmlns:p14="http://schemas.microsoft.com/office/powerpoint/2010/main" val="942801425"/>
+        <p14:creationId xmlns:p14="http://schemas.microsoft.com/office/powerpoint/2010/main" val="1353529793"/>
       </p:ext>
     </p:extLst>
   </p:cSld>
@@ -3525,49 +9201,1461 @@
           <a:chExt cx="0" cy="0"/>
         </a:xfrm>
       </p:grpSpPr>
-      <p:sp>
-        <p:nvSpPr>
-          <p:cNvPr id="2" name="標題 1">
-            <a:extLst>
-              <a:ext uri="{FF2B5EF4-FFF2-40B4-BE49-F238E27FC236}">
-                <a16:creationId xmlns:a16="http://schemas.microsoft.com/office/drawing/2014/main" id="{EE32E072-1818-EA96-B880-A69F80737B44}"/>
-              </a:ext>
-            </a:extLst>
-          </p:cNvPr>
-          <p:cNvSpPr>
-            <a:spLocks noGrp="1"/>
+      <p:pic>
+        <p:nvPicPr>
+          <p:cNvPr id="21" name="圖片 20">
+            <a:extLst>
+              <a:ext uri="{FF2B5EF4-FFF2-40B4-BE49-F238E27FC236}">
+                <a16:creationId xmlns:a16="http://schemas.microsoft.com/office/drawing/2014/main" id="{8820A356-8FE5-2A1A-E77F-2322F9BA8123}"/>
+              </a:ext>
+            </a:extLst>
+          </p:cNvPr>
+          <p:cNvPicPr>
+            <a:picLocks noChangeAspect="1"/>
+          </p:cNvPicPr>
+          <p:nvPr/>
+        </p:nvPicPr>
+        <p:blipFill>
+          <a:blip r:embed="rId2"/>
+          <a:stretch>
+            <a:fillRect/>
+          </a:stretch>
+        </p:blipFill>
+        <p:spPr>
+          <a:xfrm>
+            <a:off x="1082096" y="3799222"/>
+            <a:ext cx="10027807" cy="1936587"/>
+          </a:xfrm>
+          <a:prstGeom prst="rect">
+            <a:avLst/>
+          </a:prstGeom>
+        </p:spPr>
+      </p:pic>
+      <p:sp>
+        <p:nvSpPr>
+          <p:cNvPr id="5" name="標題 1">
+            <a:extLst>
+              <a:ext uri="{FF2B5EF4-FFF2-40B4-BE49-F238E27FC236}">
+                <a16:creationId xmlns:a16="http://schemas.microsoft.com/office/drawing/2014/main" id="{FCFFB5A0-534B-ECCE-56DC-73A22288D73F}"/>
+              </a:ext>
+            </a:extLst>
+          </p:cNvPr>
+          <p:cNvSpPr txBox="1">
+            <a:spLocks/>
           </p:cNvSpPr>
-          <p:nvPr>
-            <p:ph type="title"/>
-          </p:nvPr>
-        </p:nvSpPr>
-        <p:spPr>
-          <a:xfrm>
-            <a:off x="838200" y="2766218"/>
-            <a:ext cx="10515600" cy="1325563"/>
-          </a:xfrm>
-        </p:spPr>
-        <p:txBody>
-          <a:bodyPr/>
+          <p:nvPr/>
+        </p:nvSpPr>
+        <p:spPr>
+          <a:xfrm>
+            <a:off x="-1" y="1"/>
+            <a:ext cx="3825381" cy="782199"/>
+          </a:xfrm>
+          <a:prstGeom prst="rect">
+            <a:avLst/>
+          </a:prstGeom>
+        </p:spPr>
+        <p:txBody>
+          <a:bodyPr vert="horz" lIns="91440" tIns="45720" rIns="91440" bIns="45720" rtlCol="0" anchor="ctr">
+            <a:normAutofit/>
+          </a:bodyPr>
+          <a:lstStyle>
+            <a:lvl1pPr algn="ctr" defTabSz="914400">
+              <a:lnSpc>
+                <a:spcPct val="90000"/>
+              </a:lnSpc>
+              <a:spcBef>
+                <a:spcPct val="0"/>
+              </a:spcBef>
+              <a:buNone/>
+              <a:defRPr sz="4400" i="1">
+                <a:solidFill>
+                  <a:srgbClr val="FF0000"/>
+                </a:solidFill>
+                <a:latin typeface="+mj-lt"/>
+                <a:ea typeface="+mj-ea"/>
+                <a:cs typeface="+mj-cs"/>
+              </a:defRPr>
+            </a:lvl1pPr>
+          </a:lstStyle>
+          <a:p>
+            <a:r>
+              <a:rPr lang="en-US" altLang="zh-TW" sz="4000" dirty="0"/>
+              <a:t>$</a:t>
+            </a:r>
+            <a:r>
+              <a:rPr lang="zh-TW" altLang="en-US" sz="4000" dirty="0"/>
+              <a:t> 程式行為分析</a:t>
+            </a:r>
+          </a:p>
+        </p:txBody>
+      </p:sp>
+      <p:sp>
+        <p:nvSpPr>
+          <p:cNvPr id="9" name="文字方塊 8">
+            <a:extLst>
+              <a:ext uri="{FF2B5EF4-FFF2-40B4-BE49-F238E27FC236}">
+                <a16:creationId xmlns:a16="http://schemas.microsoft.com/office/drawing/2014/main" id="{9BC9D22C-2D59-64EC-9E25-27C0A7A1F241}"/>
+              </a:ext>
+            </a:extLst>
+          </p:cNvPr>
+          <p:cNvSpPr txBox="1"/>
+          <p:nvPr/>
+        </p:nvSpPr>
+        <p:spPr>
+          <a:xfrm>
+            <a:off x="4971875" y="2058282"/>
+            <a:ext cx="2248249" cy="646331"/>
+          </a:xfrm>
+          <a:prstGeom prst="rect">
+            <a:avLst/>
+          </a:prstGeom>
+          <a:noFill/>
+          <a:ln w="28575">
+            <a:solidFill>
+              <a:srgbClr val="FFC000"/>
+            </a:solidFill>
+          </a:ln>
+        </p:spPr>
+        <p:txBody>
+          <a:bodyPr wrap="square" rtlCol="0">
+            <a:spAutoFit/>
+          </a:bodyPr>
+          <a:lstStyle/>
+          <a:p>
+            <a:r>
+              <a:rPr lang="zh-TW" altLang="en-US" dirty="0"/>
+              <a:t>檢查二進位檔 </a:t>
+            </a:r>
+            <a:r>
+              <a:rPr lang="en-US" altLang="zh-TW" dirty="0"/>
+              <a:t>pass </a:t>
+            </a:r>
+            <a:r>
+              <a:rPr lang="zh-TW" altLang="en-US" dirty="0"/>
+              <a:t>的各種安全選項。</a:t>
+            </a:r>
+          </a:p>
+        </p:txBody>
+      </p:sp>
+      <p:cxnSp>
+        <p:nvCxnSpPr>
+          <p:cNvPr id="13" name="接點: 肘形 12">
+            <a:extLst>
+              <a:ext uri="{FF2B5EF4-FFF2-40B4-BE49-F238E27FC236}">
+                <a16:creationId xmlns:a16="http://schemas.microsoft.com/office/drawing/2014/main" id="{6F9930A5-919D-B76A-67D3-C14C02A743B1}"/>
+              </a:ext>
+            </a:extLst>
+          </p:cNvPr>
+          <p:cNvCxnSpPr>
+            <a:cxnSpLocks/>
+            <a:stCxn id="15" idx="0"/>
+            <a:endCxn id="9" idx="1"/>
+          </p:cNvCxnSpPr>
+          <p:nvPr/>
+        </p:nvCxnSpPr>
+        <p:spPr>
+          <a:xfrm rot="5400000" flipH="1" flipV="1">
+            <a:off x="2706379" y="1796283"/>
+            <a:ext cx="1680331" cy="2850662"/>
+          </a:xfrm>
+          <a:prstGeom prst="bentConnector2">
+            <a:avLst/>
+          </a:prstGeom>
+          <a:ln w="28575">
+            <a:solidFill>
+              <a:srgbClr val="FF0000"/>
+            </a:solidFill>
+            <a:tailEnd type="triangle"/>
+          </a:ln>
+        </p:spPr>
+        <p:style>
+          <a:lnRef idx="1">
+            <a:schemeClr val="accent1"/>
+          </a:lnRef>
+          <a:fillRef idx="0">
+            <a:schemeClr val="accent1"/>
+          </a:fillRef>
+          <a:effectRef idx="0">
+            <a:schemeClr val="accent1"/>
+          </a:effectRef>
+          <a:fontRef idx="minor">
+            <a:schemeClr val="tx1"/>
+          </a:fontRef>
+        </p:style>
+      </p:cxnSp>
+      <p:sp>
+        <p:nvSpPr>
+          <p:cNvPr id="15" name="矩形 14">
+            <a:extLst>
+              <a:ext uri="{FF2B5EF4-FFF2-40B4-BE49-F238E27FC236}">
+                <a16:creationId xmlns:a16="http://schemas.microsoft.com/office/drawing/2014/main" id="{5EC7A206-B654-400B-DF76-4CCDDD27B6BD}"/>
+              </a:ext>
+            </a:extLst>
+          </p:cNvPr>
+          <p:cNvSpPr/>
+          <p:nvPr/>
+        </p:nvSpPr>
+        <p:spPr>
+          <a:xfrm>
+            <a:off x="1323056" y="4061779"/>
+            <a:ext cx="1596313" cy="216606"/>
+          </a:xfrm>
+          <a:prstGeom prst="rect">
+            <a:avLst/>
+          </a:prstGeom>
+          <a:noFill/>
+          <a:ln>
+            <a:solidFill>
+              <a:srgbClr val="FF0000"/>
+            </a:solidFill>
+          </a:ln>
+        </p:spPr>
+        <p:style>
+          <a:lnRef idx="2">
+            <a:schemeClr val="accent1">
+              <a:shade val="50000"/>
+            </a:schemeClr>
+          </a:lnRef>
+          <a:fillRef idx="1">
+            <a:schemeClr val="accent1"/>
+          </a:fillRef>
+          <a:effectRef idx="0">
+            <a:schemeClr val="accent1"/>
+          </a:effectRef>
+          <a:fontRef idx="minor">
+            <a:schemeClr val="lt1"/>
+          </a:fontRef>
+        </p:style>
+        <p:txBody>
+          <a:bodyPr rtlCol="0" anchor="ctr"/>
           <a:lstStyle/>
           <a:p>
             <a:pPr algn="ctr"/>
-            <a:r>
-              <a:rPr lang="zh-TW" altLang="en-US" dirty="0"/>
-              <a:t>程式漏洞分析實戰</a:t>
-            </a:r>
-            <a:r>
-              <a:rPr lang="en-US" altLang="zh-TW" dirty="0"/>
-              <a:t>3(Angelboy_Pwn-2)</a:t>
-            </a:r>
-            <a:endParaRPr lang="zh-TW" altLang="en-US" dirty="0"/>
+            <a:endParaRPr lang="zh-TW" altLang="en-US"/>
           </a:p>
         </p:txBody>
       </p:sp>
     </p:spTree>
     <p:extLst>
       <p:ext uri="{BB962C8B-B14F-4D97-AF65-F5344CB8AC3E}">
-        <p14:creationId xmlns:p14="http://schemas.microsoft.com/office/powerpoint/2010/main" val="626348984"/>
+        <p14:creationId xmlns:p14="http://schemas.microsoft.com/office/powerpoint/2010/main" val="2909352977"/>
+      </p:ext>
+    </p:extLst>
+  </p:cSld>
+  <p:clrMapOvr>
+    <a:masterClrMapping/>
+  </p:clrMapOvr>
+</p:sld>
+</file>
+
+<file path=ppt/slides/slide7.xml><?xml version="1.0" encoding="utf-8"?>
+<p:sld xmlns:a="http://schemas.openxmlformats.org/drawingml/2006/main" xmlns:r="http://schemas.openxmlformats.org/officeDocument/2006/relationships" xmlns:p="http://schemas.openxmlformats.org/presentationml/2006/main">
+  <p:cSld>
+    <p:spTree>
+      <p:nvGrpSpPr>
+        <p:cNvPr id="1" name=""/>
+        <p:cNvGrpSpPr/>
+        <p:nvPr/>
+      </p:nvGrpSpPr>
+      <p:grpSpPr>
+        <a:xfrm>
+          <a:off x="0" y="0"/>
+          <a:ext cx="0" cy="0"/>
+          <a:chOff x="0" y="0"/>
+          <a:chExt cx="0" cy="0"/>
+        </a:xfrm>
+      </p:grpSpPr>
+      <p:pic>
+        <p:nvPicPr>
+          <p:cNvPr id="3" name="圖片 2">
+            <a:extLst>
+              <a:ext uri="{FF2B5EF4-FFF2-40B4-BE49-F238E27FC236}">
+                <a16:creationId xmlns:a16="http://schemas.microsoft.com/office/drawing/2014/main" id="{BA942185-AB97-1748-0B73-47795F0D3DB9}"/>
+              </a:ext>
+            </a:extLst>
+          </p:cNvPr>
+          <p:cNvPicPr>
+            <a:picLocks noChangeAspect="1"/>
+          </p:cNvPicPr>
+          <p:nvPr/>
+        </p:nvPicPr>
+        <p:blipFill>
+          <a:blip r:embed="rId2"/>
+          <a:stretch>
+            <a:fillRect/>
+          </a:stretch>
+        </p:blipFill>
+        <p:spPr>
+          <a:xfrm>
+            <a:off x="919992" y="3857535"/>
+            <a:ext cx="10352016" cy="2062155"/>
+          </a:xfrm>
+          <a:prstGeom prst="rect">
+            <a:avLst/>
+          </a:prstGeom>
+        </p:spPr>
+      </p:pic>
+      <p:sp>
+        <p:nvSpPr>
+          <p:cNvPr id="5" name="標題 1">
+            <a:extLst>
+              <a:ext uri="{FF2B5EF4-FFF2-40B4-BE49-F238E27FC236}">
+                <a16:creationId xmlns:a16="http://schemas.microsoft.com/office/drawing/2014/main" id="{FCFFB5A0-534B-ECCE-56DC-73A22288D73F}"/>
+              </a:ext>
+            </a:extLst>
+          </p:cNvPr>
+          <p:cNvSpPr txBox="1">
+            <a:spLocks/>
+          </p:cNvSpPr>
+          <p:nvPr/>
+        </p:nvSpPr>
+        <p:spPr>
+          <a:xfrm>
+            <a:off x="-1" y="1"/>
+            <a:ext cx="3825381" cy="782199"/>
+          </a:xfrm>
+          <a:prstGeom prst="rect">
+            <a:avLst/>
+          </a:prstGeom>
+        </p:spPr>
+        <p:txBody>
+          <a:bodyPr vert="horz" lIns="91440" tIns="45720" rIns="91440" bIns="45720" rtlCol="0" anchor="ctr">
+            <a:normAutofit/>
+          </a:bodyPr>
+          <a:lstStyle>
+            <a:lvl1pPr algn="ctr" defTabSz="914400">
+              <a:lnSpc>
+                <a:spcPct val="90000"/>
+              </a:lnSpc>
+              <a:spcBef>
+                <a:spcPct val="0"/>
+              </a:spcBef>
+              <a:buNone/>
+              <a:defRPr sz="4400" i="1">
+                <a:solidFill>
+                  <a:srgbClr val="FF0000"/>
+                </a:solidFill>
+                <a:latin typeface="+mj-lt"/>
+                <a:ea typeface="+mj-ea"/>
+                <a:cs typeface="+mj-cs"/>
+              </a:defRPr>
+            </a:lvl1pPr>
+          </a:lstStyle>
+          <a:p>
+            <a:r>
+              <a:rPr lang="en-US" altLang="zh-TW" sz="4000" dirty="0"/>
+              <a:t>$</a:t>
+            </a:r>
+            <a:r>
+              <a:rPr lang="zh-TW" altLang="en-US" sz="4000" dirty="0"/>
+              <a:t> 程式行為分析</a:t>
+            </a:r>
+          </a:p>
+        </p:txBody>
+      </p:sp>
+      <p:sp>
+        <p:nvSpPr>
+          <p:cNvPr id="8" name="矩形 7">
+            <a:extLst>
+              <a:ext uri="{FF2B5EF4-FFF2-40B4-BE49-F238E27FC236}">
+                <a16:creationId xmlns:a16="http://schemas.microsoft.com/office/drawing/2014/main" id="{30985F8E-9B63-B38E-48C1-2EE7593E10E5}"/>
+              </a:ext>
+            </a:extLst>
+          </p:cNvPr>
+          <p:cNvSpPr/>
+          <p:nvPr/>
+        </p:nvSpPr>
+        <p:spPr>
+          <a:xfrm>
+            <a:off x="1155783" y="4127737"/>
+            <a:ext cx="320680" cy="251316"/>
+          </a:xfrm>
+          <a:prstGeom prst="rect">
+            <a:avLst/>
+          </a:prstGeom>
+          <a:noFill/>
+          <a:ln>
+            <a:solidFill>
+              <a:srgbClr val="FF0000"/>
+            </a:solidFill>
+          </a:ln>
+        </p:spPr>
+        <p:style>
+          <a:lnRef idx="2">
+            <a:schemeClr val="accent1">
+              <a:shade val="50000"/>
+            </a:schemeClr>
+          </a:lnRef>
+          <a:fillRef idx="1">
+            <a:schemeClr val="accent1"/>
+          </a:fillRef>
+          <a:effectRef idx="0">
+            <a:schemeClr val="accent1"/>
+          </a:effectRef>
+          <a:fontRef idx="minor">
+            <a:schemeClr val="lt1"/>
+          </a:fontRef>
+        </p:style>
+        <p:txBody>
+          <a:bodyPr rtlCol="0" anchor="ctr"/>
+          <a:lstStyle/>
+          <a:p>
+            <a:pPr algn="ctr"/>
+            <a:endParaRPr lang="zh-TW" altLang="en-US"/>
+          </a:p>
+        </p:txBody>
+      </p:sp>
+      <p:sp>
+        <p:nvSpPr>
+          <p:cNvPr id="10" name="文字方塊 9">
+            <a:extLst>
+              <a:ext uri="{FF2B5EF4-FFF2-40B4-BE49-F238E27FC236}">
+                <a16:creationId xmlns:a16="http://schemas.microsoft.com/office/drawing/2014/main" id="{99C8CF4A-BE6A-EB12-4EF1-8BC5E0CBFC62}"/>
+              </a:ext>
+            </a:extLst>
+          </p:cNvPr>
+          <p:cNvSpPr txBox="1"/>
+          <p:nvPr/>
+        </p:nvSpPr>
+        <p:spPr>
+          <a:xfrm>
+            <a:off x="1856838" y="1121423"/>
+            <a:ext cx="2044044" cy="646331"/>
+          </a:xfrm>
+          <a:prstGeom prst="rect">
+            <a:avLst/>
+          </a:prstGeom>
+          <a:noFill/>
+          <a:ln w="28575">
+            <a:solidFill>
+              <a:srgbClr val="FFC000"/>
+            </a:solidFill>
+          </a:ln>
+        </p:spPr>
+        <p:txBody>
+          <a:bodyPr wrap="square" rtlCol="0">
+            <a:spAutoFit/>
+          </a:bodyPr>
+          <a:lstStyle/>
+          <a:p>
+            <a:r>
+              <a:rPr lang="zh-TW" altLang="en-US" dirty="0"/>
+              <a:t>顯示資料夾的檔案</a:t>
+            </a:r>
+            <a:r>
+              <a:rPr lang="en-US" altLang="zh-TW" dirty="0"/>
+              <a:t>(</a:t>
+            </a:r>
+            <a:r>
+              <a:rPr lang="zh-TW" altLang="en-US" dirty="0"/>
+              <a:t>不包括隱藏檔</a:t>
+            </a:r>
+            <a:r>
+              <a:rPr lang="en-US" altLang="zh-TW" dirty="0"/>
+              <a:t>)</a:t>
+            </a:r>
+            <a:r>
+              <a:rPr lang="zh-TW" altLang="en-US" dirty="0"/>
+              <a:t>。</a:t>
+            </a:r>
+          </a:p>
+        </p:txBody>
+      </p:sp>
+      <p:cxnSp>
+        <p:nvCxnSpPr>
+          <p:cNvPr id="14" name="接點: 肘形 13">
+            <a:extLst>
+              <a:ext uri="{FF2B5EF4-FFF2-40B4-BE49-F238E27FC236}">
+                <a16:creationId xmlns:a16="http://schemas.microsoft.com/office/drawing/2014/main" id="{FE3288B2-E24F-BFF0-4F41-DA441289A6ED}"/>
+              </a:ext>
+            </a:extLst>
+          </p:cNvPr>
+          <p:cNvCxnSpPr>
+            <a:cxnSpLocks/>
+            <a:stCxn id="8" idx="0"/>
+            <a:endCxn id="10" idx="2"/>
+          </p:cNvCxnSpPr>
+          <p:nvPr/>
+        </p:nvCxnSpPr>
+        <p:spPr>
+          <a:xfrm rot="5400000" flipH="1" flipV="1">
+            <a:off x="917500" y="2166378"/>
+            <a:ext cx="2359983" cy="1562737"/>
+          </a:xfrm>
+          <a:prstGeom prst="bentConnector3">
+            <a:avLst>
+              <a:gd name="adj1" fmla="val 83059"/>
+            </a:avLst>
+          </a:prstGeom>
+          <a:ln w="28575">
+            <a:solidFill>
+              <a:srgbClr val="FF0000"/>
+            </a:solidFill>
+            <a:tailEnd type="triangle"/>
+          </a:ln>
+        </p:spPr>
+        <p:style>
+          <a:lnRef idx="1">
+            <a:schemeClr val="accent1"/>
+          </a:lnRef>
+          <a:fillRef idx="0">
+            <a:schemeClr val="accent1"/>
+          </a:fillRef>
+          <a:effectRef idx="0">
+            <a:schemeClr val="accent1"/>
+          </a:effectRef>
+          <a:fontRef idx="minor">
+            <a:schemeClr val="tx1"/>
+          </a:fontRef>
+        </p:style>
+      </p:cxnSp>
+      <p:sp>
+        <p:nvSpPr>
+          <p:cNvPr id="23" name="矩形 22">
+            <a:extLst>
+              <a:ext uri="{FF2B5EF4-FFF2-40B4-BE49-F238E27FC236}">
+                <a16:creationId xmlns:a16="http://schemas.microsoft.com/office/drawing/2014/main" id="{477FD6A7-FC03-9374-1A2A-2ACF35266775}"/>
+              </a:ext>
+            </a:extLst>
+          </p:cNvPr>
+          <p:cNvSpPr/>
+          <p:nvPr/>
+        </p:nvSpPr>
+        <p:spPr>
+          <a:xfrm>
+            <a:off x="1682823" y="4129489"/>
+            <a:ext cx="115024" cy="251316"/>
+          </a:xfrm>
+          <a:prstGeom prst="rect">
+            <a:avLst/>
+          </a:prstGeom>
+          <a:noFill/>
+          <a:ln>
+            <a:solidFill>
+              <a:srgbClr val="FF0000"/>
+            </a:solidFill>
+          </a:ln>
+        </p:spPr>
+        <p:style>
+          <a:lnRef idx="2">
+            <a:schemeClr val="accent1">
+              <a:shade val="50000"/>
+            </a:schemeClr>
+          </a:lnRef>
+          <a:fillRef idx="1">
+            <a:schemeClr val="accent1"/>
+          </a:fillRef>
+          <a:effectRef idx="0">
+            <a:schemeClr val="accent1"/>
+          </a:effectRef>
+          <a:fontRef idx="minor">
+            <a:schemeClr val="lt1"/>
+          </a:fontRef>
+        </p:style>
+        <p:txBody>
+          <a:bodyPr rtlCol="0" anchor="ctr"/>
+          <a:lstStyle/>
+          <a:p>
+            <a:pPr algn="ctr"/>
+            <a:endParaRPr lang="zh-TW" altLang="en-US"/>
+          </a:p>
+        </p:txBody>
+      </p:sp>
+      <p:sp>
+        <p:nvSpPr>
+          <p:cNvPr id="24" name="文字方塊 23">
+            <a:extLst>
+              <a:ext uri="{FF2B5EF4-FFF2-40B4-BE49-F238E27FC236}">
+                <a16:creationId xmlns:a16="http://schemas.microsoft.com/office/drawing/2014/main" id="{2C7CB8B5-25CF-38F2-D30A-004D8EA58456}"/>
+              </a:ext>
+            </a:extLst>
+          </p:cNvPr>
+          <p:cNvSpPr txBox="1"/>
+          <p:nvPr/>
+        </p:nvSpPr>
+        <p:spPr>
+          <a:xfrm>
+            <a:off x="4674070" y="1750815"/>
+            <a:ext cx="1823273" cy="923330"/>
+          </a:xfrm>
+          <a:prstGeom prst="rect">
+            <a:avLst/>
+          </a:prstGeom>
+          <a:noFill/>
+          <a:ln w="28575">
+            <a:solidFill>
+              <a:srgbClr val="FFC000"/>
+            </a:solidFill>
+          </a:ln>
+        </p:spPr>
+        <p:txBody>
+          <a:bodyPr wrap="square" rtlCol="0">
+            <a:spAutoFit/>
+          </a:bodyPr>
+          <a:lstStyle/>
+          <a:p>
+            <a:r>
+              <a:rPr lang="zh-TW" altLang="en-US" dirty="0"/>
+              <a:t>每一行列出一個項目並顯示每個檔案的屬性。</a:t>
+            </a:r>
+          </a:p>
+        </p:txBody>
+      </p:sp>
+      <p:cxnSp>
+        <p:nvCxnSpPr>
+          <p:cNvPr id="25" name="接點: 肘形 24">
+            <a:extLst>
+              <a:ext uri="{FF2B5EF4-FFF2-40B4-BE49-F238E27FC236}">
+                <a16:creationId xmlns:a16="http://schemas.microsoft.com/office/drawing/2014/main" id="{3FC91474-D563-3354-B71E-B59BE34622B8}"/>
+              </a:ext>
+            </a:extLst>
+          </p:cNvPr>
+          <p:cNvCxnSpPr>
+            <a:cxnSpLocks/>
+            <a:stCxn id="23" idx="0"/>
+            <a:endCxn id="24" idx="2"/>
+          </p:cNvCxnSpPr>
+          <p:nvPr/>
+        </p:nvCxnSpPr>
+        <p:spPr>
+          <a:xfrm rot="5400000" flipH="1" flipV="1">
+            <a:off x="2935349" y="1479131"/>
+            <a:ext cx="1455344" cy="3845372"/>
+          </a:xfrm>
+          <a:prstGeom prst="bentConnector3">
+            <a:avLst>
+              <a:gd name="adj1" fmla="val 81127"/>
+            </a:avLst>
+          </a:prstGeom>
+          <a:ln w="28575">
+            <a:solidFill>
+              <a:srgbClr val="FF0000"/>
+            </a:solidFill>
+            <a:tailEnd type="triangle"/>
+          </a:ln>
+        </p:spPr>
+        <p:style>
+          <a:lnRef idx="1">
+            <a:schemeClr val="accent1"/>
+          </a:lnRef>
+          <a:fillRef idx="0">
+            <a:schemeClr val="accent1"/>
+          </a:fillRef>
+          <a:effectRef idx="0">
+            <a:schemeClr val="accent1"/>
+          </a:effectRef>
+          <a:fontRef idx="minor">
+            <a:schemeClr val="tx1"/>
+          </a:fontRef>
+        </p:style>
+      </p:cxnSp>
+      <p:sp>
+        <p:nvSpPr>
+          <p:cNvPr id="26" name="矩形 25">
+            <a:extLst>
+              <a:ext uri="{FF2B5EF4-FFF2-40B4-BE49-F238E27FC236}">
+                <a16:creationId xmlns:a16="http://schemas.microsoft.com/office/drawing/2014/main" id="{8723715E-7E3C-EB74-4063-70BB50752469}"/>
+              </a:ext>
+            </a:extLst>
+          </p:cNvPr>
+          <p:cNvSpPr/>
+          <p:nvPr/>
+        </p:nvSpPr>
+        <p:spPr>
+          <a:xfrm>
+            <a:off x="1819276" y="4127737"/>
+            <a:ext cx="115024" cy="251316"/>
+          </a:xfrm>
+          <a:prstGeom prst="rect">
+            <a:avLst/>
+          </a:prstGeom>
+          <a:noFill/>
+          <a:ln>
+            <a:solidFill>
+              <a:srgbClr val="FF0000"/>
+            </a:solidFill>
+          </a:ln>
+        </p:spPr>
+        <p:style>
+          <a:lnRef idx="2">
+            <a:schemeClr val="accent1">
+              <a:shade val="50000"/>
+            </a:schemeClr>
+          </a:lnRef>
+          <a:fillRef idx="1">
+            <a:schemeClr val="accent1"/>
+          </a:fillRef>
+          <a:effectRef idx="0">
+            <a:schemeClr val="accent1"/>
+          </a:effectRef>
+          <a:fontRef idx="minor">
+            <a:schemeClr val="lt1"/>
+          </a:fontRef>
+        </p:style>
+        <p:txBody>
+          <a:bodyPr rtlCol="0" anchor="ctr"/>
+          <a:lstStyle/>
+          <a:p>
+            <a:pPr algn="ctr"/>
+            <a:endParaRPr lang="zh-TW" altLang="en-US"/>
+          </a:p>
+        </p:txBody>
+      </p:sp>
+      <p:sp>
+        <p:nvSpPr>
+          <p:cNvPr id="27" name="文字方塊 26">
+            <a:extLst>
+              <a:ext uri="{FF2B5EF4-FFF2-40B4-BE49-F238E27FC236}">
+                <a16:creationId xmlns:a16="http://schemas.microsoft.com/office/drawing/2014/main" id="{483BDA67-A99C-85DC-AB56-8636C833B4F5}"/>
+              </a:ext>
+            </a:extLst>
+          </p:cNvPr>
+          <p:cNvSpPr txBox="1"/>
+          <p:nvPr/>
+        </p:nvSpPr>
+        <p:spPr>
+          <a:xfrm>
+            <a:off x="7176780" y="2809246"/>
+            <a:ext cx="2137795" cy="646331"/>
+          </a:xfrm>
+          <a:prstGeom prst="rect">
+            <a:avLst/>
+          </a:prstGeom>
+          <a:noFill/>
+          <a:ln w="28575">
+            <a:solidFill>
+              <a:srgbClr val="FFC000"/>
+            </a:solidFill>
+          </a:ln>
+        </p:spPr>
+        <p:txBody>
+          <a:bodyPr wrap="square" rtlCol="0">
+            <a:spAutoFit/>
+          </a:bodyPr>
+          <a:lstStyle/>
+          <a:p>
+            <a:r>
+              <a:rPr lang="zh-TW" altLang="en-US" dirty="0"/>
+              <a:t>顯示所有資料夾的檔案</a:t>
+            </a:r>
+            <a:r>
+              <a:rPr lang="en-US" altLang="zh-TW" dirty="0"/>
+              <a:t>(</a:t>
+            </a:r>
+            <a:r>
+              <a:rPr lang="zh-TW" altLang="en-US" dirty="0"/>
+              <a:t>包括隱藏檔</a:t>
+            </a:r>
+            <a:r>
+              <a:rPr lang="en-US" altLang="zh-TW" dirty="0"/>
+              <a:t>)</a:t>
+            </a:r>
+            <a:endParaRPr lang="zh-TW" altLang="en-US" dirty="0"/>
+          </a:p>
+        </p:txBody>
+      </p:sp>
+      <p:cxnSp>
+        <p:nvCxnSpPr>
+          <p:cNvPr id="28" name="接點: 肘形 27">
+            <a:extLst>
+              <a:ext uri="{FF2B5EF4-FFF2-40B4-BE49-F238E27FC236}">
+                <a16:creationId xmlns:a16="http://schemas.microsoft.com/office/drawing/2014/main" id="{E4E8B922-FB19-4E55-CE32-75C76C2500FE}"/>
+              </a:ext>
+            </a:extLst>
+          </p:cNvPr>
+          <p:cNvCxnSpPr>
+            <a:cxnSpLocks/>
+            <a:stCxn id="26" idx="0"/>
+            <a:endCxn id="27" idx="2"/>
+          </p:cNvCxnSpPr>
+          <p:nvPr/>
+        </p:nvCxnSpPr>
+        <p:spPr>
+          <a:xfrm rot="5400000" flipH="1" flipV="1">
+            <a:off x="4725153" y="607212"/>
+            <a:ext cx="672160" cy="6368890"/>
+          </a:xfrm>
+          <a:prstGeom prst="bentConnector3">
+            <a:avLst>
+              <a:gd name="adj1" fmla="val 50000"/>
+            </a:avLst>
+          </a:prstGeom>
+          <a:ln w="28575">
+            <a:solidFill>
+              <a:srgbClr val="FF0000"/>
+            </a:solidFill>
+            <a:tailEnd type="triangle"/>
+          </a:ln>
+        </p:spPr>
+        <p:style>
+          <a:lnRef idx="1">
+            <a:schemeClr val="accent1"/>
+          </a:lnRef>
+          <a:fillRef idx="0">
+            <a:schemeClr val="accent1"/>
+          </a:fillRef>
+          <a:effectRef idx="0">
+            <a:schemeClr val="accent1"/>
+          </a:effectRef>
+          <a:fontRef idx="minor">
+            <a:schemeClr val="tx1"/>
+          </a:fontRef>
+        </p:style>
+      </p:cxnSp>
+    </p:spTree>
+    <p:extLst>
+      <p:ext uri="{BB962C8B-B14F-4D97-AF65-F5344CB8AC3E}">
+        <p14:creationId xmlns:p14="http://schemas.microsoft.com/office/powerpoint/2010/main" val="4146915270"/>
+      </p:ext>
+    </p:extLst>
+  </p:cSld>
+  <p:clrMapOvr>
+    <a:masterClrMapping/>
+  </p:clrMapOvr>
+</p:sld>
+</file>
+
+<file path=ppt/slides/slide8.xml><?xml version="1.0" encoding="utf-8"?>
+<p:sld xmlns:a="http://schemas.openxmlformats.org/drawingml/2006/main" xmlns:r="http://schemas.openxmlformats.org/officeDocument/2006/relationships" xmlns:p="http://schemas.openxmlformats.org/presentationml/2006/main">
+  <p:cSld>
+    <p:spTree>
+      <p:nvGrpSpPr>
+        <p:cNvPr id="1" name=""/>
+        <p:cNvGrpSpPr/>
+        <p:nvPr/>
+      </p:nvGrpSpPr>
+      <p:grpSpPr>
+        <a:xfrm>
+          <a:off x="0" y="0"/>
+          <a:ext cx="0" cy="0"/>
+          <a:chOff x="0" y="0"/>
+          <a:chExt cx="0" cy="0"/>
+        </a:xfrm>
+      </p:grpSpPr>
+      <p:pic>
+        <p:nvPicPr>
+          <p:cNvPr id="7" name="圖片 6">
+            <a:extLst>
+              <a:ext uri="{FF2B5EF4-FFF2-40B4-BE49-F238E27FC236}">
+                <a16:creationId xmlns:a16="http://schemas.microsoft.com/office/drawing/2014/main" id="{53867864-97BC-7D17-20A3-C9016634D43B}"/>
+              </a:ext>
+            </a:extLst>
+          </p:cNvPr>
+          <p:cNvPicPr>
+            <a:picLocks noChangeAspect="1"/>
+          </p:cNvPicPr>
+          <p:nvPr/>
+        </p:nvPicPr>
+        <p:blipFill>
+          <a:blip r:embed="rId2"/>
+          <a:stretch>
+            <a:fillRect/>
+          </a:stretch>
+        </p:blipFill>
+        <p:spPr>
+          <a:xfrm>
+            <a:off x="1349032" y="3659700"/>
+            <a:ext cx="9493936" cy="2514950"/>
+          </a:xfrm>
+          <a:prstGeom prst="rect">
+            <a:avLst/>
+          </a:prstGeom>
+        </p:spPr>
+      </p:pic>
+      <p:sp>
+        <p:nvSpPr>
+          <p:cNvPr id="5" name="標題 1">
+            <a:extLst>
+              <a:ext uri="{FF2B5EF4-FFF2-40B4-BE49-F238E27FC236}">
+                <a16:creationId xmlns:a16="http://schemas.microsoft.com/office/drawing/2014/main" id="{FCFFB5A0-534B-ECCE-56DC-73A22288D73F}"/>
+              </a:ext>
+            </a:extLst>
+          </p:cNvPr>
+          <p:cNvSpPr txBox="1">
+            <a:spLocks/>
+          </p:cNvSpPr>
+          <p:nvPr/>
+        </p:nvSpPr>
+        <p:spPr>
+          <a:xfrm>
+            <a:off x="-1" y="1"/>
+            <a:ext cx="3825381" cy="782199"/>
+          </a:xfrm>
+          <a:prstGeom prst="rect">
+            <a:avLst/>
+          </a:prstGeom>
+        </p:spPr>
+        <p:txBody>
+          <a:bodyPr vert="horz" lIns="91440" tIns="45720" rIns="91440" bIns="45720" rtlCol="0" anchor="ctr">
+            <a:normAutofit/>
+          </a:bodyPr>
+          <a:lstStyle>
+            <a:lvl1pPr algn="ctr" defTabSz="914400">
+              <a:lnSpc>
+                <a:spcPct val="90000"/>
+              </a:lnSpc>
+              <a:spcBef>
+                <a:spcPct val="0"/>
+              </a:spcBef>
+              <a:buNone/>
+              <a:defRPr sz="4400" i="1">
+                <a:solidFill>
+                  <a:srgbClr val="FF0000"/>
+                </a:solidFill>
+                <a:latin typeface="+mj-lt"/>
+                <a:ea typeface="+mj-ea"/>
+                <a:cs typeface="+mj-cs"/>
+              </a:defRPr>
+            </a:lvl1pPr>
+          </a:lstStyle>
+          <a:p>
+            <a:r>
+              <a:rPr lang="en-US" altLang="zh-TW" sz="4000" dirty="0"/>
+              <a:t>$</a:t>
+            </a:r>
+            <a:r>
+              <a:rPr lang="zh-TW" altLang="en-US" sz="4000" dirty="0"/>
+              <a:t> 程式行為分析</a:t>
+            </a:r>
+          </a:p>
+        </p:txBody>
+      </p:sp>
+      <p:sp>
+        <p:nvSpPr>
+          <p:cNvPr id="8" name="矩形 7">
+            <a:extLst>
+              <a:ext uri="{FF2B5EF4-FFF2-40B4-BE49-F238E27FC236}">
+                <a16:creationId xmlns:a16="http://schemas.microsoft.com/office/drawing/2014/main" id="{30985F8E-9B63-B38E-48C1-2EE7593E10E5}"/>
+              </a:ext>
+            </a:extLst>
+          </p:cNvPr>
+          <p:cNvSpPr/>
+          <p:nvPr/>
+        </p:nvSpPr>
+        <p:spPr>
+          <a:xfrm>
+            <a:off x="1592008" y="3876068"/>
+            <a:ext cx="589129" cy="251316"/>
+          </a:xfrm>
+          <a:prstGeom prst="rect">
+            <a:avLst/>
+          </a:prstGeom>
+          <a:noFill/>
+          <a:ln>
+            <a:solidFill>
+              <a:srgbClr val="FF0000"/>
+            </a:solidFill>
+          </a:ln>
+        </p:spPr>
+        <p:style>
+          <a:lnRef idx="2">
+            <a:schemeClr val="accent1">
+              <a:shade val="50000"/>
+            </a:schemeClr>
+          </a:lnRef>
+          <a:fillRef idx="1">
+            <a:schemeClr val="accent1"/>
+          </a:fillRef>
+          <a:effectRef idx="0">
+            <a:schemeClr val="accent1"/>
+          </a:effectRef>
+          <a:fontRef idx="minor">
+            <a:schemeClr val="lt1"/>
+          </a:fontRef>
+        </p:style>
+        <p:txBody>
+          <a:bodyPr rtlCol="0" anchor="ctr"/>
+          <a:lstStyle/>
+          <a:p>
+            <a:pPr algn="ctr"/>
+            <a:endParaRPr lang="zh-TW" altLang="en-US"/>
+          </a:p>
+        </p:txBody>
+      </p:sp>
+      <p:sp>
+        <p:nvSpPr>
+          <p:cNvPr id="10" name="文字方塊 9">
+            <a:extLst>
+              <a:ext uri="{FF2B5EF4-FFF2-40B4-BE49-F238E27FC236}">
+                <a16:creationId xmlns:a16="http://schemas.microsoft.com/office/drawing/2014/main" id="{99C8CF4A-BE6A-EB12-4EF1-8BC5E0CBFC62}"/>
+              </a:ext>
+            </a:extLst>
+          </p:cNvPr>
+          <p:cNvSpPr txBox="1"/>
+          <p:nvPr/>
+        </p:nvSpPr>
+        <p:spPr>
+          <a:xfrm>
+            <a:off x="3245421" y="1404328"/>
+            <a:ext cx="2044043" cy="646331"/>
+          </a:xfrm>
+          <a:prstGeom prst="rect">
+            <a:avLst/>
+          </a:prstGeom>
+          <a:noFill/>
+          <a:ln w="28575">
+            <a:solidFill>
+              <a:srgbClr val="FFC000"/>
+            </a:solidFill>
+          </a:ln>
+        </p:spPr>
+        <p:txBody>
+          <a:bodyPr wrap="square" rtlCol="0">
+            <a:spAutoFit/>
+          </a:bodyPr>
+          <a:lstStyle/>
+          <a:p>
+            <a:r>
+              <a:rPr lang="zh-TW" altLang="en-US" dirty="0"/>
+              <a:t>用於控制使用者對於檔案的權限。</a:t>
+            </a:r>
+          </a:p>
+        </p:txBody>
+      </p:sp>
+      <p:cxnSp>
+        <p:nvCxnSpPr>
+          <p:cNvPr id="14" name="接點: 肘形 13">
+            <a:extLst>
+              <a:ext uri="{FF2B5EF4-FFF2-40B4-BE49-F238E27FC236}">
+                <a16:creationId xmlns:a16="http://schemas.microsoft.com/office/drawing/2014/main" id="{FE3288B2-E24F-BFF0-4F41-DA441289A6ED}"/>
+              </a:ext>
+            </a:extLst>
+          </p:cNvPr>
+          <p:cNvCxnSpPr>
+            <a:cxnSpLocks/>
+            <a:stCxn id="8" idx="0"/>
+            <a:endCxn id="10" idx="1"/>
+          </p:cNvCxnSpPr>
+          <p:nvPr/>
+        </p:nvCxnSpPr>
+        <p:spPr>
+          <a:xfrm rot="5400000" flipH="1" flipV="1">
+            <a:off x="1491710" y="2122357"/>
+            <a:ext cx="2148574" cy="1358848"/>
+          </a:xfrm>
+          <a:prstGeom prst="bentConnector2">
+            <a:avLst/>
+          </a:prstGeom>
+          <a:ln w="28575">
+            <a:solidFill>
+              <a:srgbClr val="FF0000"/>
+            </a:solidFill>
+            <a:tailEnd type="triangle"/>
+          </a:ln>
+        </p:spPr>
+        <p:style>
+          <a:lnRef idx="1">
+            <a:schemeClr val="accent1"/>
+          </a:lnRef>
+          <a:fillRef idx="0">
+            <a:schemeClr val="accent1"/>
+          </a:fillRef>
+          <a:effectRef idx="0">
+            <a:schemeClr val="accent1"/>
+          </a:effectRef>
+          <a:fontRef idx="minor">
+            <a:schemeClr val="tx1"/>
+          </a:fontRef>
+        </p:style>
+      </p:cxnSp>
+      <p:sp>
+        <p:nvSpPr>
+          <p:cNvPr id="29" name="矩形 28">
+            <a:extLst>
+              <a:ext uri="{FF2B5EF4-FFF2-40B4-BE49-F238E27FC236}">
+                <a16:creationId xmlns:a16="http://schemas.microsoft.com/office/drawing/2014/main" id="{DC8B39CD-4C75-F92A-C5C6-A79612C0D8E9}"/>
+              </a:ext>
+            </a:extLst>
+          </p:cNvPr>
+          <p:cNvSpPr/>
+          <p:nvPr/>
+        </p:nvSpPr>
+        <p:spPr>
+          <a:xfrm>
+            <a:off x="2271433" y="3877820"/>
+            <a:ext cx="287210" cy="251316"/>
+          </a:xfrm>
+          <a:prstGeom prst="rect">
+            <a:avLst/>
+          </a:prstGeom>
+          <a:noFill/>
+          <a:ln>
+            <a:solidFill>
+              <a:srgbClr val="FF0000"/>
+            </a:solidFill>
+          </a:ln>
+        </p:spPr>
+        <p:style>
+          <a:lnRef idx="2">
+            <a:schemeClr val="accent1">
+              <a:shade val="50000"/>
+            </a:schemeClr>
+          </a:lnRef>
+          <a:fillRef idx="1">
+            <a:schemeClr val="accent1"/>
+          </a:fillRef>
+          <a:effectRef idx="0">
+            <a:schemeClr val="accent1"/>
+          </a:effectRef>
+          <a:fontRef idx="minor">
+            <a:schemeClr val="lt1"/>
+          </a:fontRef>
+        </p:style>
+        <p:txBody>
+          <a:bodyPr rtlCol="0" anchor="ctr"/>
+          <a:lstStyle/>
+          <a:p>
+            <a:pPr algn="ctr"/>
+            <a:endParaRPr lang="zh-TW" altLang="en-US"/>
+          </a:p>
+        </p:txBody>
+      </p:sp>
+      <p:sp>
+        <p:nvSpPr>
+          <p:cNvPr id="30" name="文字方塊 29">
+            <a:extLst>
+              <a:ext uri="{FF2B5EF4-FFF2-40B4-BE49-F238E27FC236}">
+                <a16:creationId xmlns:a16="http://schemas.microsoft.com/office/drawing/2014/main" id="{1330BE77-3AEB-F78B-A751-221133009BB5}"/>
+              </a:ext>
+            </a:extLst>
+          </p:cNvPr>
+          <p:cNvSpPr txBox="1"/>
+          <p:nvPr/>
+        </p:nvSpPr>
+        <p:spPr>
+          <a:xfrm>
+            <a:off x="5289464" y="2564221"/>
+            <a:ext cx="2044043" cy="646331"/>
+          </a:xfrm>
+          <a:prstGeom prst="rect">
+            <a:avLst/>
+          </a:prstGeom>
+          <a:noFill/>
+          <a:ln w="28575">
+            <a:solidFill>
+              <a:srgbClr val="FFC000"/>
+            </a:solidFill>
+          </a:ln>
+        </p:spPr>
+        <p:txBody>
+          <a:bodyPr wrap="square" rtlCol="0">
+            <a:spAutoFit/>
+          </a:bodyPr>
+          <a:lstStyle/>
+          <a:p>
+            <a:r>
+              <a:rPr lang="zh-TW" altLang="en-US" dirty="0"/>
+              <a:t>給予所有使用者可執行權限。</a:t>
+            </a:r>
+          </a:p>
+        </p:txBody>
+      </p:sp>
+      <p:cxnSp>
+        <p:nvCxnSpPr>
+          <p:cNvPr id="31" name="接點: 肘形 30">
+            <a:extLst>
+              <a:ext uri="{FF2B5EF4-FFF2-40B4-BE49-F238E27FC236}">
+                <a16:creationId xmlns:a16="http://schemas.microsoft.com/office/drawing/2014/main" id="{04D5B17E-1EF5-1FE3-752C-F6740D02A006}"/>
+              </a:ext>
+            </a:extLst>
+          </p:cNvPr>
+          <p:cNvCxnSpPr>
+            <a:cxnSpLocks/>
+            <a:stCxn id="29" idx="0"/>
+            <a:endCxn id="30" idx="1"/>
+          </p:cNvCxnSpPr>
+          <p:nvPr/>
+        </p:nvCxnSpPr>
+        <p:spPr>
+          <a:xfrm rot="5400000" flipH="1" flipV="1">
+            <a:off x="3357035" y="1945391"/>
+            <a:ext cx="990433" cy="2874426"/>
+          </a:xfrm>
+          <a:prstGeom prst="bentConnector2">
+            <a:avLst/>
+          </a:prstGeom>
+          <a:ln w="28575">
+            <a:solidFill>
+              <a:srgbClr val="FF0000"/>
+            </a:solidFill>
+            <a:tailEnd type="triangle"/>
+          </a:ln>
+        </p:spPr>
+        <p:style>
+          <a:lnRef idx="1">
+            <a:schemeClr val="accent1"/>
+          </a:lnRef>
+          <a:fillRef idx="0">
+            <a:schemeClr val="accent1"/>
+          </a:fillRef>
+          <a:effectRef idx="0">
+            <a:schemeClr val="accent1"/>
+          </a:effectRef>
+          <a:fontRef idx="minor">
+            <a:schemeClr val="tx1"/>
+          </a:fontRef>
+        </p:style>
+      </p:cxnSp>
+    </p:spTree>
+    <p:extLst>
+      <p:ext uri="{BB962C8B-B14F-4D97-AF65-F5344CB8AC3E}">
+        <p14:creationId xmlns:p14="http://schemas.microsoft.com/office/powerpoint/2010/main" val="1309465115"/>
+      </p:ext>
+    </p:extLst>
+  </p:cSld>
+  <p:clrMapOvr>
+    <a:masterClrMapping/>
+  </p:clrMapOvr>
+</p:sld>
+</file>
+
+<file path=ppt/slides/slide9.xml><?xml version="1.0" encoding="utf-8"?>
+<p:sld xmlns:a="http://schemas.openxmlformats.org/drawingml/2006/main" xmlns:r="http://schemas.openxmlformats.org/officeDocument/2006/relationships" xmlns:p="http://schemas.openxmlformats.org/presentationml/2006/main">
+  <p:cSld>
+    <p:spTree>
+      <p:nvGrpSpPr>
+        <p:cNvPr id="1" name=""/>
+        <p:cNvGrpSpPr/>
+        <p:nvPr/>
+      </p:nvGrpSpPr>
+      <p:grpSpPr>
+        <a:xfrm>
+          <a:off x="0" y="0"/>
+          <a:ext cx="0" cy="0"/>
+          <a:chOff x="0" y="0"/>
+          <a:chExt cx="0" cy="0"/>
+        </a:xfrm>
+      </p:grpSpPr>
+      <p:sp>
+        <p:nvSpPr>
+          <p:cNvPr id="5" name="標題 1">
+            <a:extLst>
+              <a:ext uri="{FF2B5EF4-FFF2-40B4-BE49-F238E27FC236}">
+                <a16:creationId xmlns:a16="http://schemas.microsoft.com/office/drawing/2014/main" id="{FCFFB5A0-534B-ECCE-56DC-73A22288D73F}"/>
+              </a:ext>
+            </a:extLst>
+          </p:cNvPr>
+          <p:cNvSpPr txBox="1">
+            <a:spLocks/>
+          </p:cNvSpPr>
+          <p:nvPr/>
+        </p:nvSpPr>
+        <p:spPr>
+          <a:xfrm>
+            <a:off x="-1" y="1"/>
+            <a:ext cx="3825381" cy="782199"/>
+          </a:xfrm>
+          <a:prstGeom prst="rect">
+            <a:avLst/>
+          </a:prstGeom>
+        </p:spPr>
+        <p:txBody>
+          <a:bodyPr vert="horz" lIns="91440" tIns="45720" rIns="91440" bIns="45720" rtlCol="0" anchor="ctr">
+            <a:normAutofit/>
+          </a:bodyPr>
+          <a:lstStyle>
+            <a:lvl1pPr algn="ctr" defTabSz="914400">
+              <a:lnSpc>
+                <a:spcPct val="90000"/>
+              </a:lnSpc>
+              <a:spcBef>
+                <a:spcPct val="0"/>
+              </a:spcBef>
+              <a:buNone/>
+              <a:defRPr sz="4400" i="1">
+                <a:solidFill>
+                  <a:srgbClr val="FF0000"/>
+                </a:solidFill>
+                <a:latin typeface="+mj-lt"/>
+                <a:ea typeface="+mj-ea"/>
+                <a:cs typeface="+mj-cs"/>
+              </a:defRPr>
+            </a:lvl1pPr>
+          </a:lstStyle>
+          <a:p>
+            <a:r>
+              <a:rPr lang="en-US" altLang="zh-TW" sz="4000" dirty="0"/>
+              <a:t>$</a:t>
+            </a:r>
+            <a:r>
+              <a:rPr lang="zh-TW" altLang="en-US" sz="4000" dirty="0"/>
+              <a:t> 程式行為分析</a:t>
+            </a:r>
+          </a:p>
+        </p:txBody>
+      </p:sp>
+      <p:pic>
+        <p:nvPicPr>
+          <p:cNvPr id="7" name="圖片 6">
+            <a:extLst>
+              <a:ext uri="{FF2B5EF4-FFF2-40B4-BE49-F238E27FC236}">
+                <a16:creationId xmlns:a16="http://schemas.microsoft.com/office/drawing/2014/main" id="{B593B202-7092-BE86-6A66-06485003CD7A}"/>
+              </a:ext>
+            </a:extLst>
+          </p:cNvPr>
+          <p:cNvPicPr>
+            <a:picLocks noChangeAspect="1"/>
+          </p:cNvPicPr>
+          <p:nvPr/>
+        </p:nvPicPr>
+        <p:blipFill>
+          <a:blip r:embed="rId2"/>
+          <a:stretch>
+            <a:fillRect/>
+          </a:stretch>
+        </p:blipFill>
+        <p:spPr>
+          <a:xfrm>
+            <a:off x="1830984" y="2301729"/>
+            <a:ext cx="8530031" cy="2007066"/>
+          </a:xfrm>
+          <a:prstGeom prst="rect">
+            <a:avLst/>
+          </a:prstGeom>
+        </p:spPr>
+      </p:pic>
+      <p:sp>
+        <p:nvSpPr>
+          <p:cNvPr id="8" name="矩形 7">
+            <a:extLst>
+              <a:ext uri="{FF2B5EF4-FFF2-40B4-BE49-F238E27FC236}">
+                <a16:creationId xmlns:a16="http://schemas.microsoft.com/office/drawing/2014/main" id="{30985F8E-9B63-B38E-48C1-2EE7593E10E5}"/>
+              </a:ext>
+            </a:extLst>
+          </p:cNvPr>
+          <p:cNvSpPr/>
+          <p:nvPr/>
+        </p:nvSpPr>
+        <p:spPr>
+          <a:xfrm>
+            <a:off x="6742851" y="3720517"/>
+            <a:ext cx="555572" cy="448810"/>
+          </a:xfrm>
+          <a:prstGeom prst="rect">
+            <a:avLst/>
+          </a:prstGeom>
+          <a:noFill/>
+          <a:ln>
+            <a:solidFill>
+              <a:srgbClr val="FF0000"/>
+            </a:solidFill>
+          </a:ln>
+        </p:spPr>
+        <p:style>
+          <a:lnRef idx="2">
+            <a:schemeClr val="accent1">
+              <a:shade val="50000"/>
+            </a:schemeClr>
+          </a:lnRef>
+          <a:fillRef idx="1">
+            <a:schemeClr val="accent1"/>
+          </a:fillRef>
+          <a:effectRef idx="0">
+            <a:schemeClr val="accent1"/>
+          </a:effectRef>
+          <a:fontRef idx="minor">
+            <a:schemeClr val="lt1"/>
+          </a:fontRef>
+        </p:style>
+        <p:txBody>
+          <a:bodyPr rtlCol="0" anchor="ctr"/>
+          <a:lstStyle/>
+          <a:p>
+            <a:pPr algn="ctr"/>
+            <a:endParaRPr lang="zh-TW" altLang="en-US"/>
+          </a:p>
+        </p:txBody>
+      </p:sp>
+      <p:cxnSp>
+        <p:nvCxnSpPr>
+          <p:cNvPr id="9" name="直線單箭頭接點 8">
+            <a:extLst>
+              <a:ext uri="{FF2B5EF4-FFF2-40B4-BE49-F238E27FC236}">
+                <a16:creationId xmlns:a16="http://schemas.microsoft.com/office/drawing/2014/main" id="{4FDFDAE7-71DC-1F5A-AECA-D0FC27B5C365}"/>
+              </a:ext>
+            </a:extLst>
+          </p:cNvPr>
+          <p:cNvCxnSpPr>
+            <a:cxnSpLocks/>
+            <a:stCxn id="8" idx="2"/>
+            <a:endCxn id="10" idx="0"/>
+          </p:cNvCxnSpPr>
+          <p:nvPr/>
+        </p:nvCxnSpPr>
+        <p:spPr>
+          <a:xfrm>
+            <a:off x="7020637" y="4169327"/>
+            <a:ext cx="0" cy="1049456"/>
+          </a:xfrm>
+          <a:prstGeom prst="straightConnector1">
+            <a:avLst/>
+          </a:prstGeom>
+          <a:ln w="12700">
+            <a:solidFill>
+              <a:srgbClr val="FF0000"/>
+            </a:solidFill>
+            <a:tailEnd type="triangle"/>
+          </a:ln>
+        </p:spPr>
+        <p:style>
+          <a:lnRef idx="1">
+            <a:schemeClr val="accent1"/>
+          </a:lnRef>
+          <a:fillRef idx="0">
+            <a:schemeClr val="accent1"/>
+          </a:fillRef>
+          <a:effectRef idx="0">
+            <a:schemeClr val="accent1"/>
+          </a:effectRef>
+          <a:fontRef idx="minor">
+            <a:schemeClr val="tx1"/>
+          </a:fontRef>
+        </p:style>
+      </p:cxnSp>
+      <p:sp>
+        <p:nvSpPr>
+          <p:cNvPr id="10" name="文字方塊 9">
+            <a:extLst>
+              <a:ext uri="{FF2B5EF4-FFF2-40B4-BE49-F238E27FC236}">
+                <a16:creationId xmlns:a16="http://schemas.microsoft.com/office/drawing/2014/main" id="{99C8CF4A-BE6A-EB12-4EF1-8BC5E0CBFC62}"/>
+              </a:ext>
+            </a:extLst>
+          </p:cNvPr>
+          <p:cNvSpPr txBox="1"/>
+          <p:nvPr/>
+        </p:nvSpPr>
+        <p:spPr>
+          <a:xfrm>
+            <a:off x="6118820" y="5218783"/>
+            <a:ext cx="1803633" cy="369332"/>
+          </a:xfrm>
+          <a:prstGeom prst="rect">
+            <a:avLst/>
+          </a:prstGeom>
+          <a:noFill/>
+          <a:ln w="28575">
+            <a:solidFill>
+              <a:srgbClr val="FFC000"/>
+            </a:solidFill>
+          </a:ln>
+        </p:spPr>
+        <p:txBody>
+          <a:bodyPr wrap="square" rtlCol="0">
+            <a:spAutoFit/>
+          </a:bodyPr>
+          <a:lstStyle/>
+          <a:p>
+            <a:r>
+              <a:rPr lang="zh-TW" altLang="en-US" dirty="0"/>
+              <a:t>要求使用者輸入</a:t>
+            </a:r>
+          </a:p>
+        </p:txBody>
+      </p:sp>
+    </p:spTree>
+    <p:extLst>
+      <p:ext uri="{BB962C8B-B14F-4D97-AF65-F5344CB8AC3E}">
+        <p14:creationId xmlns:p14="http://schemas.microsoft.com/office/powerpoint/2010/main" val="2740073124"/>
       </p:ext>
     </p:extLst>
   </p:cSld>
